--- a/Sheme.pptx
+++ b/Sheme.pptx
@@ -5,13 +5,17 @@
     <p:sldMasterId id="2147483708" r:id="rId1"/>
   </p:sldMasterIdLst>
   <p:notesMasterIdLst>
-    <p:notesMasterId r:id="rId6"/>
+    <p:notesMasterId r:id="rId10"/>
   </p:notesMasterIdLst>
   <p:sldIdLst>
     <p:sldId id="256" r:id="rId2"/>
     <p:sldId id="257" r:id="rId3"/>
     <p:sldId id="258" r:id="rId4"/>
     <p:sldId id="259" r:id="rId5"/>
+    <p:sldId id="260" r:id="rId6"/>
+    <p:sldId id="261" r:id="rId7"/>
+    <p:sldId id="263" r:id="rId8"/>
+    <p:sldId id="262" r:id="rId9"/>
   </p:sldIdLst>
   <p:sldSz cx="9144000" cy="6858000" type="screen4x3"/>
   <p:notesSz cx="6858000" cy="9144000"/>
@@ -110,7 +114,2623 @@
       </a:defRPr>
     </a:lvl9pPr>
   </p:defaultTextStyle>
+  <p:extLst>
+    <p:ext uri="{EFAFB233-063F-42B5-8137-9DF3F51BA10A}">
+      <p15:sldGuideLst xmlns:p15="http://schemas.microsoft.com/office/powerpoint/2012/main">
+        <p15:guide id="1" orient="horz" pos="2160">
+          <p15:clr>
+            <a:srgbClr val="A4A3A4"/>
+          </p15:clr>
+        </p15:guide>
+        <p15:guide id="2" pos="2880">
+          <p15:clr>
+            <a:srgbClr val="A4A3A4"/>
+          </p15:clr>
+        </p15:guide>
+      </p15:sldGuideLst>
+    </p:ext>
+  </p:extLst>
 </p:presentation>
+</file>
+
+<file path=ppt/diagrams/colors1.xml><?xml version="1.0" encoding="utf-8"?>
+<dgm:colorsDef xmlns:dgm="http://schemas.openxmlformats.org/drawingml/2006/diagram" xmlns:a="http://schemas.openxmlformats.org/drawingml/2006/main" uniqueId="urn:microsoft.com/office/officeart/2005/8/colors/accent1_2">
+  <dgm:title val=""/>
+  <dgm:desc val=""/>
+  <dgm:catLst>
+    <dgm:cat type="accent1" pri="11200"/>
+  </dgm:catLst>
+  <dgm:styleLbl name="node0">
+    <dgm:fillClrLst meth="repeat">
+      <a:schemeClr val="accent1"/>
+    </dgm:fillClrLst>
+    <dgm:linClrLst meth="repeat">
+      <a:schemeClr val="lt1"/>
+    </dgm:linClrLst>
+    <dgm:effectClrLst/>
+    <dgm:txLinClrLst/>
+    <dgm:txFillClrLst/>
+    <dgm:txEffectClrLst/>
+  </dgm:styleLbl>
+  <dgm:styleLbl name="alignNode1">
+    <dgm:fillClrLst meth="repeat">
+      <a:schemeClr val="accent1"/>
+    </dgm:fillClrLst>
+    <dgm:linClrLst meth="repeat">
+      <a:schemeClr val="accent1"/>
+    </dgm:linClrLst>
+    <dgm:effectClrLst/>
+    <dgm:txLinClrLst/>
+    <dgm:txFillClrLst/>
+    <dgm:txEffectClrLst/>
+  </dgm:styleLbl>
+  <dgm:styleLbl name="node1">
+    <dgm:fillClrLst meth="repeat">
+      <a:schemeClr val="accent1"/>
+    </dgm:fillClrLst>
+    <dgm:linClrLst meth="repeat">
+      <a:schemeClr val="lt1"/>
+    </dgm:linClrLst>
+    <dgm:effectClrLst/>
+    <dgm:txLinClrLst/>
+    <dgm:txFillClrLst/>
+    <dgm:txEffectClrLst/>
+  </dgm:styleLbl>
+  <dgm:styleLbl name="lnNode1">
+    <dgm:fillClrLst meth="repeat">
+      <a:schemeClr val="accent1"/>
+    </dgm:fillClrLst>
+    <dgm:linClrLst meth="repeat">
+      <a:schemeClr val="lt1"/>
+    </dgm:linClrLst>
+    <dgm:effectClrLst/>
+    <dgm:txLinClrLst/>
+    <dgm:txFillClrLst/>
+    <dgm:txEffectClrLst/>
+  </dgm:styleLbl>
+  <dgm:styleLbl name="vennNode1">
+    <dgm:fillClrLst meth="repeat">
+      <a:schemeClr val="accent1">
+        <a:alpha val="50000"/>
+      </a:schemeClr>
+    </dgm:fillClrLst>
+    <dgm:linClrLst meth="repeat">
+      <a:schemeClr val="lt1"/>
+    </dgm:linClrLst>
+    <dgm:effectClrLst/>
+    <dgm:txLinClrLst/>
+    <dgm:txFillClrLst/>
+    <dgm:txEffectClrLst/>
+  </dgm:styleLbl>
+  <dgm:styleLbl name="node2">
+    <dgm:fillClrLst meth="repeat">
+      <a:schemeClr val="accent1"/>
+    </dgm:fillClrLst>
+    <dgm:linClrLst meth="repeat">
+      <a:schemeClr val="lt1"/>
+    </dgm:linClrLst>
+    <dgm:effectClrLst/>
+    <dgm:txLinClrLst/>
+    <dgm:txFillClrLst/>
+    <dgm:txEffectClrLst/>
+  </dgm:styleLbl>
+  <dgm:styleLbl name="node3">
+    <dgm:fillClrLst meth="repeat">
+      <a:schemeClr val="accent1"/>
+    </dgm:fillClrLst>
+    <dgm:linClrLst meth="repeat">
+      <a:schemeClr val="lt1"/>
+    </dgm:linClrLst>
+    <dgm:effectClrLst/>
+    <dgm:txLinClrLst/>
+    <dgm:txFillClrLst/>
+    <dgm:txEffectClrLst/>
+  </dgm:styleLbl>
+  <dgm:styleLbl name="node4">
+    <dgm:fillClrLst meth="repeat">
+      <a:schemeClr val="accent1"/>
+    </dgm:fillClrLst>
+    <dgm:linClrLst meth="repeat">
+      <a:schemeClr val="lt1"/>
+    </dgm:linClrLst>
+    <dgm:effectClrLst/>
+    <dgm:txLinClrLst/>
+    <dgm:txFillClrLst/>
+    <dgm:txEffectClrLst/>
+  </dgm:styleLbl>
+  <dgm:styleLbl name="fgImgPlace1">
+    <dgm:fillClrLst meth="repeat">
+      <a:schemeClr val="accent1">
+        <a:tint val="50000"/>
+      </a:schemeClr>
+    </dgm:fillClrLst>
+    <dgm:linClrLst meth="repeat">
+      <a:schemeClr val="lt1"/>
+    </dgm:linClrLst>
+    <dgm:effectClrLst/>
+    <dgm:txLinClrLst/>
+    <dgm:txFillClrLst meth="repeat">
+      <a:schemeClr val="lt1"/>
+    </dgm:txFillClrLst>
+    <dgm:txEffectClrLst/>
+  </dgm:styleLbl>
+  <dgm:styleLbl name="alignImgPlace1">
+    <dgm:fillClrLst meth="repeat">
+      <a:schemeClr val="accent1">
+        <a:tint val="50000"/>
+      </a:schemeClr>
+    </dgm:fillClrLst>
+    <dgm:linClrLst meth="repeat">
+      <a:schemeClr val="lt1"/>
+    </dgm:linClrLst>
+    <dgm:effectClrLst/>
+    <dgm:txLinClrLst/>
+    <dgm:txFillClrLst meth="repeat">
+      <a:schemeClr val="lt1"/>
+    </dgm:txFillClrLst>
+    <dgm:txEffectClrLst/>
+  </dgm:styleLbl>
+  <dgm:styleLbl name="bgImgPlace1">
+    <dgm:fillClrLst meth="repeat">
+      <a:schemeClr val="accent1">
+        <a:tint val="50000"/>
+      </a:schemeClr>
+    </dgm:fillClrLst>
+    <dgm:linClrLst meth="repeat">
+      <a:schemeClr val="lt1"/>
+    </dgm:linClrLst>
+    <dgm:effectClrLst/>
+    <dgm:txLinClrLst/>
+    <dgm:txFillClrLst meth="repeat">
+      <a:schemeClr val="lt1"/>
+    </dgm:txFillClrLst>
+    <dgm:txEffectClrLst/>
+  </dgm:styleLbl>
+  <dgm:styleLbl name="sibTrans2D1">
+    <dgm:fillClrLst meth="repeat">
+      <a:schemeClr val="accent1">
+        <a:tint val="60000"/>
+      </a:schemeClr>
+    </dgm:fillClrLst>
+    <dgm:linClrLst meth="repeat">
+      <a:schemeClr val="accent1">
+        <a:tint val="60000"/>
+      </a:schemeClr>
+    </dgm:linClrLst>
+    <dgm:effectClrLst/>
+    <dgm:txLinClrLst/>
+    <dgm:txFillClrLst/>
+    <dgm:txEffectClrLst/>
+  </dgm:styleLbl>
+  <dgm:styleLbl name="fgSibTrans2D1">
+    <dgm:fillClrLst meth="repeat">
+      <a:schemeClr val="accent1">
+        <a:tint val="60000"/>
+      </a:schemeClr>
+    </dgm:fillClrLst>
+    <dgm:linClrLst meth="repeat">
+      <a:schemeClr val="accent1">
+        <a:tint val="60000"/>
+      </a:schemeClr>
+    </dgm:linClrLst>
+    <dgm:effectClrLst/>
+    <dgm:txLinClrLst/>
+    <dgm:txFillClrLst/>
+    <dgm:txEffectClrLst/>
+  </dgm:styleLbl>
+  <dgm:styleLbl name="bgSibTrans2D1">
+    <dgm:fillClrLst meth="repeat">
+      <a:schemeClr val="accent1">
+        <a:tint val="60000"/>
+      </a:schemeClr>
+    </dgm:fillClrLst>
+    <dgm:linClrLst meth="repeat">
+      <a:schemeClr val="accent1">
+        <a:tint val="60000"/>
+      </a:schemeClr>
+    </dgm:linClrLst>
+    <dgm:effectClrLst/>
+    <dgm:txLinClrLst/>
+    <dgm:txFillClrLst/>
+    <dgm:txEffectClrLst/>
+  </dgm:styleLbl>
+  <dgm:styleLbl name="sibTrans1D1">
+    <dgm:fillClrLst meth="repeat">
+      <a:schemeClr val="accent1"/>
+    </dgm:fillClrLst>
+    <dgm:linClrLst meth="repeat">
+      <a:schemeClr val="accent1"/>
+    </dgm:linClrLst>
+    <dgm:effectClrLst/>
+    <dgm:txLinClrLst/>
+    <dgm:txFillClrLst meth="repeat">
+      <a:schemeClr val="tx1"/>
+    </dgm:txFillClrLst>
+    <dgm:txEffectClrLst/>
+  </dgm:styleLbl>
+  <dgm:styleLbl name="callout">
+    <dgm:fillClrLst meth="repeat">
+      <a:schemeClr val="accent1"/>
+    </dgm:fillClrLst>
+    <dgm:linClrLst meth="repeat">
+      <a:schemeClr val="accent1">
+        <a:tint val="50000"/>
+      </a:schemeClr>
+    </dgm:linClrLst>
+    <dgm:effectClrLst/>
+    <dgm:txLinClrLst/>
+    <dgm:txFillClrLst meth="repeat">
+      <a:schemeClr val="tx1"/>
+    </dgm:txFillClrLst>
+    <dgm:txEffectClrLst/>
+  </dgm:styleLbl>
+  <dgm:styleLbl name="asst0">
+    <dgm:fillClrLst meth="repeat">
+      <a:schemeClr val="accent1"/>
+    </dgm:fillClrLst>
+    <dgm:linClrLst meth="repeat">
+      <a:schemeClr val="lt1"/>
+    </dgm:linClrLst>
+    <dgm:effectClrLst/>
+    <dgm:txLinClrLst/>
+    <dgm:txFillClrLst/>
+    <dgm:txEffectClrLst/>
+  </dgm:styleLbl>
+  <dgm:styleLbl name="asst1">
+    <dgm:fillClrLst meth="repeat">
+      <a:schemeClr val="accent1"/>
+    </dgm:fillClrLst>
+    <dgm:linClrLst meth="repeat">
+      <a:schemeClr val="lt1"/>
+    </dgm:linClrLst>
+    <dgm:effectClrLst/>
+    <dgm:txLinClrLst/>
+    <dgm:txFillClrLst/>
+    <dgm:txEffectClrLst/>
+  </dgm:styleLbl>
+  <dgm:styleLbl name="asst2">
+    <dgm:fillClrLst meth="repeat">
+      <a:schemeClr val="accent1"/>
+    </dgm:fillClrLst>
+    <dgm:linClrLst meth="repeat">
+      <a:schemeClr val="lt1"/>
+    </dgm:linClrLst>
+    <dgm:effectClrLst/>
+    <dgm:txLinClrLst/>
+    <dgm:txFillClrLst/>
+    <dgm:txEffectClrLst/>
+  </dgm:styleLbl>
+  <dgm:styleLbl name="asst3">
+    <dgm:fillClrLst meth="repeat">
+      <a:schemeClr val="accent1"/>
+    </dgm:fillClrLst>
+    <dgm:linClrLst meth="repeat">
+      <a:schemeClr val="lt1"/>
+    </dgm:linClrLst>
+    <dgm:effectClrLst/>
+    <dgm:txLinClrLst/>
+    <dgm:txFillClrLst/>
+    <dgm:txEffectClrLst/>
+  </dgm:styleLbl>
+  <dgm:styleLbl name="asst4">
+    <dgm:fillClrLst meth="repeat">
+      <a:schemeClr val="accent1"/>
+    </dgm:fillClrLst>
+    <dgm:linClrLst meth="repeat">
+      <a:schemeClr val="lt1"/>
+    </dgm:linClrLst>
+    <dgm:effectClrLst/>
+    <dgm:txLinClrLst/>
+    <dgm:txFillClrLst/>
+    <dgm:txEffectClrLst/>
+  </dgm:styleLbl>
+  <dgm:styleLbl name="parChTrans2D1">
+    <dgm:fillClrLst meth="repeat">
+      <a:schemeClr val="accent1">
+        <a:tint val="60000"/>
+      </a:schemeClr>
+    </dgm:fillClrLst>
+    <dgm:linClrLst meth="repeat">
+      <a:schemeClr val="accent1">
+        <a:tint val="60000"/>
+      </a:schemeClr>
+    </dgm:linClrLst>
+    <dgm:effectClrLst/>
+    <dgm:txLinClrLst/>
+    <dgm:txFillClrLst meth="repeat">
+      <a:schemeClr val="lt1"/>
+    </dgm:txFillClrLst>
+    <dgm:txEffectClrLst/>
+  </dgm:styleLbl>
+  <dgm:styleLbl name="parChTrans2D2">
+    <dgm:fillClrLst meth="repeat">
+      <a:schemeClr val="accent1"/>
+    </dgm:fillClrLst>
+    <dgm:linClrLst meth="repeat">
+      <a:schemeClr val="accent1"/>
+    </dgm:linClrLst>
+    <dgm:effectClrLst/>
+    <dgm:txLinClrLst/>
+    <dgm:txFillClrLst meth="repeat">
+      <a:schemeClr val="lt1"/>
+    </dgm:txFillClrLst>
+    <dgm:txEffectClrLst/>
+  </dgm:styleLbl>
+  <dgm:styleLbl name="parChTrans2D3">
+    <dgm:fillClrLst meth="repeat">
+      <a:schemeClr val="accent1"/>
+    </dgm:fillClrLst>
+    <dgm:linClrLst meth="repeat">
+      <a:schemeClr val="accent1"/>
+    </dgm:linClrLst>
+    <dgm:effectClrLst/>
+    <dgm:txLinClrLst/>
+    <dgm:txFillClrLst meth="repeat">
+      <a:schemeClr val="lt1"/>
+    </dgm:txFillClrLst>
+    <dgm:txEffectClrLst/>
+  </dgm:styleLbl>
+  <dgm:styleLbl name="parChTrans2D4">
+    <dgm:fillClrLst meth="repeat">
+      <a:schemeClr val="accent1"/>
+    </dgm:fillClrLst>
+    <dgm:linClrLst meth="repeat">
+      <a:schemeClr val="accent1"/>
+    </dgm:linClrLst>
+    <dgm:effectClrLst/>
+    <dgm:txLinClrLst/>
+    <dgm:txFillClrLst meth="repeat">
+      <a:schemeClr val="lt1"/>
+    </dgm:txFillClrLst>
+    <dgm:txEffectClrLst/>
+  </dgm:styleLbl>
+  <dgm:styleLbl name="parChTrans1D1">
+    <dgm:fillClrLst meth="repeat">
+      <a:schemeClr val="accent1"/>
+    </dgm:fillClrLst>
+    <dgm:linClrLst meth="repeat">
+      <a:schemeClr val="accent1">
+        <a:shade val="60000"/>
+      </a:schemeClr>
+    </dgm:linClrLst>
+    <dgm:effectClrLst/>
+    <dgm:txLinClrLst/>
+    <dgm:txFillClrLst meth="repeat">
+      <a:schemeClr val="tx1"/>
+    </dgm:txFillClrLst>
+    <dgm:txEffectClrLst/>
+  </dgm:styleLbl>
+  <dgm:styleLbl name="parChTrans1D2">
+    <dgm:fillClrLst meth="repeat">
+      <a:schemeClr val="accent1"/>
+    </dgm:fillClrLst>
+    <dgm:linClrLst meth="repeat">
+      <a:schemeClr val="accent1">
+        <a:shade val="60000"/>
+      </a:schemeClr>
+    </dgm:linClrLst>
+    <dgm:effectClrLst/>
+    <dgm:txLinClrLst/>
+    <dgm:txFillClrLst meth="repeat">
+      <a:schemeClr val="tx1"/>
+    </dgm:txFillClrLst>
+    <dgm:txEffectClrLst/>
+  </dgm:styleLbl>
+  <dgm:styleLbl name="parChTrans1D3">
+    <dgm:fillClrLst meth="repeat">
+      <a:schemeClr val="accent1"/>
+    </dgm:fillClrLst>
+    <dgm:linClrLst meth="repeat">
+      <a:schemeClr val="accent1">
+        <a:shade val="80000"/>
+      </a:schemeClr>
+    </dgm:linClrLst>
+    <dgm:effectClrLst/>
+    <dgm:txLinClrLst/>
+    <dgm:txFillClrLst meth="repeat">
+      <a:schemeClr val="tx1"/>
+    </dgm:txFillClrLst>
+    <dgm:txEffectClrLst/>
+  </dgm:styleLbl>
+  <dgm:styleLbl name="parChTrans1D4">
+    <dgm:fillClrLst meth="repeat">
+      <a:schemeClr val="accent1"/>
+    </dgm:fillClrLst>
+    <dgm:linClrLst meth="repeat">
+      <a:schemeClr val="accent1">
+        <a:shade val="80000"/>
+      </a:schemeClr>
+    </dgm:linClrLst>
+    <dgm:effectClrLst/>
+    <dgm:txLinClrLst/>
+    <dgm:txFillClrLst meth="repeat">
+      <a:schemeClr val="tx1"/>
+    </dgm:txFillClrLst>
+    <dgm:txEffectClrLst/>
+  </dgm:styleLbl>
+  <dgm:styleLbl name="fgAcc1">
+    <dgm:fillClrLst meth="repeat">
+      <a:schemeClr val="lt1">
+        <a:alpha val="90000"/>
+      </a:schemeClr>
+    </dgm:fillClrLst>
+    <dgm:linClrLst meth="repeat">
+      <a:schemeClr val="accent1"/>
+    </dgm:linClrLst>
+    <dgm:effectClrLst/>
+    <dgm:txLinClrLst/>
+    <dgm:txFillClrLst meth="repeat">
+      <a:schemeClr val="dk1"/>
+    </dgm:txFillClrLst>
+    <dgm:txEffectClrLst/>
+  </dgm:styleLbl>
+  <dgm:styleLbl name="conFgAcc1">
+    <dgm:fillClrLst meth="repeat">
+      <a:schemeClr val="lt1">
+        <a:alpha val="90000"/>
+      </a:schemeClr>
+    </dgm:fillClrLst>
+    <dgm:linClrLst meth="repeat">
+      <a:schemeClr val="accent1"/>
+    </dgm:linClrLst>
+    <dgm:effectClrLst/>
+    <dgm:txLinClrLst/>
+    <dgm:txFillClrLst meth="repeat">
+      <a:schemeClr val="dk1"/>
+    </dgm:txFillClrLst>
+    <dgm:txEffectClrLst/>
+  </dgm:styleLbl>
+  <dgm:styleLbl name="alignAcc1">
+    <dgm:fillClrLst meth="repeat">
+      <a:schemeClr val="lt1">
+        <a:alpha val="90000"/>
+      </a:schemeClr>
+    </dgm:fillClrLst>
+    <dgm:linClrLst meth="repeat">
+      <a:schemeClr val="accent1"/>
+    </dgm:linClrLst>
+    <dgm:effectClrLst/>
+    <dgm:txLinClrLst/>
+    <dgm:txFillClrLst meth="repeat">
+      <a:schemeClr val="dk1"/>
+    </dgm:txFillClrLst>
+    <dgm:txEffectClrLst/>
+  </dgm:styleLbl>
+  <dgm:styleLbl name="trAlignAcc1">
+    <dgm:fillClrLst meth="repeat">
+      <a:schemeClr val="lt1">
+        <a:alpha val="40000"/>
+      </a:schemeClr>
+    </dgm:fillClrLst>
+    <dgm:linClrLst meth="repeat">
+      <a:schemeClr val="accent1"/>
+    </dgm:linClrLst>
+    <dgm:effectClrLst/>
+    <dgm:txLinClrLst/>
+    <dgm:txFillClrLst meth="repeat">
+      <a:schemeClr val="dk1"/>
+    </dgm:txFillClrLst>
+    <dgm:txEffectClrLst/>
+  </dgm:styleLbl>
+  <dgm:styleLbl name="bgAcc1">
+    <dgm:fillClrLst meth="repeat">
+      <a:schemeClr val="lt1">
+        <a:alpha val="90000"/>
+      </a:schemeClr>
+    </dgm:fillClrLst>
+    <dgm:linClrLst meth="repeat">
+      <a:schemeClr val="accent1"/>
+    </dgm:linClrLst>
+    <dgm:effectClrLst/>
+    <dgm:txLinClrLst/>
+    <dgm:txFillClrLst meth="repeat">
+      <a:schemeClr val="dk1"/>
+    </dgm:txFillClrLst>
+    <dgm:txEffectClrLst/>
+  </dgm:styleLbl>
+  <dgm:styleLbl name="solidFgAcc1">
+    <dgm:fillClrLst meth="repeat">
+      <a:schemeClr val="lt1"/>
+    </dgm:fillClrLst>
+    <dgm:linClrLst meth="repeat">
+      <a:schemeClr val="accent1"/>
+    </dgm:linClrLst>
+    <dgm:effectClrLst/>
+    <dgm:txLinClrLst/>
+    <dgm:txFillClrLst meth="repeat">
+      <a:schemeClr val="dk1"/>
+    </dgm:txFillClrLst>
+    <dgm:txEffectClrLst/>
+  </dgm:styleLbl>
+  <dgm:styleLbl name="solidAlignAcc1">
+    <dgm:fillClrLst meth="repeat">
+      <a:schemeClr val="lt1"/>
+    </dgm:fillClrLst>
+    <dgm:linClrLst meth="repeat">
+      <a:schemeClr val="accent1"/>
+    </dgm:linClrLst>
+    <dgm:effectClrLst/>
+    <dgm:txLinClrLst/>
+    <dgm:txFillClrLst meth="repeat">
+      <a:schemeClr val="dk1"/>
+    </dgm:txFillClrLst>
+    <dgm:txEffectClrLst/>
+  </dgm:styleLbl>
+  <dgm:styleLbl name="solidBgAcc1">
+    <dgm:fillClrLst meth="repeat">
+      <a:schemeClr val="lt1"/>
+    </dgm:fillClrLst>
+    <dgm:linClrLst meth="repeat">
+      <a:schemeClr val="accent1"/>
+    </dgm:linClrLst>
+    <dgm:effectClrLst/>
+    <dgm:txLinClrLst/>
+    <dgm:txFillClrLst meth="repeat">
+      <a:schemeClr val="dk1"/>
+    </dgm:txFillClrLst>
+    <dgm:txEffectClrLst/>
+  </dgm:styleLbl>
+  <dgm:styleLbl name="fgAccFollowNode1">
+    <dgm:fillClrLst meth="repeat">
+      <a:schemeClr val="accent1">
+        <a:alpha val="90000"/>
+        <a:tint val="40000"/>
+      </a:schemeClr>
+    </dgm:fillClrLst>
+    <dgm:linClrLst meth="repeat">
+      <a:schemeClr val="accent1">
+        <a:alpha val="90000"/>
+        <a:tint val="40000"/>
+      </a:schemeClr>
+    </dgm:linClrLst>
+    <dgm:effectClrLst/>
+    <dgm:txLinClrLst/>
+    <dgm:txFillClrLst meth="repeat">
+      <a:schemeClr val="dk1"/>
+    </dgm:txFillClrLst>
+    <dgm:txEffectClrLst/>
+  </dgm:styleLbl>
+  <dgm:styleLbl name="alignAccFollowNode1">
+    <dgm:fillClrLst meth="repeat">
+      <a:schemeClr val="accent1">
+        <a:alpha val="90000"/>
+        <a:tint val="40000"/>
+      </a:schemeClr>
+    </dgm:fillClrLst>
+    <dgm:linClrLst meth="repeat">
+      <a:schemeClr val="accent1">
+        <a:alpha val="90000"/>
+        <a:tint val="40000"/>
+      </a:schemeClr>
+    </dgm:linClrLst>
+    <dgm:effectClrLst/>
+    <dgm:txLinClrLst/>
+    <dgm:txFillClrLst meth="repeat">
+      <a:schemeClr val="dk1"/>
+    </dgm:txFillClrLst>
+    <dgm:txEffectClrLst/>
+  </dgm:styleLbl>
+  <dgm:styleLbl name="bgAccFollowNode1">
+    <dgm:fillClrLst meth="repeat">
+      <a:schemeClr val="accent1">
+        <a:alpha val="90000"/>
+        <a:tint val="40000"/>
+      </a:schemeClr>
+    </dgm:fillClrLst>
+    <dgm:linClrLst meth="repeat">
+      <a:schemeClr val="accent1">
+        <a:alpha val="90000"/>
+        <a:tint val="40000"/>
+      </a:schemeClr>
+    </dgm:linClrLst>
+    <dgm:effectClrLst/>
+    <dgm:txLinClrLst/>
+    <dgm:txFillClrLst meth="repeat">
+      <a:schemeClr val="dk1"/>
+    </dgm:txFillClrLst>
+    <dgm:txEffectClrLst/>
+  </dgm:styleLbl>
+  <dgm:styleLbl name="fgAcc0">
+    <dgm:fillClrLst meth="repeat">
+      <a:schemeClr val="lt1">
+        <a:alpha val="90000"/>
+      </a:schemeClr>
+    </dgm:fillClrLst>
+    <dgm:linClrLst meth="repeat">
+      <a:schemeClr val="accent1"/>
+    </dgm:linClrLst>
+    <dgm:effectClrLst/>
+    <dgm:txLinClrLst/>
+    <dgm:txFillClrLst meth="repeat">
+      <a:schemeClr val="dk1"/>
+    </dgm:txFillClrLst>
+    <dgm:txEffectClrLst/>
+  </dgm:styleLbl>
+  <dgm:styleLbl name="fgAcc2">
+    <dgm:fillClrLst meth="repeat">
+      <a:schemeClr val="lt1">
+        <a:alpha val="90000"/>
+      </a:schemeClr>
+    </dgm:fillClrLst>
+    <dgm:linClrLst meth="repeat">
+      <a:schemeClr val="accent1"/>
+    </dgm:linClrLst>
+    <dgm:effectClrLst/>
+    <dgm:txLinClrLst/>
+    <dgm:txFillClrLst meth="repeat">
+      <a:schemeClr val="dk1"/>
+    </dgm:txFillClrLst>
+    <dgm:txEffectClrLst/>
+  </dgm:styleLbl>
+  <dgm:styleLbl name="fgAcc3">
+    <dgm:fillClrLst meth="repeat">
+      <a:schemeClr val="lt1">
+        <a:alpha val="90000"/>
+      </a:schemeClr>
+    </dgm:fillClrLst>
+    <dgm:linClrLst meth="repeat">
+      <a:schemeClr val="accent1"/>
+    </dgm:linClrLst>
+    <dgm:effectClrLst/>
+    <dgm:txLinClrLst/>
+    <dgm:txFillClrLst meth="repeat">
+      <a:schemeClr val="dk1"/>
+    </dgm:txFillClrLst>
+    <dgm:txEffectClrLst/>
+  </dgm:styleLbl>
+  <dgm:styleLbl name="fgAcc4">
+    <dgm:fillClrLst meth="repeat">
+      <a:schemeClr val="lt1">
+        <a:alpha val="90000"/>
+      </a:schemeClr>
+    </dgm:fillClrLst>
+    <dgm:linClrLst meth="repeat">
+      <a:schemeClr val="accent1"/>
+    </dgm:linClrLst>
+    <dgm:effectClrLst/>
+    <dgm:txLinClrLst/>
+    <dgm:txFillClrLst meth="repeat">
+      <a:schemeClr val="dk1"/>
+    </dgm:txFillClrLst>
+    <dgm:txEffectClrLst/>
+  </dgm:styleLbl>
+  <dgm:styleLbl name="bgShp">
+    <dgm:fillClrLst meth="repeat">
+      <a:schemeClr val="accent1">
+        <a:tint val="40000"/>
+      </a:schemeClr>
+    </dgm:fillClrLst>
+    <dgm:linClrLst meth="repeat">
+      <a:schemeClr val="accent1"/>
+    </dgm:linClrLst>
+    <dgm:effectClrLst/>
+    <dgm:txLinClrLst/>
+    <dgm:txFillClrLst meth="repeat">
+      <a:schemeClr val="dk1"/>
+    </dgm:txFillClrLst>
+    <dgm:txEffectClrLst/>
+  </dgm:styleLbl>
+  <dgm:styleLbl name="dkBgShp">
+    <dgm:fillClrLst meth="repeat">
+      <a:schemeClr val="accent1">
+        <a:shade val="80000"/>
+      </a:schemeClr>
+    </dgm:fillClrLst>
+    <dgm:linClrLst meth="repeat">
+      <a:schemeClr val="accent1"/>
+    </dgm:linClrLst>
+    <dgm:effectClrLst/>
+    <dgm:txLinClrLst/>
+    <dgm:txFillClrLst meth="repeat">
+      <a:schemeClr val="lt1"/>
+    </dgm:txFillClrLst>
+    <dgm:txEffectClrLst/>
+  </dgm:styleLbl>
+  <dgm:styleLbl name="trBgShp">
+    <dgm:fillClrLst meth="repeat">
+      <a:schemeClr val="accent1">
+        <a:tint val="50000"/>
+        <a:alpha val="40000"/>
+      </a:schemeClr>
+    </dgm:fillClrLst>
+    <dgm:linClrLst meth="repeat">
+      <a:schemeClr val="accent1"/>
+    </dgm:linClrLst>
+    <dgm:effectClrLst/>
+    <dgm:txLinClrLst/>
+    <dgm:txFillClrLst meth="repeat">
+      <a:schemeClr val="lt1"/>
+    </dgm:txFillClrLst>
+    <dgm:txEffectClrLst/>
+  </dgm:styleLbl>
+  <dgm:styleLbl name="fgShp">
+    <dgm:fillClrLst meth="repeat">
+      <a:schemeClr val="accent1">
+        <a:tint val="60000"/>
+      </a:schemeClr>
+    </dgm:fillClrLst>
+    <dgm:linClrLst meth="repeat">
+      <a:schemeClr val="lt1"/>
+    </dgm:linClrLst>
+    <dgm:effectClrLst/>
+    <dgm:txLinClrLst/>
+    <dgm:txFillClrLst meth="repeat">
+      <a:schemeClr val="dk1"/>
+    </dgm:txFillClrLst>
+    <dgm:txEffectClrLst/>
+  </dgm:styleLbl>
+  <dgm:styleLbl name="revTx">
+    <dgm:fillClrLst meth="repeat">
+      <a:schemeClr val="lt1">
+        <a:alpha val="0"/>
+      </a:schemeClr>
+    </dgm:fillClrLst>
+    <dgm:linClrLst meth="repeat">
+      <a:schemeClr val="dk1">
+        <a:alpha val="0"/>
+      </a:schemeClr>
+    </dgm:linClrLst>
+    <dgm:effectClrLst/>
+    <dgm:txLinClrLst/>
+    <dgm:txFillClrLst meth="repeat">
+      <a:schemeClr val="tx1"/>
+    </dgm:txFillClrLst>
+    <dgm:txEffectClrLst/>
+  </dgm:styleLbl>
+</dgm:colorsDef>
+</file>
+
+<file path=ppt/diagrams/data1.xml><?xml version="1.0" encoding="utf-8"?>
+<dgm:dataModel xmlns:dgm="http://schemas.openxmlformats.org/drawingml/2006/diagram" xmlns:a="http://schemas.openxmlformats.org/drawingml/2006/main">
+  <dgm:ptLst>
+    <dgm:pt modelId="{0AEE07B2-8E8F-45A6-AFA1-4690971C1525}" type="doc">
+      <dgm:prSet loTypeId="urn:microsoft.com/office/officeart/2005/8/layout/hProcess9" loCatId="process" qsTypeId="urn:microsoft.com/office/officeart/2005/8/quickstyle/simple2" qsCatId="simple" csTypeId="urn:microsoft.com/office/officeart/2005/8/colors/accent1_2" csCatId="accent1" phldr="1"/>
+      <dgm:spPr/>
+      <dgm:t>
+        <a:bodyPr/>
+        <a:lstStyle/>
+        <a:p>
+          <a:endParaRPr lang="en-US"/>
+        </a:p>
+      </dgm:t>
+    </dgm:pt>
+    <dgm:pt modelId="{66F41497-A56C-4117-93DF-8A4CE2890BBC}">
+      <dgm:prSet phldrT="[Texte]"/>
+      <dgm:spPr/>
+      <dgm:t>
+        <a:bodyPr/>
+        <a:lstStyle/>
+        <a:p>
+          <a:r>
+            <a:rPr lang="fr-FR" noProof="0" dirty="0" smtClean="0"/>
+            <a:t>Recherche</a:t>
+          </a:r>
+          <a:r>
+            <a:rPr lang="en-US" dirty="0" smtClean="0"/>
+            <a:t> </a:t>
+          </a:r>
+          <a:r>
+            <a:rPr lang="fr-FR" noProof="0" dirty="0" smtClean="0"/>
+            <a:t>documentaire</a:t>
+          </a:r>
+          <a:endParaRPr lang="fr-FR" noProof="0" dirty="0"/>
+        </a:p>
+      </dgm:t>
+    </dgm:pt>
+    <dgm:pt modelId="{9C16B6B7-011F-42CD-99D1-95E7848158CA}" type="parTrans" cxnId="{68A9B9A7-B863-478F-A458-66617E5A0F57}">
+      <dgm:prSet/>
+      <dgm:spPr/>
+      <dgm:t>
+        <a:bodyPr/>
+        <a:lstStyle/>
+        <a:p>
+          <a:endParaRPr lang="en-US"/>
+        </a:p>
+      </dgm:t>
+    </dgm:pt>
+    <dgm:pt modelId="{926EF7DE-642F-4198-9F1D-39CF6EF59242}" type="sibTrans" cxnId="{68A9B9A7-B863-478F-A458-66617E5A0F57}">
+      <dgm:prSet/>
+      <dgm:spPr/>
+      <dgm:t>
+        <a:bodyPr/>
+        <a:lstStyle/>
+        <a:p>
+          <a:endParaRPr lang="en-US"/>
+        </a:p>
+      </dgm:t>
+    </dgm:pt>
+    <dgm:pt modelId="{4BF58528-3187-4988-9AE2-DA67640F73D5}">
+      <dgm:prSet phldrT="[Texte]"/>
+      <dgm:spPr/>
+      <dgm:t>
+        <a:bodyPr/>
+        <a:lstStyle/>
+        <a:p>
+          <a:r>
+            <a:rPr lang="fr-FR" noProof="0" dirty="0" smtClean="0"/>
+            <a:t>Prise en main des outils de développement</a:t>
+          </a:r>
+          <a:endParaRPr lang="fr-FR" noProof="0" dirty="0"/>
+        </a:p>
+      </dgm:t>
+    </dgm:pt>
+    <dgm:pt modelId="{C55BFFE1-6F73-4B14-90E6-9871D367EB9C}" type="parTrans" cxnId="{E3BC5C85-B4B2-4F4A-83CA-75EBC46DC891}">
+      <dgm:prSet/>
+      <dgm:spPr/>
+      <dgm:t>
+        <a:bodyPr/>
+        <a:lstStyle/>
+        <a:p>
+          <a:endParaRPr lang="en-US"/>
+        </a:p>
+      </dgm:t>
+    </dgm:pt>
+    <dgm:pt modelId="{49526731-13B8-44AA-A3DB-8C5A255CA598}" type="sibTrans" cxnId="{E3BC5C85-B4B2-4F4A-83CA-75EBC46DC891}">
+      <dgm:prSet/>
+      <dgm:spPr/>
+      <dgm:t>
+        <a:bodyPr/>
+        <a:lstStyle/>
+        <a:p>
+          <a:endParaRPr lang="en-US"/>
+        </a:p>
+      </dgm:t>
+    </dgm:pt>
+    <dgm:pt modelId="{F70F5863-3612-486A-A7A6-811C5C1D500E}">
+      <dgm:prSet phldrT="[Texte]"/>
+      <dgm:spPr/>
+      <dgm:t>
+        <a:bodyPr/>
+        <a:lstStyle/>
+        <a:p>
+          <a:r>
+            <a:rPr lang="fr-FR" noProof="0" dirty="0" smtClean="0"/>
+            <a:t>Implémentation de la plateforme</a:t>
+          </a:r>
+          <a:endParaRPr lang="fr-FR" noProof="0" dirty="0"/>
+        </a:p>
+      </dgm:t>
+    </dgm:pt>
+    <dgm:pt modelId="{2FC213C4-2F50-4063-B912-1D910D785B34}" type="parTrans" cxnId="{476E99AD-E4BF-4A56-B22E-AF1DF403DD3A}">
+      <dgm:prSet/>
+      <dgm:spPr/>
+      <dgm:t>
+        <a:bodyPr/>
+        <a:lstStyle/>
+        <a:p>
+          <a:endParaRPr lang="en-US"/>
+        </a:p>
+      </dgm:t>
+    </dgm:pt>
+    <dgm:pt modelId="{C2672866-7455-4194-9E31-23B0A37F57CC}" type="sibTrans" cxnId="{476E99AD-E4BF-4A56-B22E-AF1DF403DD3A}">
+      <dgm:prSet/>
+      <dgm:spPr/>
+      <dgm:t>
+        <a:bodyPr/>
+        <a:lstStyle/>
+        <a:p>
+          <a:endParaRPr lang="en-US"/>
+        </a:p>
+      </dgm:t>
+    </dgm:pt>
+    <dgm:pt modelId="{852C6B96-ECBF-4C66-952E-F75B2D448EBC}">
+      <dgm:prSet phldrT="[Texte]"/>
+      <dgm:spPr/>
+      <dgm:t>
+        <a:bodyPr/>
+        <a:lstStyle/>
+        <a:p>
+          <a:r>
+            <a:rPr lang="fr-FR" noProof="0" dirty="0" smtClean="0"/>
+            <a:t>Rédaction du manuel utilisateur et de la documentation</a:t>
+          </a:r>
+          <a:endParaRPr lang="fr-FR" noProof="0" dirty="0"/>
+        </a:p>
+      </dgm:t>
+    </dgm:pt>
+    <dgm:pt modelId="{E865E0A7-0062-4F47-A1C0-1A4AA5BB3CA3}" type="parTrans" cxnId="{15B4732C-14E8-40E1-88B4-9F7AD8268CE3}">
+      <dgm:prSet/>
+      <dgm:spPr/>
+      <dgm:t>
+        <a:bodyPr/>
+        <a:lstStyle/>
+        <a:p>
+          <a:endParaRPr lang="en-US"/>
+        </a:p>
+      </dgm:t>
+    </dgm:pt>
+    <dgm:pt modelId="{A5036156-3E28-4374-99BA-E46A90F2E6B4}" type="sibTrans" cxnId="{15B4732C-14E8-40E1-88B4-9F7AD8268CE3}">
+      <dgm:prSet/>
+      <dgm:spPr/>
+      <dgm:t>
+        <a:bodyPr/>
+        <a:lstStyle/>
+        <a:p>
+          <a:endParaRPr lang="en-US"/>
+        </a:p>
+      </dgm:t>
+    </dgm:pt>
+    <dgm:pt modelId="{CAFA254C-A0A8-48D4-A9E7-D1B701C37055}" type="pres">
+      <dgm:prSet presAssocID="{0AEE07B2-8E8F-45A6-AFA1-4690971C1525}" presName="CompostProcess" presStyleCnt="0">
+        <dgm:presLayoutVars>
+          <dgm:dir/>
+          <dgm:resizeHandles val="exact"/>
+        </dgm:presLayoutVars>
+      </dgm:prSet>
+      <dgm:spPr/>
+      <dgm:t>
+        <a:bodyPr/>
+        <a:lstStyle/>
+        <a:p>
+          <a:endParaRPr lang="en-US"/>
+        </a:p>
+      </dgm:t>
+    </dgm:pt>
+    <dgm:pt modelId="{CEA5F1A9-1360-4BF0-B822-31125AB73C53}" type="pres">
+      <dgm:prSet presAssocID="{0AEE07B2-8E8F-45A6-AFA1-4690971C1525}" presName="arrow" presStyleLbl="bgShp" presStyleIdx="0" presStyleCnt="1" custScaleX="117329"/>
+      <dgm:spPr/>
+    </dgm:pt>
+    <dgm:pt modelId="{5575BB79-CE33-436F-86E9-056AF8A772CE}" type="pres">
+      <dgm:prSet presAssocID="{0AEE07B2-8E8F-45A6-AFA1-4690971C1525}" presName="linearProcess" presStyleCnt="0"/>
+      <dgm:spPr/>
+    </dgm:pt>
+    <dgm:pt modelId="{67DD8D29-2D93-4FC7-BB87-93753C8C7C09}" type="pres">
+      <dgm:prSet presAssocID="{66F41497-A56C-4117-93DF-8A4CE2890BBC}" presName="textNode" presStyleLbl="node1" presStyleIdx="0" presStyleCnt="4" custScaleX="86529" custScaleY="97057">
+        <dgm:presLayoutVars>
+          <dgm:bulletEnabled val="1"/>
+        </dgm:presLayoutVars>
+      </dgm:prSet>
+      <dgm:spPr/>
+      <dgm:t>
+        <a:bodyPr/>
+        <a:lstStyle/>
+        <a:p>
+          <a:endParaRPr lang="en-US"/>
+        </a:p>
+      </dgm:t>
+    </dgm:pt>
+    <dgm:pt modelId="{FE2D85B8-8F71-4D3B-B5D6-644071FD6355}" type="pres">
+      <dgm:prSet presAssocID="{926EF7DE-642F-4198-9F1D-39CF6EF59242}" presName="sibTrans" presStyleCnt="0"/>
+      <dgm:spPr/>
+    </dgm:pt>
+    <dgm:pt modelId="{E2A04A20-1F13-44AC-86E6-8435CD755E36}" type="pres">
+      <dgm:prSet presAssocID="{4BF58528-3187-4988-9AE2-DA67640F73D5}" presName="textNode" presStyleLbl="node1" presStyleIdx="1" presStyleCnt="4" custScaleX="80388">
+        <dgm:presLayoutVars>
+          <dgm:bulletEnabled val="1"/>
+        </dgm:presLayoutVars>
+      </dgm:prSet>
+      <dgm:spPr/>
+      <dgm:t>
+        <a:bodyPr/>
+        <a:lstStyle/>
+        <a:p>
+          <a:endParaRPr lang="en-US"/>
+        </a:p>
+      </dgm:t>
+    </dgm:pt>
+    <dgm:pt modelId="{2CD5E4F6-7DC8-40AE-8CFB-7DF53D201FF6}" type="pres">
+      <dgm:prSet presAssocID="{49526731-13B8-44AA-A3DB-8C5A255CA598}" presName="sibTrans" presStyleCnt="0"/>
+      <dgm:spPr/>
+    </dgm:pt>
+    <dgm:pt modelId="{8B1F4AC2-8D28-4B84-98A2-D32622DEFB4C}" type="pres">
+      <dgm:prSet presAssocID="{F70F5863-3612-486A-A7A6-811C5C1D500E}" presName="textNode" presStyleLbl="node1" presStyleIdx="2" presStyleCnt="4" custScaleX="78173">
+        <dgm:presLayoutVars>
+          <dgm:bulletEnabled val="1"/>
+        </dgm:presLayoutVars>
+      </dgm:prSet>
+      <dgm:spPr/>
+      <dgm:t>
+        <a:bodyPr/>
+        <a:lstStyle/>
+        <a:p>
+          <a:endParaRPr lang="en-US"/>
+        </a:p>
+      </dgm:t>
+    </dgm:pt>
+    <dgm:pt modelId="{31BB5827-1117-45A2-9630-87BAE26847B2}" type="pres">
+      <dgm:prSet presAssocID="{C2672866-7455-4194-9E31-23B0A37F57CC}" presName="sibTrans" presStyleCnt="0"/>
+      <dgm:spPr/>
+    </dgm:pt>
+    <dgm:pt modelId="{40722D3D-B369-4220-B1F3-1FF98576E2D6}" type="pres">
+      <dgm:prSet presAssocID="{852C6B96-ECBF-4C66-952E-F75B2D448EBC}" presName="textNode" presStyleLbl="node1" presStyleIdx="3" presStyleCnt="4" custScaleX="87371">
+        <dgm:presLayoutVars>
+          <dgm:bulletEnabled val="1"/>
+        </dgm:presLayoutVars>
+      </dgm:prSet>
+      <dgm:spPr/>
+      <dgm:t>
+        <a:bodyPr/>
+        <a:lstStyle/>
+        <a:p>
+          <a:endParaRPr lang="en-US"/>
+        </a:p>
+      </dgm:t>
+    </dgm:pt>
+  </dgm:ptLst>
+  <dgm:cxnLst>
+    <dgm:cxn modelId="{EF61714A-C8EB-4A02-B80C-556DD787ED5C}" type="presOf" srcId="{852C6B96-ECBF-4C66-952E-F75B2D448EBC}" destId="{40722D3D-B369-4220-B1F3-1FF98576E2D6}" srcOrd="0" destOrd="0" presId="urn:microsoft.com/office/officeart/2005/8/layout/hProcess9"/>
+    <dgm:cxn modelId="{E3BC5C85-B4B2-4F4A-83CA-75EBC46DC891}" srcId="{0AEE07B2-8E8F-45A6-AFA1-4690971C1525}" destId="{4BF58528-3187-4988-9AE2-DA67640F73D5}" srcOrd="1" destOrd="0" parTransId="{C55BFFE1-6F73-4B14-90E6-9871D367EB9C}" sibTransId="{49526731-13B8-44AA-A3DB-8C5A255CA598}"/>
+    <dgm:cxn modelId="{D40DECC4-BEB6-40B0-8B86-90E87B4A0E8B}" type="presOf" srcId="{4BF58528-3187-4988-9AE2-DA67640F73D5}" destId="{E2A04A20-1F13-44AC-86E6-8435CD755E36}" srcOrd="0" destOrd="0" presId="urn:microsoft.com/office/officeart/2005/8/layout/hProcess9"/>
+    <dgm:cxn modelId="{DCE4CA71-DF8C-483C-B912-CB1FAF524FF2}" type="presOf" srcId="{F70F5863-3612-486A-A7A6-811C5C1D500E}" destId="{8B1F4AC2-8D28-4B84-98A2-D32622DEFB4C}" srcOrd="0" destOrd="0" presId="urn:microsoft.com/office/officeart/2005/8/layout/hProcess9"/>
+    <dgm:cxn modelId="{15B4732C-14E8-40E1-88B4-9F7AD8268CE3}" srcId="{0AEE07B2-8E8F-45A6-AFA1-4690971C1525}" destId="{852C6B96-ECBF-4C66-952E-F75B2D448EBC}" srcOrd="3" destOrd="0" parTransId="{E865E0A7-0062-4F47-A1C0-1A4AA5BB3CA3}" sibTransId="{A5036156-3E28-4374-99BA-E46A90F2E6B4}"/>
+    <dgm:cxn modelId="{68A9B9A7-B863-478F-A458-66617E5A0F57}" srcId="{0AEE07B2-8E8F-45A6-AFA1-4690971C1525}" destId="{66F41497-A56C-4117-93DF-8A4CE2890BBC}" srcOrd="0" destOrd="0" parTransId="{9C16B6B7-011F-42CD-99D1-95E7848158CA}" sibTransId="{926EF7DE-642F-4198-9F1D-39CF6EF59242}"/>
+    <dgm:cxn modelId="{EDDDF9CF-A26A-47EB-BD1E-4680C35CF994}" type="presOf" srcId="{0AEE07B2-8E8F-45A6-AFA1-4690971C1525}" destId="{CAFA254C-A0A8-48D4-A9E7-D1B701C37055}" srcOrd="0" destOrd="0" presId="urn:microsoft.com/office/officeart/2005/8/layout/hProcess9"/>
+    <dgm:cxn modelId="{76D6D4CB-2445-4711-9749-D24840212443}" type="presOf" srcId="{66F41497-A56C-4117-93DF-8A4CE2890BBC}" destId="{67DD8D29-2D93-4FC7-BB87-93753C8C7C09}" srcOrd="0" destOrd="0" presId="urn:microsoft.com/office/officeart/2005/8/layout/hProcess9"/>
+    <dgm:cxn modelId="{476E99AD-E4BF-4A56-B22E-AF1DF403DD3A}" srcId="{0AEE07B2-8E8F-45A6-AFA1-4690971C1525}" destId="{F70F5863-3612-486A-A7A6-811C5C1D500E}" srcOrd="2" destOrd="0" parTransId="{2FC213C4-2F50-4063-B912-1D910D785B34}" sibTransId="{C2672866-7455-4194-9E31-23B0A37F57CC}"/>
+    <dgm:cxn modelId="{DA3A4A26-449E-4433-BDE5-9093E59E7065}" type="presParOf" srcId="{CAFA254C-A0A8-48D4-A9E7-D1B701C37055}" destId="{CEA5F1A9-1360-4BF0-B822-31125AB73C53}" srcOrd="0" destOrd="0" presId="urn:microsoft.com/office/officeart/2005/8/layout/hProcess9"/>
+    <dgm:cxn modelId="{D3860D77-17A1-4D80-8E2B-A1F15050F5E5}" type="presParOf" srcId="{CAFA254C-A0A8-48D4-A9E7-D1B701C37055}" destId="{5575BB79-CE33-436F-86E9-056AF8A772CE}" srcOrd="1" destOrd="0" presId="urn:microsoft.com/office/officeart/2005/8/layout/hProcess9"/>
+    <dgm:cxn modelId="{782B120E-E459-4EA2-80E9-A51DD3108130}" type="presParOf" srcId="{5575BB79-CE33-436F-86E9-056AF8A772CE}" destId="{67DD8D29-2D93-4FC7-BB87-93753C8C7C09}" srcOrd="0" destOrd="0" presId="urn:microsoft.com/office/officeart/2005/8/layout/hProcess9"/>
+    <dgm:cxn modelId="{97B9DB4C-99F6-46FD-9CBE-F9C3C78837BD}" type="presParOf" srcId="{5575BB79-CE33-436F-86E9-056AF8A772CE}" destId="{FE2D85B8-8F71-4D3B-B5D6-644071FD6355}" srcOrd="1" destOrd="0" presId="urn:microsoft.com/office/officeart/2005/8/layout/hProcess9"/>
+    <dgm:cxn modelId="{E4D6F4AB-647A-4ADC-A6CF-1929F7FE2775}" type="presParOf" srcId="{5575BB79-CE33-436F-86E9-056AF8A772CE}" destId="{E2A04A20-1F13-44AC-86E6-8435CD755E36}" srcOrd="2" destOrd="0" presId="urn:microsoft.com/office/officeart/2005/8/layout/hProcess9"/>
+    <dgm:cxn modelId="{5B2F8472-BCCC-40EA-B6F4-B78927136780}" type="presParOf" srcId="{5575BB79-CE33-436F-86E9-056AF8A772CE}" destId="{2CD5E4F6-7DC8-40AE-8CFB-7DF53D201FF6}" srcOrd="3" destOrd="0" presId="urn:microsoft.com/office/officeart/2005/8/layout/hProcess9"/>
+    <dgm:cxn modelId="{010248B4-9B01-4875-B269-33E6A7891AFE}" type="presParOf" srcId="{5575BB79-CE33-436F-86E9-056AF8A772CE}" destId="{8B1F4AC2-8D28-4B84-98A2-D32622DEFB4C}" srcOrd="4" destOrd="0" presId="urn:microsoft.com/office/officeart/2005/8/layout/hProcess9"/>
+    <dgm:cxn modelId="{824AD643-DC1F-4215-95DB-0CBF9A2F1F21}" type="presParOf" srcId="{5575BB79-CE33-436F-86E9-056AF8A772CE}" destId="{31BB5827-1117-45A2-9630-87BAE26847B2}" srcOrd="5" destOrd="0" presId="urn:microsoft.com/office/officeart/2005/8/layout/hProcess9"/>
+    <dgm:cxn modelId="{08674105-A5D0-4ABC-A0EB-24262A5A7ABB}" type="presParOf" srcId="{5575BB79-CE33-436F-86E9-056AF8A772CE}" destId="{40722D3D-B369-4220-B1F3-1FF98576E2D6}" srcOrd="6" destOrd="0" presId="urn:microsoft.com/office/officeart/2005/8/layout/hProcess9"/>
+  </dgm:cxnLst>
+  <dgm:bg/>
+  <dgm:whole/>
+  <dgm:extLst>
+    <a:ext uri="http://schemas.microsoft.com/office/drawing/2008/diagram">
+      <dsp:dataModelExt xmlns:dsp="http://schemas.microsoft.com/office/drawing/2008/diagram" relId="rId7" minVer="http://schemas.openxmlformats.org/drawingml/2006/diagram"/>
+    </a:ext>
+  </dgm:extLst>
+</dgm:dataModel>
+</file>
+
+<file path=ppt/diagrams/drawing1.xml><?xml version="1.0" encoding="utf-8"?>
+<dsp:drawing xmlns:dgm="http://schemas.openxmlformats.org/drawingml/2006/diagram" xmlns:dsp="http://schemas.microsoft.com/office/drawing/2008/diagram" xmlns:a="http://schemas.openxmlformats.org/drawingml/2006/main">
+  <dsp:spTree>
+    <dsp:nvGrpSpPr>
+      <dsp:cNvPr id="0" name=""/>
+      <dsp:cNvGrpSpPr/>
+    </dsp:nvGrpSpPr>
+    <dsp:grpSpPr/>
+    <dsp:sp modelId="{CEA5F1A9-1360-4BF0-B822-31125AB73C53}">
+      <dsp:nvSpPr>
+        <dsp:cNvPr id="0" name=""/>
+        <dsp:cNvSpPr/>
+      </dsp:nvSpPr>
+      <dsp:spPr>
+        <a:xfrm>
+          <a:off x="11777" y="0"/>
+          <a:ext cx="8689411" cy="4781525"/>
+        </a:xfrm>
+        <a:prstGeom prst="rightArrow">
+          <a:avLst/>
+        </a:prstGeom>
+        <a:solidFill>
+          <a:schemeClr val="accent1">
+            <a:tint val="40000"/>
+            <a:hueOff val="0"/>
+            <a:satOff val="0"/>
+            <a:lumOff val="0"/>
+            <a:alphaOff val="0"/>
+          </a:schemeClr>
+        </a:solidFill>
+        <a:ln>
+          <a:noFill/>
+        </a:ln>
+        <a:effectLst/>
+      </dsp:spPr>
+      <dsp:style>
+        <a:lnRef idx="0">
+          <a:scrgbClr r="0" g="0" b="0"/>
+        </a:lnRef>
+        <a:fillRef idx="1">
+          <a:scrgbClr r="0" g="0" b="0"/>
+        </a:fillRef>
+        <a:effectRef idx="0">
+          <a:scrgbClr r="0" g="0" b="0"/>
+        </a:effectRef>
+        <a:fontRef idx="minor"/>
+      </dsp:style>
+    </dsp:sp>
+    <dsp:sp modelId="{67DD8D29-2D93-4FC7-BB87-93753C8C7C09}">
+      <dsp:nvSpPr>
+        <dsp:cNvPr id="0" name=""/>
+        <dsp:cNvSpPr/>
+      </dsp:nvSpPr>
+      <dsp:spPr>
+        <a:xfrm>
+          <a:off x="534" y="1462601"/>
+          <a:ext cx="2173422" cy="1856321"/>
+        </a:xfrm>
+        <a:prstGeom prst="roundRect">
+          <a:avLst/>
+        </a:prstGeom>
+        <a:solidFill>
+          <a:schemeClr val="accent1">
+            <a:hueOff val="0"/>
+            <a:satOff val="0"/>
+            <a:lumOff val="0"/>
+            <a:alphaOff val="0"/>
+          </a:schemeClr>
+        </a:solidFill>
+        <a:ln w="44450" cap="flat" cmpd="sng" algn="ctr">
+          <a:solidFill>
+            <a:schemeClr val="lt1">
+              <a:hueOff val="0"/>
+              <a:satOff val="0"/>
+              <a:lumOff val="0"/>
+              <a:alphaOff val="0"/>
+            </a:schemeClr>
+          </a:solidFill>
+          <a:prstDash val="solid"/>
+        </a:ln>
+        <a:effectLst/>
+      </dsp:spPr>
+      <dsp:style>
+        <a:lnRef idx="3">
+          <a:scrgbClr r="0" g="0" b="0"/>
+        </a:lnRef>
+        <a:fillRef idx="1">
+          <a:scrgbClr r="0" g="0" b="0"/>
+        </a:fillRef>
+        <a:effectRef idx="1">
+          <a:scrgbClr r="0" g="0" b="0"/>
+        </a:effectRef>
+        <a:fontRef idx="minor">
+          <a:schemeClr val="lt1"/>
+        </a:fontRef>
+      </dsp:style>
+      <dsp:txBody>
+        <a:bodyPr spcFirstLastPara="0" vert="horz" wrap="square" lIns="68580" tIns="68580" rIns="68580" bIns="68580" numCol="1" spcCol="1270" anchor="ctr" anchorCtr="0">
+          <a:noAutofit/>
+        </a:bodyPr>
+        <a:lstStyle/>
+        <a:p>
+          <a:pPr lvl="0" algn="ctr" defTabSz="800100">
+            <a:lnSpc>
+              <a:spcPct val="90000"/>
+            </a:lnSpc>
+            <a:spcBef>
+              <a:spcPct val="0"/>
+            </a:spcBef>
+            <a:spcAft>
+              <a:spcPct val="35000"/>
+            </a:spcAft>
+          </a:pPr>
+          <a:r>
+            <a:rPr lang="fr-FR" sz="1800" kern="1200" noProof="0" dirty="0" smtClean="0"/>
+            <a:t>Recherche</a:t>
+          </a:r>
+          <a:r>
+            <a:rPr lang="en-US" sz="1800" kern="1200" dirty="0" smtClean="0"/>
+            <a:t> </a:t>
+          </a:r>
+          <a:r>
+            <a:rPr lang="fr-FR" sz="1800" kern="1200" noProof="0" dirty="0" smtClean="0"/>
+            <a:t>documentaire</a:t>
+          </a:r>
+          <a:endParaRPr lang="fr-FR" sz="1800" kern="1200" noProof="0" dirty="0"/>
+        </a:p>
+      </dsp:txBody>
+      <dsp:txXfrm>
+        <a:off x="91152" y="1553219"/>
+        <a:ext cx="1992186" cy="1675085"/>
+      </dsp:txXfrm>
+    </dsp:sp>
+    <dsp:sp modelId="{E2A04A20-1F13-44AC-86E6-8435CD755E36}">
+      <dsp:nvSpPr>
+        <dsp:cNvPr id="0" name=""/>
+        <dsp:cNvSpPr/>
+      </dsp:nvSpPr>
+      <dsp:spPr>
+        <a:xfrm>
+          <a:off x="2294354" y="1434457"/>
+          <a:ext cx="2019173" cy="1912610"/>
+        </a:xfrm>
+        <a:prstGeom prst="roundRect">
+          <a:avLst/>
+        </a:prstGeom>
+        <a:solidFill>
+          <a:schemeClr val="accent1">
+            <a:hueOff val="0"/>
+            <a:satOff val="0"/>
+            <a:lumOff val="0"/>
+            <a:alphaOff val="0"/>
+          </a:schemeClr>
+        </a:solidFill>
+        <a:ln w="44450" cap="flat" cmpd="sng" algn="ctr">
+          <a:solidFill>
+            <a:schemeClr val="lt1">
+              <a:hueOff val="0"/>
+              <a:satOff val="0"/>
+              <a:lumOff val="0"/>
+              <a:alphaOff val="0"/>
+            </a:schemeClr>
+          </a:solidFill>
+          <a:prstDash val="solid"/>
+        </a:ln>
+        <a:effectLst/>
+      </dsp:spPr>
+      <dsp:style>
+        <a:lnRef idx="3">
+          <a:scrgbClr r="0" g="0" b="0"/>
+        </a:lnRef>
+        <a:fillRef idx="1">
+          <a:scrgbClr r="0" g="0" b="0"/>
+        </a:fillRef>
+        <a:effectRef idx="1">
+          <a:scrgbClr r="0" g="0" b="0"/>
+        </a:effectRef>
+        <a:fontRef idx="minor">
+          <a:schemeClr val="lt1"/>
+        </a:fontRef>
+      </dsp:style>
+      <dsp:txBody>
+        <a:bodyPr spcFirstLastPara="0" vert="horz" wrap="square" lIns="68580" tIns="68580" rIns="68580" bIns="68580" numCol="1" spcCol="1270" anchor="ctr" anchorCtr="0">
+          <a:noAutofit/>
+        </a:bodyPr>
+        <a:lstStyle/>
+        <a:p>
+          <a:pPr lvl="0" algn="ctr" defTabSz="800100">
+            <a:lnSpc>
+              <a:spcPct val="90000"/>
+            </a:lnSpc>
+            <a:spcBef>
+              <a:spcPct val="0"/>
+            </a:spcBef>
+            <a:spcAft>
+              <a:spcPct val="35000"/>
+            </a:spcAft>
+          </a:pPr>
+          <a:r>
+            <a:rPr lang="fr-FR" sz="1800" kern="1200" noProof="0" dirty="0" smtClean="0"/>
+            <a:t>Prise en main des outils de développement</a:t>
+          </a:r>
+          <a:endParaRPr lang="fr-FR" sz="1800" kern="1200" noProof="0" dirty="0"/>
+        </a:p>
+      </dsp:txBody>
+      <dsp:txXfrm>
+        <a:off x="2387720" y="1527823"/>
+        <a:ext cx="1832441" cy="1725878"/>
+      </dsp:txXfrm>
+    </dsp:sp>
+    <dsp:sp modelId="{8B1F4AC2-8D28-4B84-98A2-D32622DEFB4C}">
+      <dsp:nvSpPr>
+        <dsp:cNvPr id="0" name=""/>
+        <dsp:cNvSpPr/>
+      </dsp:nvSpPr>
+      <dsp:spPr>
+        <a:xfrm>
+          <a:off x="4433925" y="1434457"/>
+          <a:ext cx="1963537" cy="1912610"/>
+        </a:xfrm>
+        <a:prstGeom prst="roundRect">
+          <a:avLst/>
+        </a:prstGeom>
+        <a:solidFill>
+          <a:schemeClr val="accent1">
+            <a:hueOff val="0"/>
+            <a:satOff val="0"/>
+            <a:lumOff val="0"/>
+            <a:alphaOff val="0"/>
+          </a:schemeClr>
+        </a:solidFill>
+        <a:ln w="44450" cap="flat" cmpd="sng" algn="ctr">
+          <a:solidFill>
+            <a:schemeClr val="lt1">
+              <a:hueOff val="0"/>
+              <a:satOff val="0"/>
+              <a:lumOff val="0"/>
+              <a:alphaOff val="0"/>
+            </a:schemeClr>
+          </a:solidFill>
+          <a:prstDash val="solid"/>
+        </a:ln>
+        <a:effectLst/>
+      </dsp:spPr>
+      <dsp:style>
+        <a:lnRef idx="3">
+          <a:scrgbClr r="0" g="0" b="0"/>
+        </a:lnRef>
+        <a:fillRef idx="1">
+          <a:scrgbClr r="0" g="0" b="0"/>
+        </a:fillRef>
+        <a:effectRef idx="1">
+          <a:scrgbClr r="0" g="0" b="0"/>
+        </a:effectRef>
+        <a:fontRef idx="minor">
+          <a:schemeClr val="lt1"/>
+        </a:fontRef>
+      </dsp:style>
+      <dsp:txBody>
+        <a:bodyPr spcFirstLastPara="0" vert="horz" wrap="square" lIns="68580" tIns="68580" rIns="68580" bIns="68580" numCol="1" spcCol="1270" anchor="ctr" anchorCtr="0">
+          <a:noAutofit/>
+        </a:bodyPr>
+        <a:lstStyle/>
+        <a:p>
+          <a:pPr lvl="0" algn="ctr" defTabSz="800100">
+            <a:lnSpc>
+              <a:spcPct val="90000"/>
+            </a:lnSpc>
+            <a:spcBef>
+              <a:spcPct val="0"/>
+            </a:spcBef>
+            <a:spcAft>
+              <a:spcPct val="35000"/>
+            </a:spcAft>
+          </a:pPr>
+          <a:r>
+            <a:rPr lang="fr-FR" sz="1800" kern="1200" noProof="0" dirty="0" smtClean="0"/>
+            <a:t>Implémentation de la plateforme</a:t>
+          </a:r>
+          <a:endParaRPr lang="fr-FR" sz="1800" kern="1200" noProof="0" dirty="0"/>
+        </a:p>
+      </dsp:txBody>
+      <dsp:txXfrm>
+        <a:off x="4527291" y="1527823"/>
+        <a:ext cx="1776805" cy="1725878"/>
+      </dsp:txXfrm>
+    </dsp:sp>
+    <dsp:sp modelId="{40722D3D-B369-4220-B1F3-1FF98576E2D6}">
+      <dsp:nvSpPr>
+        <dsp:cNvPr id="0" name=""/>
+        <dsp:cNvSpPr/>
+      </dsp:nvSpPr>
+      <dsp:spPr>
+        <a:xfrm>
+          <a:off x="6517860" y="1434457"/>
+          <a:ext cx="2194571" cy="1912610"/>
+        </a:xfrm>
+        <a:prstGeom prst="roundRect">
+          <a:avLst/>
+        </a:prstGeom>
+        <a:solidFill>
+          <a:schemeClr val="accent1">
+            <a:hueOff val="0"/>
+            <a:satOff val="0"/>
+            <a:lumOff val="0"/>
+            <a:alphaOff val="0"/>
+          </a:schemeClr>
+        </a:solidFill>
+        <a:ln w="44450" cap="flat" cmpd="sng" algn="ctr">
+          <a:solidFill>
+            <a:schemeClr val="lt1">
+              <a:hueOff val="0"/>
+              <a:satOff val="0"/>
+              <a:lumOff val="0"/>
+              <a:alphaOff val="0"/>
+            </a:schemeClr>
+          </a:solidFill>
+          <a:prstDash val="solid"/>
+        </a:ln>
+        <a:effectLst/>
+      </dsp:spPr>
+      <dsp:style>
+        <a:lnRef idx="3">
+          <a:scrgbClr r="0" g="0" b="0"/>
+        </a:lnRef>
+        <a:fillRef idx="1">
+          <a:scrgbClr r="0" g="0" b="0"/>
+        </a:fillRef>
+        <a:effectRef idx="1">
+          <a:scrgbClr r="0" g="0" b="0"/>
+        </a:effectRef>
+        <a:fontRef idx="minor">
+          <a:schemeClr val="lt1"/>
+        </a:fontRef>
+      </dsp:style>
+      <dsp:txBody>
+        <a:bodyPr spcFirstLastPara="0" vert="horz" wrap="square" lIns="68580" tIns="68580" rIns="68580" bIns="68580" numCol="1" spcCol="1270" anchor="ctr" anchorCtr="0">
+          <a:noAutofit/>
+        </a:bodyPr>
+        <a:lstStyle/>
+        <a:p>
+          <a:pPr lvl="0" algn="ctr" defTabSz="800100">
+            <a:lnSpc>
+              <a:spcPct val="90000"/>
+            </a:lnSpc>
+            <a:spcBef>
+              <a:spcPct val="0"/>
+            </a:spcBef>
+            <a:spcAft>
+              <a:spcPct val="35000"/>
+            </a:spcAft>
+          </a:pPr>
+          <a:r>
+            <a:rPr lang="fr-FR" sz="1800" kern="1200" noProof="0" dirty="0" smtClean="0"/>
+            <a:t>Rédaction du manuel utilisateur et de la documentation</a:t>
+          </a:r>
+          <a:endParaRPr lang="fr-FR" sz="1800" kern="1200" noProof="0" dirty="0"/>
+        </a:p>
+      </dsp:txBody>
+      <dsp:txXfrm>
+        <a:off x="6611226" y="1527823"/>
+        <a:ext cx="2007839" cy="1725878"/>
+      </dsp:txXfrm>
+    </dsp:sp>
+  </dsp:spTree>
+</dsp:drawing>
+</file>
+
+<file path=ppt/diagrams/layout1.xml><?xml version="1.0" encoding="utf-8"?>
+<dgm:layoutDef xmlns:dgm="http://schemas.openxmlformats.org/drawingml/2006/diagram" xmlns:a="http://schemas.openxmlformats.org/drawingml/2006/main" uniqueId="urn:microsoft.com/office/officeart/2005/8/layout/hProcess9">
+  <dgm:title val=""/>
+  <dgm:desc val=""/>
+  <dgm:catLst>
+    <dgm:cat type="process" pri="5000"/>
+    <dgm:cat type="convert" pri="13000"/>
+  </dgm:catLst>
+  <dgm:sampData useDef="1">
+    <dgm:dataModel>
+      <dgm:ptLst/>
+      <dgm:bg/>
+      <dgm:whole/>
+    </dgm:dataModel>
+  </dgm:sampData>
+  <dgm:styleData>
+    <dgm:dataModel>
+      <dgm:ptLst>
+        <dgm:pt modelId="0" type="doc"/>
+        <dgm:pt modelId="1"/>
+        <dgm:pt modelId="2"/>
+      </dgm:ptLst>
+      <dgm:cxnLst>
+        <dgm:cxn modelId="3" srcId="0" destId="1" srcOrd="0" destOrd="0"/>
+        <dgm:cxn modelId="4" srcId="0" destId="2" srcOrd="1" destOrd="0"/>
+      </dgm:cxnLst>
+      <dgm:bg/>
+      <dgm:whole/>
+    </dgm:dataModel>
+  </dgm:styleData>
+  <dgm:clrData>
+    <dgm:dataModel>
+      <dgm:ptLst>
+        <dgm:pt modelId="0" type="doc"/>
+        <dgm:pt modelId="1"/>
+        <dgm:pt modelId="2"/>
+        <dgm:pt modelId="3"/>
+        <dgm:pt modelId="4"/>
+      </dgm:ptLst>
+      <dgm:cxnLst>
+        <dgm:cxn modelId="5" srcId="0" destId="1" srcOrd="0" destOrd="0"/>
+        <dgm:cxn modelId="6" srcId="0" destId="2" srcOrd="1" destOrd="0"/>
+        <dgm:cxn modelId="7" srcId="0" destId="3" srcOrd="2" destOrd="0"/>
+        <dgm:cxn modelId="8" srcId="0" destId="4" srcOrd="3" destOrd="0"/>
+      </dgm:cxnLst>
+      <dgm:bg/>
+      <dgm:whole/>
+    </dgm:dataModel>
+  </dgm:clrData>
+  <dgm:layoutNode name="CompostProcess">
+    <dgm:varLst>
+      <dgm:dir/>
+      <dgm:resizeHandles val="exact"/>
+    </dgm:varLst>
+    <dgm:alg type="composite">
+      <dgm:param type="horzAlign" val="ctr"/>
+      <dgm:param type="vertAlign" val="mid"/>
+    </dgm:alg>
+    <dgm:shape xmlns:r="http://schemas.openxmlformats.org/officeDocument/2006/relationships" r:blip="">
+      <dgm:adjLst/>
+    </dgm:shape>
+    <dgm:presOf/>
+    <dgm:constrLst>
+      <dgm:constr type="w" for="ch" forName="arrow" refType="w" fact="0.85"/>
+      <dgm:constr type="h" for="ch" forName="arrow" refType="h"/>
+      <dgm:constr type="ctrX" for="ch" forName="arrow" refType="w" fact="0.5"/>
+      <dgm:constr type="ctrY" for="ch" forName="arrow" refType="h" fact="0.5"/>
+      <dgm:constr type="w" for="ch" forName="linearProcess" refType="w"/>
+      <dgm:constr type="h" for="ch" forName="linearProcess" refType="h" fact="0.4"/>
+      <dgm:constr type="ctrX" for="ch" forName="linearProcess" refType="w" fact="0.5"/>
+      <dgm:constr type="ctrY" for="ch" forName="linearProcess" refType="h" fact="0.5"/>
+    </dgm:constrLst>
+    <dgm:ruleLst/>
+    <dgm:layoutNode name="arrow" styleLbl="bgShp">
+      <dgm:alg type="sp"/>
+      <dgm:choose name="Name0">
+        <dgm:if name="Name1" func="var" arg="dir" op="equ" val="norm">
+          <dgm:shape xmlns:r="http://schemas.openxmlformats.org/officeDocument/2006/relationships" type="rightArrow" r:blip="">
+            <dgm:adjLst/>
+          </dgm:shape>
+        </dgm:if>
+        <dgm:else name="Name2">
+          <dgm:shape xmlns:r="http://schemas.openxmlformats.org/officeDocument/2006/relationships" type="leftArrow" r:blip="">
+            <dgm:adjLst/>
+          </dgm:shape>
+        </dgm:else>
+      </dgm:choose>
+      <dgm:presOf/>
+      <dgm:constrLst/>
+      <dgm:ruleLst/>
+    </dgm:layoutNode>
+    <dgm:layoutNode name="linearProcess">
+      <dgm:choose name="Name3">
+        <dgm:if name="Name4" func="var" arg="dir" op="equ" val="norm">
+          <dgm:alg type="lin"/>
+        </dgm:if>
+        <dgm:else name="Name5">
+          <dgm:alg type="lin">
+            <dgm:param type="linDir" val="fromR"/>
+          </dgm:alg>
+        </dgm:else>
+      </dgm:choose>
+      <dgm:shape xmlns:r="http://schemas.openxmlformats.org/officeDocument/2006/relationships" r:blip="">
+        <dgm:adjLst/>
+      </dgm:shape>
+      <dgm:presOf/>
+      <dgm:constrLst>
+        <dgm:constr type="userA" for="ch" ptType="node" refType="w"/>
+        <dgm:constr type="h" for="ch" ptType="node" refType="h"/>
+        <dgm:constr type="w" for="ch" ptType="node" op="equ"/>
+        <dgm:constr type="w" for="ch" forName="sibTrans" refType="w" fact="0.05"/>
+        <dgm:constr type="primFontSz" for="ch" ptType="node" op="equ" val="65"/>
+      </dgm:constrLst>
+      <dgm:ruleLst/>
+      <dgm:forEach name="Name6" axis="ch" ptType="node">
+        <dgm:layoutNode name="textNode" styleLbl="node1">
+          <dgm:varLst>
+            <dgm:bulletEnabled val="1"/>
+          </dgm:varLst>
+          <dgm:alg type="tx"/>
+          <dgm:shape xmlns:r="http://schemas.openxmlformats.org/officeDocument/2006/relationships" type="roundRect" r:blip="">
+            <dgm:adjLst/>
+          </dgm:shape>
+          <dgm:presOf axis="desOrSelf" ptType="node"/>
+          <dgm:constrLst>
+            <dgm:constr type="userA"/>
+            <dgm:constr type="w" refType="userA" fact="0.3"/>
+            <dgm:constr type="tMarg" refType="primFontSz" fact="0.3"/>
+            <dgm:constr type="bMarg" refType="primFontSz" fact="0.3"/>
+            <dgm:constr type="lMarg" refType="primFontSz" fact="0.3"/>
+            <dgm:constr type="rMarg" refType="primFontSz" fact="0.3"/>
+          </dgm:constrLst>
+          <dgm:ruleLst>
+            <dgm:rule type="w" val="NaN" fact="1" max="NaN"/>
+            <dgm:rule type="primFontSz" val="5" fact="NaN" max="NaN"/>
+          </dgm:ruleLst>
+        </dgm:layoutNode>
+        <dgm:forEach name="Name7" axis="followSib" ptType="sibTrans" cnt="1">
+          <dgm:layoutNode name="sibTrans">
+            <dgm:alg type="sp"/>
+            <dgm:shape xmlns:r="http://schemas.openxmlformats.org/officeDocument/2006/relationships" r:blip="">
+              <dgm:adjLst/>
+            </dgm:shape>
+            <dgm:presOf/>
+            <dgm:constrLst/>
+            <dgm:ruleLst/>
+          </dgm:layoutNode>
+        </dgm:forEach>
+      </dgm:forEach>
+    </dgm:layoutNode>
+  </dgm:layoutNode>
+</dgm:layoutDef>
+</file>
+
+<file path=ppt/diagrams/quickStyle1.xml><?xml version="1.0" encoding="utf-8"?>
+<dgm:styleDef xmlns:dgm="http://schemas.openxmlformats.org/drawingml/2006/diagram" xmlns:a="http://schemas.openxmlformats.org/drawingml/2006/main" uniqueId="urn:microsoft.com/office/officeart/2005/8/quickstyle/simple2">
+  <dgm:title val=""/>
+  <dgm:desc val=""/>
+  <dgm:catLst>
+    <dgm:cat type="simple" pri="10200"/>
+  </dgm:catLst>
+  <dgm:scene3d>
+    <a:camera prst="orthographicFront"/>
+    <a:lightRig rig="threePt" dir="t"/>
+  </dgm:scene3d>
+  <dgm:styleLbl name="node0">
+    <dgm:scene3d>
+      <a:camera prst="orthographicFront"/>
+      <a:lightRig rig="threePt" dir="t"/>
+    </dgm:scene3d>
+    <dgm:sp3d/>
+    <dgm:txPr/>
+    <dgm:style>
+      <a:lnRef idx="3">
+        <a:scrgbClr r="0" g="0" b="0"/>
+      </a:lnRef>
+      <a:fillRef idx="1">
+        <a:scrgbClr r="0" g="0" b="0"/>
+      </a:fillRef>
+      <a:effectRef idx="1">
+        <a:scrgbClr r="0" g="0" b="0"/>
+      </a:effectRef>
+      <a:fontRef idx="minor">
+        <a:schemeClr val="lt1"/>
+      </a:fontRef>
+    </dgm:style>
+  </dgm:styleLbl>
+  <dgm:styleLbl name="lnNode1">
+    <dgm:scene3d>
+      <a:camera prst="orthographicFront"/>
+      <a:lightRig rig="threePt" dir="t"/>
+    </dgm:scene3d>
+    <dgm:sp3d/>
+    <dgm:txPr/>
+    <dgm:style>
+      <a:lnRef idx="3">
+        <a:scrgbClr r="0" g="0" b="0"/>
+      </a:lnRef>
+      <a:fillRef idx="1">
+        <a:scrgbClr r="0" g="0" b="0"/>
+      </a:fillRef>
+      <a:effectRef idx="1">
+        <a:scrgbClr r="0" g="0" b="0"/>
+      </a:effectRef>
+      <a:fontRef idx="minor">
+        <a:schemeClr val="lt1"/>
+      </a:fontRef>
+    </dgm:style>
+  </dgm:styleLbl>
+  <dgm:styleLbl name="vennNode1">
+    <dgm:scene3d>
+      <a:camera prst="orthographicFront"/>
+      <a:lightRig rig="threePt" dir="t"/>
+    </dgm:scene3d>
+    <dgm:sp3d/>
+    <dgm:txPr/>
+    <dgm:style>
+      <a:lnRef idx="3">
+        <a:scrgbClr r="0" g="0" b="0"/>
+      </a:lnRef>
+      <a:fillRef idx="1">
+        <a:scrgbClr r="0" g="0" b="0"/>
+      </a:fillRef>
+      <a:effectRef idx="0">
+        <a:scrgbClr r="0" g="0" b="0"/>
+      </a:effectRef>
+      <a:fontRef idx="minor">
+        <a:schemeClr val="tx1"/>
+      </a:fontRef>
+    </dgm:style>
+  </dgm:styleLbl>
+  <dgm:styleLbl name="alignNode1">
+    <dgm:scene3d>
+      <a:camera prst="orthographicFront"/>
+      <a:lightRig rig="threePt" dir="t"/>
+    </dgm:scene3d>
+    <dgm:sp3d/>
+    <dgm:txPr/>
+    <dgm:style>
+      <a:lnRef idx="2">
+        <a:scrgbClr r="0" g="0" b="0"/>
+      </a:lnRef>
+      <a:fillRef idx="1">
+        <a:scrgbClr r="0" g="0" b="0"/>
+      </a:fillRef>
+      <a:effectRef idx="1">
+        <a:scrgbClr r="0" g="0" b="0"/>
+      </a:effectRef>
+      <a:fontRef idx="minor">
+        <a:schemeClr val="lt1"/>
+      </a:fontRef>
+    </dgm:style>
+  </dgm:styleLbl>
+  <dgm:styleLbl name="node1">
+    <dgm:scene3d>
+      <a:camera prst="orthographicFront"/>
+      <a:lightRig rig="threePt" dir="t"/>
+    </dgm:scene3d>
+    <dgm:sp3d/>
+    <dgm:txPr/>
+    <dgm:style>
+      <a:lnRef idx="3">
+        <a:scrgbClr r="0" g="0" b="0"/>
+      </a:lnRef>
+      <a:fillRef idx="1">
+        <a:scrgbClr r="0" g="0" b="0"/>
+      </a:fillRef>
+      <a:effectRef idx="1">
+        <a:scrgbClr r="0" g="0" b="0"/>
+      </a:effectRef>
+      <a:fontRef idx="minor">
+        <a:schemeClr val="lt1"/>
+      </a:fontRef>
+    </dgm:style>
+  </dgm:styleLbl>
+  <dgm:styleLbl name="node2">
+    <dgm:scene3d>
+      <a:camera prst="orthographicFront"/>
+      <a:lightRig rig="threePt" dir="t"/>
+    </dgm:scene3d>
+    <dgm:sp3d/>
+    <dgm:txPr/>
+    <dgm:style>
+      <a:lnRef idx="3">
+        <a:scrgbClr r="0" g="0" b="0"/>
+      </a:lnRef>
+      <a:fillRef idx="1">
+        <a:scrgbClr r="0" g="0" b="0"/>
+      </a:fillRef>
+      <a:effectRef idx="1">
+        <a:scrgbClr r="0" g="0" b="0"/>
+      </a:effectRef>
+      <a:fontRef idx="minor">
+        <a:schemeClr val="lt1"/>
+      </a:fontRef>
+    </dgm:style>
+  </dgm:styleLbl>
+  <dgm:styleLbl name="node3">
+    <dgm:scene3d>
+      <a:camera prst="orthographicFront"/>
+      <a:lightRig rig="threePt" dir="t"/>
+    </dgm:scene3d>
+    <dgm:sp3d/>
+    <dgm:txPr/>
+    <dgm:style>
+      <a:lnRef idx="3">
+        <a:scrgbClr r="0" g="0" b="0"/>
+      </a:lnRef>
+      <a:fillRef idx="1">
+        <a:scrgbClr r="0" g="0" b="0"/>
+      </a:fillRef>
+      <a:effectRef idx="1">
+        <a:scrgbClr r="0" g="0" b="0"/>
+      </a:effectRef>
+      <a:fontRef idx="minor">
+        <a:schemeClr val="lt1"/>
+      </a:fontRef>
+    </dgm:style>
+  </dgm:styleLbl>
+  <dgm:styleLbl name="node4">
+    <dgm:scene3d>
+      <a:camera prst="orthographicFront"/>
+      <a:lightRig rig="threePt" dir="t"/>
+    </dgm:scene3d>
+    <dgm:sp3d/>
+    <dgm:txPr/>
+    <dgm:style>
+      <a:lnRef idx="3">
+        <a:scrgbClr r="0" g="0" b="0"/>
+      </a:lnRef>
+      <a:fillRef idx="1">
+        <a:scrgbClr r="0" g="0" b="0"/>
+      </a:fillRef>
+      <a:effectRef idx="1">
+        <a:scrgbClr r="0" g="0" b="0"/>
+      </a:effectRef>
+      <a:fontRef idx="minor">
+        <a:schemeClr val="lt1"/>
+      </a:fontRef>
+    </dgm:style>
+  </dgm:styleLbl>
+  <dgm:styleLbl name="fgImgPlace1">
+    <dgm:scene3d>
+      <a:camera prst="orthographicFront"/>
+      <a:lightRig rig="threePt" dir="t"/>
+    </dgm:scene3d>
+    <dgm:sp3d/>
+    <dgm:txPr/>
+    <dgm:style>
+      <a:lnRef idx="3">
+        <a:scrgbClr r="0" g="0" b="0"/>
+      </a:lnRef>
+      <a:fillRef idx="1">
+        <a:scrgbClr r="0" g="0" b="0"/>
+      </a:fillRef>
+      <a:effectRef idx="1">
+        <a:scrgbClr r="0" g="0" b="0"/>
+      </a:effectRef>
+      <a:fontRef idx="minor"/>
+    </dgm:style>
+  </dgm:styleLbl>
+  <dgm:styleLbl name="alignImgPlace1">
+    <dgm:scene3d>
+      <a:camera prst="orthographicFront"/>
+      <a:lightRig rig="threePt" dir="t"/>
+    </dgm:scene3d>
+    <dgm:sp3d/>
+    <dgm:txPr/>
+    <dgm:style>
+      <a:lnRef idx="3">
+        <a:scrgbClr r="0" g="0" b="0"/>
+      </a:lnRef>
+      <a:fillRef idx="1">
+        <a:scrgbClr r="0" g="0" b="0"/>
+      </a:fillRef>
+      <a:effectRef idx="1">
+        <a:scrgbClr r="0" g="0" b="0"/>
+      </a:effectRef>
+      <a:fontRef idx="minor"/>
+    </dgm:style>
+  </dgm:styleLbl>
+  <dgm:styleLbl name="bgImgPlace1">
+    <dgm:scene3d>
+      <a:camera prst="orthographicFront"/>
+      <a:lightRig rig="threePt" dir="t"/>
+    </dgm:scene3d>
+    <dgm:sp3d/>
+    <dgm:txPr/>
+    <dgm:style>
+      <a:lnRef idx="3">
+        <a:scrgbClr r="0" g="0" b="0"/>
+      </a:lnRef>
+      <a:fillRef idx="1">
+        <a:scrgbClr r="0" g="0" b="0"/>
+      </a:fillRef>
+      <a:effectRef idx="1">
+        <a:scrgbClr r="0" g="0" b="0"/>
+      </a:effectRef>
+      <a:fontRef idx="minor"/>
+    </dgm:style>
+  </dgm:styleLbl>
+  <dgm:styleLbl name="sibTrans2D1">
+    <dgm:scene3d>
+      <a:camera prst="orthographicFront"/>
+      <a:lightRig rig="threePt" dir="t"/>
+    </dgm:scene3d>
+    <dgm:sp3d/>
+    <dgm:txPr/>
+    <dgm:style>
+      <a:lnRef idx="0">
+        <a:scrgbClr r="0" g="0" b="0"/>
+      </a:lnRef>
+      <a:fillRef idx="1">
+        <a:scrgbClr r="0" g="0" b="0"/>
+      </a:fillRef>
+      <a:effectRef idx="1">
+        <a:scrgbClr r="0" g="0" b="0"/>
+      </a:effectRef>
+      <a:fontRef idx="minor">
+        <a:schemeClr val="lt1"/>
+      </a:fontRef>
+    </dgm:style>
+  </dgm:styleLbl>
+  <dgm:styleLbl name="fgSibTrans2D1">
+    <dgm:scene3d>
+      <a:camera prst="orthographicFront"/>
+      <a:lightRig rig="threePt" dir="t"/>
+    </dgm:scene3d>
+    <dgm:sp3d/>
+    <dgm:txPr/>
+    <dgm:style>
+      <a:lnRef idx="0">
+        <a:scrgbClr r="0" g="0" b="0"/>
+      </a:lnRef>
+      <a:fillRef idx="1">
+        <a:scrgbClr r="0" g="0" b="0"/>
+      </a:fillRef>
+      <a:effectRef idx="1">
+        <a:scrgbClr r="0" g="0" b="0"/>
+      </a:effectRef>
+      <a:fontRef idx="minor">
+        <a:schemeClr val="lt1"/>
+      </a:fontRef>
+    </dgm:style>
+  </dgm:styleLbl>
+  <dgm:styleLbl name="bgSibTrans2D1">
+    <dgm:scene3d>
+      <a:camera prst="orthographicFront"/>
+      <a:lightRig rig="threePt" dir="t"/>
+    </dgm:scene3d>
+    <dgm:sp3d/>
+    <dgm:txPr/>
+    <dgm:style>
+      <a:lnRef idx="0">
+        <a:scrgbClr r="0" g="0" b="0"/>
+      </a:lnRef>
+      <a:fillRef idx="1">
+        <a:scrgbClr r="0" g="0" b="0"/>
+      </a:fillRef>
+      <a:effectRef idx="1">
+        <a:scrgbClr r="0" g="0" b="0"/>
+      </a:effectRef>
+      <a:fontRef idx="minor">
+        <a:schemeClr val="lt1"/>
+      </a:fontRef>
+    </dgm:style>
+  </dgm:styleLbl>
+  <dgm:styleLbl name="sibTrans1D1">
+    <dgm:scene3d>
+      <a:camera prst="orthographicFront"/>
+      <a:lightRig rig="threePt" dir="t"/>
+    </dgm:scene3d>
+    <dgm:sp3d/>
+    <dgm:txPr/>
+    <dgm:style>
+      <a:lnRef idx="1">
+        <a:scrgbClr r="0" g="0" b="0"/>
+      </a:lnRef>
+      <a:fillRef idx="0">
+        <a:scrgbClr r="0" g="0" b="0"/>
+      </a:fillRef>
+      <a:effectRef idx="0">
+        <a:scrgbClr r="0" g="0" b="0"/>
+      </a:effectRef>
+      <a:fontRef idx="minor"/>
+    </dgm:style>
+  </dgm:styleLbl>
+  <dgm:styleLbl name="callout">
+    <dgm:scene3d>
+      <a:camera prst="orthographicFront"/>
+      <a:lightRig rig="threePt" dir="t"/>
+    </dgm:scene3d>
+    <dgm:sp3d/>
+    <dgm:txPr/>
+    <dgm:style>
+      <a:lnRef idx="2">
+        <a:scrgbClr r="0" g="0" b="0"/>
+      </a:lnRef>
+      <a:fillRef idx="1">
+        <a:scrgbClr r="0" g="0" b="0"/>
+      </a:fillRef>
+      <a:effectRef idx="1">
+        <a:scrgbClr r="0" g="0" b="0"/>
+      </a:effectRef>
+      <a:fontRef idx="minor"/>
+    </dgm:style>
+  </dgm:styleLbl>
+  <dgm:styleLbl name="asst0">
+    <dgm:scene3d>
+      <a:camera prst="orthographicFront"/>
+      <a:lightRig rig="threePt" dir="t"/>
+    </dgm:scene3d>
+    <dgm:sp3d/>
+    <dgm:txPr/>
+    <dgm:style>
+      <a:lnRef idx="3">
+        <a:scrgbClr r="0" g="0" b="0"/>
+      </a:lnRef>
+      <a:fillRef idx="1">
+        <a:scrgbClr r="0" g="0" b="0"/>
+      </a:fillRef>
+      <a:effectRef idx="1">
+        <a:scrgbClr r="0" g="0" b="0"/>
+      </a:effectRef>
+      <a:fontRef idx="minor">
+        <a:schemeClr val="lt1"/>
+      </a:fontRef>
+    </dgm:style>
+  </dgm:styleLbl>
+  <dgm:styleLbl name="asst1">
+    <dgm:scene3d>
+      <a:camera prst="orthographicFront"/>
+      <a:lightRig rig="threePt" dir="t"/>
+    </dgm:scene3d>
+    <dgm:sp3d/>
+    <dgm:txPr/>
+    <dgm:style>
+      <a:lnRef idx="3">
+        <a:scrgbClr r="0" g="0" b="0"/>
+      </a:lnRef>
+      <a:fillRef idx="1">
+        <a:scrgbClr r="0" g="0" b="0"/>
+      </a:fillRef>
+      <a:effectRef idx="1">
+        <a:scrgbClr r="0" g="0" b="0"/>
+      </a:effectRef>
+      <a:fontRef idx="minor">
+        <a:schemeClr val="lt1"/>
+      </a:fontRef>
+    </dgm:style>
+  </dgm:styleLbl>
+  <dgm:styleLbl name="asst2">
+    <dgm:scene3d>
+      <a:camera prst="orthographicFront"/>
+      <a:lightRig rig="threePt" dir="t"/>
+    </dgm:scene3d>
+    <dgm:sp3d/>
+    <dgm:txPr/>
+    <dgm:style>
+      <a:lnRef idx="3">
+        <a:scrgbClr r="0" g="0" b="0"/>
+      </a:lnRef>
+      <a:fillRef idx="1">
+        <a:scrgbClr r="0" g="0" b="0"/>
+      </a:fillRef>
+      <a:effectRef idx="1">
+        <a:scrgbClr r="0" g="0" b="0"/>
+      </a:effectRef>
+      <a:fontRef idx="minor">
+        <a:schemeClr val="lt1"/>
+      </a:fontRef>
+    </dgm:style>
+  </dgm:styleLbl>
+  <dgm:styleLbl name="asst3">
+    <dgm:scene3d>
+      <a:camera prst="orthographicFront"/>
+      <a:lightRig rig="threePt" dir="t"/>
+    </dgm:scene3d>
+    <dgm:sp3d/>
+    <dgm:txPr/>
+    <dgm:style>
+      <a:lnRef idx="3">
+        <a:scrgbClr r="0" g="0" b="0"/>
+      </a:lnRef>
+      <a:fillRef idx="1">
+        <a:scrgbClr r="0" g="0" b="0"/>
+      </a:fillRef>
+      <a:effectRef idx="1">
+        <a:scrgbClr r="0" g="0" b="0"/>
+      </a:effectRef>
+      <a:fontRef idx="minor">
+        <a:schemeClr val="lt1"/>
+      </a:fontRef>
+    </dgm:style>
+  </dgm:styleLbl>
+  <dgm:styleLbl name="asst4">
+    <dgm:scene3d>
+      <a:camera prst="orthographicFront"/>
+      <a:lightRig rig="threePt" dir="t"/>
+    </dgm:scene3d>
+    <dgm:sp3d/>
+    <dgm:txPr/>
+    <dgm:style>
+      <a:lnRef idx="3">
+        <a:scrgbClr r="0" g="0" b="0"/>
+      </a:lnRef>
+      <a:fillRef idx="1">
+        <a:scrgbClr r="0" g="0" b="0"/>
+      </a:fillRef>
+      <a:effectRef idx="1">
+        <a:scrgbClr r="0" g="0" b="0"/>
+      </a:effectRef>
+      <a:fontRef idx="minor">
+        <a:schemeClr val="lt1"/>
+      </a:fontRef>
+    </dgm:style>
+  </dgm:styleLbl>
+  <dgm:styleLbl name="parChTrans2D1">
+    <dgm:scene3d>
+      <a:camera prst="orthographicFront"/>
+      <a:lightRig rig="threePt" dir="t"/>
+    </dgm:scene3d>
+    <dgm:sp3d/>
+    <dgm:txPr/>
+    <dgm:style>
+      <a:lnRef idx="3">
+        <a:scrgbClr r="0" g="0" b="0"/>
+      </a:lnRef>
+      <a:fillRef idx="1">
+        <a:scrgbClr r="0" g="0" b="0"/>
+      </a:fillRef>
+      <a:effectRef idx="1">
+        <a:scrgbClr r="0" g="0" b="0"/>
+      </a:effectRef>
+      <a:fontRef idx="minor">
+        <a:schemeClr val="lt1"/>
+      </a:fontRef>
+    </dgm:style>
+  </dgm:styleLbl>
+  <dgm:styleLbl name="parChTrans2D2">
+    <dgm:scene3d>
+      <a:camera prst="orthographicFront"/>
+      <a:lightRig rig="threePt" dir="t"/>
+    </dgm:scene3d>
+    <dgm:sp3d/>
+    <dgm:txPr/>
+    <dgm:style>
+      <a:lnRef idx="3">
+        <a:scrgbClr r="0" g="0" b="0"/>
+      </a:lnRef>
+      <a:fillRef idx="1">
+        <a:scrgbClr r="0" g="0" b="0"/>
+      </a:fillRef>
+      <a:effectRef idx="1">
+        <a:scrgbClr r="0" g="0" b="0"/>
+      </a:effectRef>
+      <a:fontRef idx="minor">
+        <a:schemeClr val="lt1"/>
+      </a:fontRef>
+    </dgm:style>
+  </dgm:styleLbl>
+  <dgm:styleLbl name="parChTrans2D3">
+    <dgm:scene3d>
+      <a:camera prst="orthographicFront"/>
+      <a:lightRig rig="threePt" dir="t"/>
+    </dgm:scene3d>
+    <dgm:sp3d/>
+    <dgm:txPr/>
+    <dgm:style>
+      <a:lnRef idx="3">
+        <a:scrgbClr r="0" g="0" b="0"/>
+      </a:lnRef>
+      <a:fillRef idx="1">
+        <a:scrgbClr r="0" g="0" b="0"/>
+      </a:fillRef>
+      <a:effectRef idx="1">
+        <a:scrgbClr r="0" g="0" b="0"/>
+      </a:effectRef>
+      <a:fontRef idx="minor">
+        <a:schemeClr val="lt1"/>
+      </a:fontRef>
+    </dgm:style>
+  </dgm:styleLbl>
+  <dgm:styleLbl name="parChTrans2D4">
+    <dgm:scene3d>
+      <a:camera prst="orthographicFront"/>
+      <a:lightRig rig="threePt" dir="t"/>
+    </dgm:scene3d>
+    <dgm:sp3d/>
+    <dgm:txPr/>
+    <dgm:style>
+      <a:lnRef idx="3">
+        <a:scrgbClr r="0" g="0" b="0"/>
+      </a:lnRef>
+      <a:fillRef idx="1">
+        <a:scrgbClr r="0" g="0" b="0"/>
+      </a:fillRef>
+      <a:effectRef idx="1">
+        <a:scrgbClr r="0" g="0" b="0"/>
+      </a:effectRef>
+      <a:fontRef idx="minor">
+        <a:schemeClr val="lt1"/>
+      </a:fontRef>
+    </dgm:style>
+  </dgm:styleLbl>
+  <dgm:styleLbl name="parChTrans1D1">
+    <dgm:scene3d>
+      <a:camera prst="orthographicFront"/>
+      <a:lightRig rig="threePt" dir="t"/>
+    </dgm:scene3d>
+    <dgm:sp3d/>
+    <dgm:txPr/>
+    <dgm:style>
+      <a:lnRef idx="2">
+        <a:scrgbClr r="0" g="0" b="0"/>
+      </a:lnRef>
+      <a:fillRef idx="0">
+        <a:scrgbClr r="0" g="0" b="0"/>
+      </a:fillRef>
+      <a:effectRef idx="0">
+        <a:scrgbClr r="0" g="0" b="0"/>
+      </a:effectRef>
+      <a:fontRef idx="minor"/>
+    </dgm:style>
+  </dgm:styleLbl>
+  <dgm:styleLbl name="parChTrans1D2">
+    <dgm:scene3d>
+      <a:camera prst="orthographicFront"/>
+      <a:lightRig rig="threePt" dir="t"/>
+    </dgm:scene3d>
+    <dgm:sp3d/>
+    <dgm:txPr/>
+    <dgm:style>
+      <a:lnRef idx="2">
+        <a:scrgbClr r="0" g="0" b="0"/>
+      </a:lnRef>
+      <a:fillRef idx="0">
+        <a:scrgbClr r="0" g="0" b="0"/>
+      </a:fillRef>
+      <a:effectRef idx="0">
+        <a:scrgbClr r="0" g="0" b="0"/>
+      </a:effectRef>
+      <a:fontRef idx="minor"/>
+    </dgm:style>
+  </dgm:styleLbl>
+  <dgm:styleLbl name="parChTrans1D3">
+    <dgm:scene3d>
+      <a:camera prst="orthographicFront"/>
+      <a:lightRig rig="threePt" dir="t"/>
+    </dgm:scene3d>
+    <dgm:sp3d/>
+    <dgm:txPr/>
+    <dgm:style>
+      <a:lnRef idx="2">
+        <a:scrgbClr r="0" g="0" b="0"/>
+      </a:lnRef>
+      <a:fillRef idx="0">
+        <a:scrgbClr r="0" g="0" b="0"/>
+      </a:fillRef>
+      <a:effectRef idx="0">
+        <a:scrgbClr r="0" g="0" b="0"/>
+      </a:effectRef>
+      <a:fontRef idx="minor"/>
+    </dgm:style>
+  </dgm:styleLbl>
+  <dgm:styleLbl name="parChTrans1D4">
+    <dgm:scene3d>
+      <a:camera prst="orthographicFront"/>
+      <a:lightRig rig="threePt" dir="t"/>
+    </dgm:scene3d>
+    <dgm:sp3d/>
+    <dgm:txPr/>
+    <dgm:style>
+      <a:lnRef idx="2">
+        <a:scrgbClr r="0" g="0" b="0"/>
+      </a:lnRef>
+      <a:fillRef idx="0">
+        <a:scrgbClr r="0" g="0" b="0"/>
+      </a:fillRef>
+      <a:effectRef idx="0">
+        <a:scrgbClr r="0" g="0" b="0"/>
+      </a:effectRef>
+      <a:fontRef idx="minor"/>
+    </dgm:style>
+  </dgm:styleLbl>
+  <dgm:styleLbl name="fgAcc1">
+    <dgm:scene3d>
+      <a:camera prst="orthographicFront"/>
+      <a:lightRig rig="threePt" dir="t"/>
+    </dgm:scene3d>
+    <dgm:sp3d/>
+    <dgm:txPr/>
+    <dgm:style>
+      <a:lnRef idx="2">
+        <a:scrgbClr r="0" g="0" b="0"/>
+      </a:lnRef>
+      <a:fillRef idx="1">
+        <a:scrgbClr r="0" g="0" b="0"/>
+      </a:fillRef>
+      <a:effectRef idx="0">
+        <a:scrgbClr r="0" g="0" b="0"/>
+      </a:effectRef>
+      <a:fontRef idx="minor"/>
+    </dgm:style>
+  </dgm:styleLbl>
+  <dgm:styleLbl name="conFgAcc1">
+    <dgm:scene3d>
+      <a:camera prst="orthographicFront"/>
+      <a:lightRig rig="threePt" dir="t"/>
+    </dgm:scene3d>
+    <dgm:sp3d/>
+    <dgm:txPr/>
+    <dgm:style>
+      <a:lnRef idx="2">
+        <a:scrgbClr r="0" g="0" b="0"/>
+      </a:lnRef>
+      <a:fillRef idx="1">
+        <a:scrgbClr r="0" g="0" b="0"/>
+      </a:fillRef>
+      <a:effectRef idx="0">
+        <a:scrgbClr r="0" g="0" b="0"/>
+      </a:effectRef>
+      <a:fontRef idx="minor"/>
+    </dgm:style>
+  </dgm:styleLbl>
+  <dgm:styleLbl name="alignAcc1">
+    <dgm:scene3d>
+      <a:camera prst="orthographicFront"/>
+      <a:lightRig rig="threePt" dir="t"/>
+    </dgm:scene3d>
+    <dgm:sp3d/>
+    <dgm:txPr/>
+    <dgm:style>
+      <a:lnRef idx="2">
+        <a:scrgbClr r="0" g="0" b="0"/>
+      </a:lnRef>
+      <a:fillRef idx="1">
+        <a:scrgbClr r="0" g="0" b="0"/>
+      </a:fillRef>
+      <a:effectRef idx="0">
+        <a:scrgbClr r="0" g="0" b="0"/>
+      </a:effectRef>
+      <a:fontRef idx="minor"/>
+    </dgm:style>
+  </dgm:styleLbl>
+  <dgm:styleLbl name="trAlignAcc1">
+    <dgm:scene3d>
+      <a:camera prst="orthographicFront"/>
+      <a:lightRig rig="threePt" dir="t"/>
+    </dgm:scene3d>
+    <dgm:sp3d/>
+    <dgm:txPr/>
+    <dgm:style>
+      <a:lnRef idx="1">
+        <a:scrgbClr r="0" g="0" b="0"/>
+      </a:lnRef>
+      <a:fillRef idx="1">
+        <a:scrgbClr r="0" g="0" b="0"/>
+      </a:fillRef>
+      <a:effectRef idx="0">
+        <a:scrgbClr r="0" g="0" b="0"/>
+      </a:effectRef>
+      <a:fontRef idx="minor"/>
+    </dgm:style>
+  </dgm:styleLbl>
+  <dgm:styleLbl name="bgAcc1">
+    <dgm:scene3d>
+      <a:camera prst="orthographicFront"/>
+      <a:lightRig rig="threePt" dir="t"/>
+    </dgm:scene3d>
+    <dgm:sp3d/>
+    <dgm:txPr/>
+    <dgm:style>
+      <a:lnRef idx="2">
+        <a:scrgbClr r="0" g="0" b="0"/>
+      </a:lnRef>
+      <a:fillRef idx="1">
+        <a:scrgbClr r="0" g="0" b="0"/>
+      </a:fillRef>
+      <a:effectRef idx="0">
+        <a:scrgbClr r="0" g="0" b="0"/>
+      </a:effectRef>
+      <a:fontRef idx="minor"/>
+    </dgm:style>
+  </dgm:styleLbl>
+  <dgm:styleLbl name="solidFgAcc1">
+    <dgm:scene3d>
+      <a:camera prst="orthographicFront"/>
+      <a:lightRig rig="threePt" dir="t"/>
+    </dgm:scene3d>
+    <dgm:sp3d/>
+    <dgm:txPr/>
+    <dgm:style>
+      <a:lnRef idx="2">
+        <a:scrgbClr r="0" g="0" b="0"/>
+      </a:lnRef>
+      <a:fillRef idx="1">
+        <a:scrgbClr r="0" g="0" b="0"/>
+      </a:fillRef>
+      <a:effectRef idx="0">
+        <a:scrgbClr r="0" g="0" b="0"/>
+      </a:effectRef>
+      <a:fontRef idx="minor"/>
+    </dgm:style>
+  </dgm:styleLbl>
+  <dgm:styleLbl name="solidAlignAcc1">
+    <dgm:scene3d>
+      <a:camera prst="orthographicFront"/>
+      <a:lightRig rig="threePt" dir="t"/>
+    </dgm:scene3d>
+    <dgm:sp3d/>
+    <dgm:txPr/>
+    <dgm:style>
+      <a:lnRef idx="2">
+        <a:scrgbClr r="0" g="0" b="0"/>
+      </a:lnRef>
+      <a:fillRef idx="1">
+        <a:scrgbClr r="0" g="0" b="0"/>
+      </a:fillRef>
+      <a:effectRef idx="0">
+        <a:scrgbClr r="0" g="0" b="0"/>
+      </a:effectRef>
+      <a:fontRef idx="minor"/>
+    </dgm:style>
+  </dgm:styleLbl>
+  <dgm:styleLbl name="solidBgAcc1">
+    <dgm:scene3d>
+      <a:camera prst="orthographicFront"/>
+      <a:lightRig rig="threePt" dir="t"/>
+    </dgm:scene3d>
+    <dgm:sp3d/>
+    <dgm:txPr/>
+    <dgm:style>
+      <a:lnRef idx="2">
+        <a:scrgbClr r="0" g="0" b="0"/>
+      </a:lnRef>
+      <a:fillRef idx="1">
+        <a:scrgbClr r="0" g="0" b="0"/>
+      </a:fillRef>
+      <a:effectRef idx="0">
+        <a:scrgbClr r="0" g="0" b="0"/>
+      </a:effectRef>
+      <a:fontRef idx="minor"/>
+    </dgm:style>
+  </dgm:styleLbl>
+  <dgm:styleLbl name="fgAccFollowNode1">
+    <dgm:scene3d>
+      <a:camera prst="orthographicFront"/>
+      <a:lightRig rig="threePt" dir="t"/>
+    </dgm:scene3d>
+    <dgm:sp3d/>
+    <dgm:txPr/>
+    <dgm:style>
+      <a:lnRef idx="2">
+        <a:scrgbClr r="0" g="0" b="0"/>
+      </a:lnRef>
+      <a:fillRef idx="1">
+        <a:scrgbClr r="0" g="0" b="0"/>
+      </a:fillRef>
+      <a:effectRef idx="0">
+        <a:scrgbClr r="0" g="0" b="0"/>
+      </a:effectRef>
+      <a:fontRef idx="minor"/>
+    </dgm:style>
+  </dgm:styleLbl>
+  <dgm:styleLbl name="alignAccFollowNode1">
+    <dgm:scene3d>
+      <a:camera prst="orthographicFront"/>
+      <a:lightRig rig="threePt" dir="t"/>
+    </dgm:scene3d>
+    <dgm:sp3d/>
+    <dgm:txPr/>
+    <dgm:style>
+      <a:lnRef idx="2">
+        <a:scrgbClr r="0" g="0" b="0"/>
+      </a:lnRef>
+      <a:fillRef idx="1">
+        <a:scrgbClr r="0" g="0" b="0"/>
+      </a:fillRef>
+      <a:effectRef idx="0">
+        <a:scrgbClr r="0" g="0" b="0"/>
+      </a:effectRef>
+      <a:fontRef idx="minor"/>
+    </dgm:style>
+  </dgm:styleLbl>
+  <dgm:styleLbl name="bgAccFollowNode1">
+    <dgm:scene3d>
+      <a:camera prst="orthographicFront"/>
+      <a:lightRig rig="threePt" dir="t"/>
+    </dgm:scene3d>
+    <dgm:sp3d/>
+    <dgm:txPr/>
+    <dgm:style>
+      <a:lnRef idx="2">
+        <a:scrgbClr r="0" g="0" b="0"/>
+      </a:lnRef>
+      <a:fillRef idx="1">
+        <a:scrgbClr r="0" g="0" b="0"/>
+      </a:fillRef>
+      <a:effectRef idx="0">
+        <a:scrgbClr r="0" g="0" b="0"/>
+      </a:effectRef>
+      <a:fontRef idx="minor"/>
+    </dgm:style>
+  </dgm:styleLbl>
+  <dgm:styleLbl name="fgAcc0">
+    <dgm:scene3d>
+      <a:camera prst="orthographicFront"/>
+      <a:lightRig rig="threePt" dir="t"/>
+    </dgm:scene3d>
+    <dgm:sp3d/>
+    <dgm:txPr/>
+    <dgm:style>
+      <a:lnRef idx="2">
+        <a:scrgbClr r="0" g="0" b="0"/>
+      </a:lnRef>
+      <a:fillRef idx="1">
+        <a:scrgbClr r="0" g="0" b="0"/>
+      </a:fillRef>
+      <a:effectRef idx="0">
+        <a:scrgbClr r="0" g="0" b="0"/>
+      </a:effectRef>
+      <a:fontRef idx="minor"/>
+    </dgm:style>
+  </dgm:styleLbl>
+  <dgm:styleLbl name="fgAcc2">
+    <dgm:scene3d>
+      <a:camera prst="orthographicFront"/>
+      <a:lightRig rig="threePt" dir="t"/>
+    </dgm:scene3d>
+    <dgm:sp3d/>
+    <dgm:txPr/>
+    <dgm:style>
+      <a:lnRef idx="2">
+        <a:scrgbClr r="0" g="0" b="0"/>
+      </a:lnRef>
+      <a:fillRef idx="1">
+        <a:scrgbClr r="0" g="0" b="0"/>
+      </a:fillRef>
+      <a:effectRef idx="0">
+        <a:scrgbClr r="0" g="0" b="0"/>
+      </a:effectRef>
+      <a:fontRef idx="minor"/>
+    </dgm:style>
+  </dgm:styleLbl>
+  <dgm:styleLbl name="fgAcc3">
+    <dgm:scene3d>
+      <a:camera prst="orthographicFront"/>
+      <a:lightRig rig="threePt" dir="t"/>
+    </dgm:scene3d>
+    <dgm:sp3d/>
+    <dgm:txPr/>
+    <dgm:style>
+      <a:lnRef idx="2">
+        <a:scrgbClr r="0" g="0" b="0"/>
+      </a:lnRef>
+      <a:fillRef idx="1">
+        <a:scrgbClr r="0" g="0" b="0"/>
+      </a:fillRef>
+      <a:effectRef idx="0">
+        <a:scrgbClr r="0" g="0" b="0"/>
+      </a:effectRef>
+      <a:fontRef idx="minor"/>
+    </dgm:style>
+  </dgm:styleLbl>
+  <dgm:styleLbl name="fgAcc4">
+    <dgm:scene3d>
+      <a:camera prst="orthographicFront"/>
+      <a:lightRig rig="threePt" dir="t"/>
+    </dgm:scene3d>
+    <dgm:sp3d/>
+    <dgm:txPr/>
+    <dgm:style>
+      <a:lnRef idx="2">
+        <a:scrgbClr r="0" g="0" b="0"/>
+      </a:lnRef>
+      <a:fillRef idx="1">
+        <a:scrgbClr r="0" g="0" b="0"/>
+      </a:fillRef>
+      <a:effectRef idx="0">
+        <a:scrgbClr r="0" g="0" b="0"/>
+      </a:effectRef>
+      <a:fontRef idx="minor"/>
+    </dgm:style>
+  </dgm:styleLbl>
+  <dgm:styleLbl name="bgShp">
+    <dgm:scene3d>
+      <a:camera prst="orthographicFront"/>
+      <a:lightRig rig="threePt" dir="t"/>
+    </dgm:scene3d>
+    <dgm:sp3d/>
+    <dgm:txPr/>
+    <dgm:style>
+      <a:lnRef idx="0">
+        <a:scrgbClr r="0" g="0" b="0"/>
+      </a:lnRef>
+      <a:fillRef idx="1">
+        <a:scrgbClr r="0" g="0" b="0"/>
+      </a:fillRef>
+      <a:effectRef idx="0">
+        <a:scrgbClr r="0" g="0" b="0"/>
+      </a:effectRef>
+      <a:fontRef idx="minor"/>
+    </dgm:style>
+  </dgm:styleLbl>
+  <dgm:styleLbl name="dkBgShp">
+    <dgm:scene3d>
+      <a:camera prst="orthographicFront"/>
+      <a:lightRig rig="threePt" dir="t"/>
+    </dgm:scene3d>
+    <dgm:sp3d/>
+    <dgm:txPr/>
+    <dgm:style>
+      <a:lnRef idx="0">
+        <a:scrgbClr r="0" g="0" b="0"/>
+      </a:lnRef>
+      <a:fillRef idx="1">
+        <a:scrgbClr r="0" g="0" b="0"/>
+      </a:fillRef>
+      <a:effectRef idx="0">
+        <a:scrgbClr r="0" g="0" b="0"/>
+      </a:effectRef>
+      <a:fontRef idx="minor"/>
+    </dgm:style>
+  </dgm:styleLbl>
+  <dgm:styleLbl name="trBgShp">
+    <dgm:scene3d>
+      <a:camera prst="orthographicFront"/>
+      <a:lightRig rig="threePt" dir="t"/>
+    </dgm:scene3d>
+    <dgm:sp3d/>
+    <dgm:txPr/>
+    <dgm:style>
+      <a:lnRef idx="0">
+        <a:scrgbClr r="0" g="0" b="0"/>
+      </a:lnRef>
+      <a:fillRef idx="1">
+        <a:scrgbClr r="0" g="0" b="0"/>
+      </a:fillRef>
+      <a:effectRef idx="0">
+        <a:scrgbClr r="0" g="0" b="0"/>
+      </a:effectRef>
+      <a:fontRef idx="minor"/>
+    </dgm:style>
+  </dgm:styleLbl>
+  <dgm:styleLbl name="fgShp">
+    <dgm:scene3d>
+      <a:camera prst="orthographicFront"/>
+      <a:lightRig rig="threePt" dir="t"/>
+    </dgm:scene3d>
+    <dgm:sp3d/>
+    <dgm:txPr/>
+    <dgm:style>
+      <a:lnRef idx="3">
+        <a:scrgbClr r="0" g="0" b="0"/>
+      </a:lnRef>
+      <a:fillRef idx="1">
+        <a:scrgbClr r="0" g="0" b="0"/>
+      </a:fillRef>
+      <a:effectRef idx="1">
+        <a:scrgbClr r="0" g="0" b="0"/>
+      </a:effectRef>
+      <a:fontRef idx="minor"/>
+    </dgm:style>
+  </dgm:styleLbl>
+  <dgm:styleLbl name="revTx">
+    <dgm:scene3d>
+      <a:camera prst="orthographicFront"/>
+      <a:lightRig rig="threePt" dir="t"/>
+    </dgm:scene3d>
+    <dgm:sp3d/>
+    <dgm:txPr/>
+    <dgm:style>
+      <a:lnRef idx="0">
+        <a:scrgbClr r="0" g="0" b="0"/>
+      </a:lnRef>
+      <a:fillRef idx="0">
+        <a:scrgbClr r="0" g="0" b="0"/>
+      </a:fillRef>
+      <a:effectRef idx="0">
+        <a:scrgbClr r="0" g="0" b="0"/>
+      </a:effectRef>
+      <a:fontRef idx="minor"/>
+    </dgm:style>
+  </dgm:styleLbl>
+</dgm:styleDef>
 </file>
 
 <file path=ppt/notesMasters/notesMaster1.xml><?xml version="1.0" encoding="utf-8"?>
@@ -461,6 +3081,90 @@
     </a:lvl9pPr>
   </p:notesStyle>
 </p:notesMaster>
+</file>
+
+<file path=ppt/notesSlides/notesSlide1.xml><?xml version="1.0" encoding="utf-8"?>
+<p:notes xmlns:a="http://schemas.openxmlformats.org/drawingml/2006/main" xmlns:r="http://schemas.openxmlformats.org/officeDocument/2006/relationships" xmlns:p="http://schemas.openxmlformats.org/presentationml/2006/main">
+  <p:cSld>
+    <p:spTree>
+      <p:nvGrpSpPr>
+        <p:cNvPr id="1" name=""/>
+        <p:cNvGrpSpPr/>
+        <p:nvPr/>
+      </p:nvGrpSpPr>
+      <p:grpSpPr>
+        <a:xfrm>
+          <a:off x="0" y="0"/>
+          <a:ext cx="0" cy="0"/>
+          <a:chOff x="0" y="0"/>
+          <a:chExt cx="0" cy="0"/>
+        </a:xfrm>
+      </p:grpSpPr>
+      <p:sp>
+        <p:nvSpPr>
+          <p:cNvPr id="2" name="Espace réservé de l'image des diapositives 1"/>
+          <p:cNvSpPr>
+            <a:spLocks noGrp="1" noRot="1" noChangeAspect="1"/>
+          </p:cNvSpPr>
+          <p:nvPr>
+            <p:ph type="sldImg"/>
+          </p:nvPr>
+        </p:nvSpPr>
+        <p:spPr/>
+      </p:sp>
+      <p:sp>
+        <p:nvSpPr>
+          <p:cNvPr id="3" name="Espace réservé des commentaires 2"/>
+          <p:cNvSpPr>
+            <a:spLocks noGrp="1"/>
+          </p:cNvSpPr>
+          <p:nvPr>
+            <p:ph type="body" idx="1"/>
+          </p:nvPr>
+        </p:nvSpPr>
+        <p:spPr/>
+        <p:txBody>
+          <a:bodyPr/>
+          <a:lstStyle/>
+          <a:p>
+            <a:endParaRPr lang="en-US" dirty="0"/>
+          </a:p>
+        </p:txBody>
+      </p:sp>
+      <p:sp>
+        <p:nvSpPr>
+          <p:cNvPr id="4" name="Espace réservé du numéro de diapositive 3"/>
+          <p:cNvSpPr>
+            <a:spLocks noGrp="1"/>
+          </p:cNvSpPr>
+          <p:nvPr>
+            <p:ph type="sldNum" sz="quarter" idx="10"/>
+          </p:nvPr>
+        </p:nvSpPr>
+        <p:spPr/>
+        <p:txBody>
+          <a:bodyPr/>
+          <a:lstStyle/>
+          <a:p>
+            <a:fld id="{6A5C4556-5453-4E19-887E-A97705F9CD8C}" type="slidenum">
+              <a:rPr lang="fr-FR" smtClean="0"/>
+              <a:t>5</a:t>
+            </a:fld>
+            <a:endParaRPr lang="fr-FR"/>
+          </a:p>
+        </p:txBody>
+      </p:sp>
+    </p:spTree>
+    <p:extLst>
+      <p:ext uri="{BB962C8B-B14F-4D97-AF65-F5344CB8AC3E}">
+        <p14:creationId xmlns:p14="http://schemas.microsoft.com/office/powerpoint/2010/main" val="515267957"/>
+      </p:ext>
+    </p:extLst>
+  </p:cSld>
+  <p:clrMapOvr>
+    <a:masterClrMapping/>
+  </p:clrMapOvr>
+</p:notes>
 </file>
 
 <file path=ppt/slideLayouts/slideLayout1.xml><?xml version="1.0" encoding="utf-8"?>
@@ -3744,7 +6448,7 @@
         </p:nvSpPr>
         <p:spPr>
           <a:xfrm>
-            <a:off x="5796136" y="697042"/>
+            <a:off x="6263680" y="1374270"/>
             <a:ext cx="2880320" cy="369332"/>
           </a:xfrm>
           <a:prstGeom prst="rect">
@@ -3774,8 +6478,8 @@
         </p:nvSpPr>
         <p:spPr>
           <a:xfrm>
-            <a:off x="2771800" y="3921353"/>
-            <a:ext cx="3600400" cy="369332"/>
+            <a:off x="683568" y="3921353"/>
+            <a:ext cx="7848872" cy="523220"/>
           </a:xfrm>
           <a:prstGeom prst="rect">
             <a:avLst/>
@@ -3788,11 +6492,20 @@
           </a:bodyPr>
           <a:lstStyle/>
           <a:p>
-            <a:r>
-              <a:rPr lang="fr-FR" dirty="0" smtClean="0"/>
-              <a:t>Etude d’événements en finance</a:t>
-            </a:r>
-            <a:endParaRPr lang="fr-FR" dirty="0"/>
+            <a:pPr algn="ctr"/>
+            <a:r>
+              <a:rPr lang="fr-FR" sz="2800" dirty="0" smtClean="0"/>
+              <a:t>« Etude </a:t>
+            </a:r>
+            <a:r>
+              <a:rPr lang="fr-FR" sz="2800" dirty="0" smtClean="0"/>
+              <a:t>d’événements en </a:t>
+            </a:r>
+            <a:r>
+              <a:rPr lang="fr-FR" sz="2800" dirty="0" smtClean="0"/>
+              <a:t>finance »</a:t>
+            </a:r>
+            <a:endParaRPr lang="fr-FR" sz="2800" dirty="0"/>
           </a:p>
         </p:txBody>
       </p:sp>
@@ -3858,6 +6571,78 @@
               <a:t>1</a:t>
             </a:fld>
             <a:endParaRPr lang="fr-FR"/>
+          </a:p>
+        </p:txBody>
+      </p:sp>
+      <p:pic>
+        <p:nvPicPr>
+          <p:cNvPr id="1026" name="Picture 2" descr="http://www.google.fr/url?source=imglanding&amp;ct=img&amp;q=http://ensimag.grenoble-inp.fr/images/ensimag/logo.gif&amp;sa=X&amp;ei=5JhtVY3WF6nmyQODsIDwCA&amp;ved=0CAkQ8wc&amp;usg=AFQjCNEv76CC0zvK5rNYkIgfM1r7N233kw"/>
+          <p:cNvPicPr>
+            <a:picLocks noChangeAspect="1" noChangeArrowheads="1"/>
+          </p:cNvPicPr>
+          <p:nvPr/>
+        </p:nvPicPr>
+        <p:blipFill>
+          <a:blip r:embed="rId2">
+            <a:extLst>
+              <a:ext uri="{28A0092B-C50C-407E-A947-70E740481C1C}">
+                <a14:useLocalDpi xmlns:a14="http://schemas.microsoft.com/office/drawing/2010/main" val="0"/>
+              </a:ext>
+            </a:extLst>
+          </a:blip>
+          <a:srcRect/>
+          <a:stretch>
+            <a:fillRect/>
+          </a:stretch>
+        </p:blipFill>
+        <p:spPr bwMode="auto">
+          <a:xfrm>
+            <a:off x="6444208" y="351103"/>
+            <a:ext cx="1933575" cy="1143001"/>
+          </a:xfrm>
+          <a:prstGeom prst="rect">
+            <a:avLst/>
+          </a:prstGeom>
+          <a:noFill/>
+          <a:extLst>
+            <a:ext uri="{909E8E84-426E-40DD-AFC4-6F175D3DCCD1}">
+              <a14:hiddenFill xmlns:a14="http://schemas.microsoft.com/office/drawing/2010/main">
+                <a:solidFill>
+                  <a:srgbClr val="FFFFFF"/>
+                </a:solidFill>
+              </a14:hiddenFill>
+            </a:ext>
+          </a:extLst>
+        </p:spPr>
+      </p:pic>
+      <p:sp>
+        <p:nvSpPr>
+          <p:cNvPr id="7" name="ZoneTexte 6"/>
+          <p:cNvSpPr txBox="1"/>
+          <p:nvPr/>
+        </p:nvSpPr>
+        <p:spPr>
+          <a:xfrm>
+            <a:off x="683568" y="4581128"/>
+            <a:ext cx="7848872" cy="369332"/>
+          </a:xfrm>
+          <a:prstGeom prst="rect">
+            <a:avLst/>
+          </a:prstGeom>
+          <a:noFill/>
+        </p:spPr>
+        <p:txBody>
+          <a:bodyPr wrap="square" rtlCol="0">
+            <a:spAutoFit/>
+          </a:bodyPr>
+          <a:lstStyle/>
+          <a:p>
+            <a:pPr algn="ctr"/>
+            <a:r>
+              <a:rPr lang="fr-FR" dirty="0" smtClean="0"/>
+              <a:t>3 Juin 2015</a:t>
+            </a:r>
+            <a:endParaRPr lang="fr-FR" dirty="0"/>
           </a:p>
         </p:txBody>
       </p:sp>
@@ -6366,6 +9151,646 @@
 </p:sld>
 </file>
 
+<file path=ppt/slides/slide5.xml><?xml version="1.0" encoding="utf-8"?>
+<p:sld xmlns:a="http://schemas.openxmlformats.org/drawingml/2006/main" xmlns:r="http://schemas.openxmlformats.org/officeDocument/2006/relationships" xmlns:p="http://schemas.openxmlformats.org/presentationml/2006/main">
+  <p:cSld>
+    <p:spTree>
+      <p:nvGrpSpPr>
+        <p:cNvPr id="1" name=""/>
+        <p:cNvGrpSpPr/>
+        <p:nvPr/>
+      </p:nvGrpSpPr>
+      <p:grpSpPr>
+        <a:xfrm>
+          <a:off x="0" y="0"/>
+          <a:ext cx="0" cy="0"/>
+          <a:chOff x="0" y="0"/>
+          <a:chExt cx="0" cy="0"/>
+        </a:xfrm>
+      </p:grpSpPr>
+      <p:sp>
+        <p:nvSpPr>
+          <p:cNvPr id="2" name="Titre 1"/>
+          <p:cNvSpPr>
+            <a:spLocks noGrp="1"/>
+          </p:cNvSpPr>
+          <p:nvPr>
+            <p:ph type="title"/>
+          </p:nvPr>
+        </p:nvSpPr>
+        <p:spPr/>
+        <p:txBody>
+          <a:bodyPr/>
+          <a:lstStyle/>
+          <a:p>
+            <a:r>
+              <a:rPr lang="fr-FR" dirty="0" smtClean="0"/>
+              <a:t>Etapes de travail</a:t>
+            </a:r>
+            <a:endParaRPr lang="fr-FR" dirty="0"/>
+          </a:p>
+        </p:txBody>
+      </p:sp>
+      <p:graphicFrame>
+        <p:nvGraphicFramePr>
+          <p:cNvPr id="6" name="Espace réservé du contenu 5"/>
+          <p:cNvGraphicFramePr>
+            <a:graphicFrameLocks noGrp="1"/>
+          </p:cNvGraphicFramePr>
+          <p:nvPr>
+            <p:ph idx="1"/>
+            <p:extLst>
+              <p:ext uri="{D42A27DB-BD31-4B8C-83A1-F6EECF244321}">
+                <p14:modId xmlns:p14="http://schemas.microsoft.com/office/powerpoint/2010/main" val="83796198"/>
+              </p:ext>
+            </p:extLst>
+          </p:nvPr>
+        </p:nvGraphicFramePr>
+        <p:xfrm>
+          <a:off x="179512" y="1628800"/>
+          <a:ext cx="8712967" cy="4781525"/>
+        </p:xfrm>
+        <a:graphic>
+          <a:graphicData uri="http://schemas.openxmlformats.org/drawingml/2006/diagram">
+            <dgm:relIds xmlns:dgm="http://schemas.openxmlformats.org/drawingml/2006/diagram" xmlns:r="http://schemas.openxmlformats.org/officeDocument/2006/relationships" r:dm="rId3" r:lo="rId4" r:qs="rId5" r:cs="rId6"/>
+          </a:graphicData>
+        </a:graphic>
+      </p:graphicFrame>
+      <p:sp>
+        <p:nvSpPr>
+          <p:cNvPr id="4" name="Espace réservé du numéro de diapositive 3"/>
+          <p:cNvSpPr>
+            <a:spLocks noGrp="1"/>
+          </p:cNvSpPr>
+          <p:nvPr>
+            <p:ph type="sldNum" sz="quarter" idx="12"/>
+          </p:nvPr>
+        </p:nvSpPr>
+        <p:spPr/>
+        <p:txBody>
+          <a:bodyPr/>
+          <a:lstStyle/>
+          <a:p>
+            <a:fld id="{454E7F5D-90A1-42E1-88A9-4F679448623C}" type="slidenum">
+              <a:rPr lang="fr-FR" smtClean="0"/>
+              <a:t>5</a:t>
+            </a:fld>
+            <a:endParaRPr lang="fr-FR"/>
+          </a:p>
+        </p:txBody>
+      </p:sp>
+    </p:spTree>
+    <p:extLst>
+      <p:ext uri="{BB962C8B-B14F-4D97-AF65-F5344CB8AC3E}">
+        <p14:creationId xmlns:p14="http://schemas.microsoft.com/office/powerpoint/2010/main" val="3674707670"/>
+      </p:ext>
+    </p:extLst>
+  </p:cSld>
+  <p:clrMapOvr>
+    <a:masterClrMapping/>
+  </p:clrMapOvr>
+  <p:timing>
+    <p:tnLst>
+      <p:par>
+        <p:cTn id="1" dur="indefinite" restart="never" nodeType="tmRoot"/>
+      </p:par>
+    </p:tnLst>
+  </p:timing>
+</p:sld>
+</file>
+
+<file path=ppt/slides/slide6.xml><?xml version="1.0" encoding="utf-8"?>
+<p:sld xmlns:a="http://schemas.openxmlformats.org/drawingml/2006/main" xmlns:r="http://schemas.openxmlformats.org/officeDocument/2006/relationships" xmlns:p="http://schemas.openxmlformats.org/presentationml/2006/main">
+  <p:cSld>
+    <p:spTree>
+      <p:nvGrpSpPr>
+        <p:cNvPr id="1" name=""/>
+        <p:cNvGrpSpPr/>
+        <p:nvPr/>
+      </p:nvGrpSpPr>
+      <p:grpSpPr>
+        <a:xfrm>
+          <a:off x="0" y="0"/>
+          <a:ext cx="0" cy="0"/>
+          <a:chOff x="0" y="0"/>
+          <a:chExt cx="0" cy="0"/>
+        </a:xfrm>
+      </p:grpSpPr>
+      <p:sp>
+        <p:nvSpPr>
+          <p:cNvPr id="2" name="Titre 1"/>
+          <p:cNvSpPr>
+            <a:spLocks noGrp="1"/>
+          </p:cNvSpPr>
+          <p:nvPr>
+            <p:ph type="title"/>
+          </p:nvPr>
+        </p:nvSpPr>
+        <p:spPr/>
+        <p:txBody>
+          <a:bodyPr/>
+          <a:lstStyle/>
+          <a:p>
+            <a:r>
+              <a:rPr lang="fr-FR" dirty="0" smtClean="0"/>
+              <a:t>Avancement du projet</a:t>
+            </a:r>
+            <a:endParaRPr lang="fr-FR" dirty="0"/>
+          </a:p>
+        </p:txBody>
+      </p:sp>
+      <p:sp>
+        <p:nvSpPr>
+          <p:cNvPr id="4" name="Espace réservé du numéro de diapositive 3"/>
+          <p:cNvSpPr>
+            <a:spLocks noGrp="1"/>
+          </p:cNvSpPr>
+          <p:nvPr>
+            <p:ph type="sldNum" sz="quarter" idx="12"/>
+          </p:nvPr>
+        </p:nvSpPr>
+        <p:spPr/>
+        <p:txBody>
+          <a:bodyPr/>
+          <a:lstStyle/>
+          <a:p>
+            <a:fld id="{454E7F5D-90A1-42E1-88A9-4F679448623C}" type="slidenum">
+              <a:rPr lang="fr-FR" smtClean="0"/>
+              <a:t>6</a:t>
+            </a:fld>
+            <a:endParaRPr lang="fr-FR"/>
+          </a:p>
+        </p:txBody>
+      </p:sp>
+      <p:sp>
+        <p:nvSpPr>
+          <p:cNvPr id="3" name="Espace réservé du contenu 2"/>
+          <p:cNvSpPr>
+            <a:spLocks noGrp="1"/>
+          </p:cNvSpPr>
+          <p:nvPr>
+            <p:ph idx="1"/>
+          </p:nvPr>
+        </p:nvSpPr>
+        <p:spPr/>
+        <p:txBody>
+          <a:bodyPr/>
+          <a:lstStyle/>
+          <a:p>
+            <a:pPr marL="0" indent="0">
+              <a:buNone/>
+            </a:pPr>
+            <a:endParaRPr lang="fr-FR" dirty="0"/>
+          </a:p>
+          <a:p>
+            <a:r>
+              <a:rPr lang="fr-FR" dirty="0"/>
+              <a:t>Développement de manière incrémentale </a:t>
+            </a:r>
+            <a:endParaRPr lang="fr-FR" dirty="0" smtClean="0"/>
+          </a:p>
+          <a:p>
+            <a:pPr lvl="1"/>
+            <a:r>
+              <a:rPr lang="fr-FR" dirty="0" smtClean="0"/>
+              <a:t>Les tests statistiques </a:t>
+            </a:r>
+          </a:p>
+          <a:p>
+            <a:pPr lvl="1"/>
+            <a:r>
+              <a:rPr lang="fr-FR" dirty="0" smtClean="0"/>
+              <a:t>Les différents modèles</a:t>
+            </a:r>
+          </a:p>
+          <a:p>
+            <a:pPr lvl="1"/>
+            <a:r>
+              <a:rPr lang="fr-FR" dirty="0" smtClean="0"/>
+              <a:t>L’interface graphique</a:t>
+            </a:r>
+          </a:p>
+          <a:p>
+            <a:pPr lvl="1"/>
+            <a:endParaRPr lang="fr-FR" dirty="0"/>
+          </a:p>
+          <a:p>
+            <a:r>
+              <a:rPr lang="fr-FR" dirty="0" smtClean="0"/>
+              <a:t>Un projet de recherche → Pas de fin déterminée</a:t>
+            </a:r>
+            <a:endParaRPr lang="fr-FR" dirty="0"/>
+          </a:p>
+          <a:p>
+            <a:pPr marL="274320" lvl="1" indent="0">
+              <a:buNone/>
+            </a:pPr>
+            <a:endParaRPr lang="fr-FR" dirty="0"/>
+          </a:p>
+          <a:p>
+            <a:pPr marL="274320" lvl="1" indent="0">
+              <a:buNone/>
+            </a:pPr>
+            <a:endParaRPr lang="fr-FR" dirty="0" smtClean="0"/>
+          </a:p>
+          <a:p>
+            <a:pPr lvl="1"/>
+            <a:endParaRPr lang="fr-FR" dirty="0"/>
+          </a:p>
+          <a:p>
+            <a:endParaRPr lang="fr-FR" dirty="0" smtClean="0"/>
+          </a:p>
+          <a:p>
+            <a:endParaRPr lang="fr-FR" dirty="0" smtClean="0"/>
+          </a:p>
+          <a:p>
+            <a:endParaRPr lang="fr-FR" dirty="0" smtClean="0"/>
+          </a:p>
+          <a:p>
+            <a:endParaRPr lang="fr-FR" dirty="0"/>
+          </a:p>
+        </p:txBody>
+      </p:sp>
+    </p:spTree>
+    <p:extLst>
+      <p:ext uri="{BB962C8B-B14F-4D97-AF65-F5344CB8AC3E}">
+        <p14:creationId xmlns:p14="http://schemas.microsoft.com/office/powerpoint/2010/main" val="3683865469"/>
+      </p:ext>
+    </p:extLst>
+  </p:cSld>
+  <p:clrMapOvr>
+    <a:masterClrMapping/>
+  </p:clrMapOvr>
+  <p:timing>
+    <p:tnLst>
+      <p:par>
+        <p:cTn id="1" dur="indefinite" restart="never" nodeType="tmRoot"/>
+      </p:par>
+    </p:tnLst>
+  </p:timing>
+</p:sld>
+</file>
+
+<file path=ppt/slides/slide7.xml><?xml version="1.0" encoding="utf-8"?>
+<p:sld xmlns:a="http://schemas.openxmlformats.org/drawingml/2006/main" xmlns:r="http://schemas.openxmlformats.org/officeDocument/2006/relationships" xmlns:p="http://schemas.openxmlformats.org/presentationml/2006/main">
+  <p:cSld>
+    <p:spTree>
+      <p:nvGrpSpPr>
+        <p:cNvPr id="1" name=""/>
+        <p:cNvGrpSpPr/>
+        <p:nvPr/>
+      </p:nvGrpSpPr>
+      <p:grpSpPr>
+        <a:xfrm>
+          <a:off x="0" y="0"/>
+          <a:ext cx="0" cy="0"/>
+          <a:chOff x="0" y="0"/>
+          <a:chExt cx="0" cy="0"/>
+        </a:xfrm>
+      </p:grpSpPr>
+      <p:sp>
+        <p:nvSpPr>
+          <p:cNvPr id="3" name="Espace réservé du contenu 2"/>
+          <p:cNvSpPr>
+            <a:spLocks noGrp="1"/>
+          </p:cNvSpPr>
+          <p:nvPr>
+            <p:ph idx="1"/>
+          </p:nvPr>
+        </p:nvSpPr>
+        <p:spPr/>
+        <p:txBody>
+          <a:bodyPr>
+            <a:normAutofit/>
+          </a:bodyPr>
+          <a:lstStyle/>
+          <a:p>
+            <a:pPr marL="0" indent="0" algn="ctr">
+              <a:buNone/>
+            </a:pPr>
+            <a:endParaRPr lang="fr-FR" sz="4800" dirty="0" smtClean="0"/>
+          </a:p>
+          <a:p>
+            <a:pPr marL="0" indent="0" algn="ctr">
+              <a:buNone/>
+            </a:pPr>
+            <a:r>
+              <a:rPr lang="fr-FR" sz="4800" spc="-100" dirty="0">
+                <a:solidFill>
+                  <a:schemeClr val="tx2"/>
+                </a:solidFill>
+                <a:latin typeface="+mj-lt"/>
+                <a:ea typeface="+mj-ea"/>
+                <a:cs typeface="+mj-cs"/>
+              </a:rPr>
+              <a:t>Merci pour votre </a:t>
+            </a:r>
+          </a:p>
+          <a:p>
+            <a:pPr marL="0" indent="0" algn="ctr">
+              <a:buNone/>
+            </a:pPr>
+            <a:r>
+              <a:rPr lang="fr-FR" sz="4800" spc="-100" dirty="0">
+                <a:solidFill>
+                  <a:schemeClr val="tx2"/>
+                </a:solidFill>
+                <a:latin typeface="+mj-lt"/>
+                <a:ea typeface="+mj-ea"/>
+                <a:cs typeface="+mj-cs"/>
+              </a:rPr>
+              <a:t>attention </a:t>
+            </a:r>
+            <a:endParaRPr lang="fr-FR" sz="4800" spc="-100" dirty="0">
+              <a:solidFill>
+                <a:schemeClr val="tx2"/>
+              </a:solidFill>
+              <a:latin typeface="+mj-lt"/>
+              <a:ea typeface="+mj-ea"/>
+              <a:cs typeface="+mj-cs"/>
+            </a:endParaRPr>
+          </a:p>
+        </p:txBody>
+      </p:sp>
+      <p:sp>
+        <p:nvSpPr>
+          <p:cNvPr id="4" name="Espace réservé du numéro de diapositive 3"/>
+          <p:cNvSpPr>
+            <a:spLocks noGrp="1"/>
+          </p:cNvSpPr>
+          <p:nvPr>
+            <p:ph type="sldNum" sz="quarter" idx="12"/>
+          </p:nvPr>
+        </p:nvSpPr>
+        <p:spPr/>
+        <p:txBody>
+          <a:bodyPr/>
+          <a:lstStyle/>
+          <a:p>
+            <a:fld id="{454E7F5D-90A1-42E1-88A9-4F679448623C}" type="slidenum">
+              <a:rPr lang="fr-FR" smtClean="0"/>
+              <a:t>7</a:t>
+            </a:fld>
+            <a:endParaRPr lang="fr-FR"/>
+          </a:p>
+        </p:txBody>
+      </p:sp>
+    </p:spTree>
+    <p:extLst>
+      <p:ext uri="{BB962C8B-B14F-4D97-AF65-F5344CB8AC3E}">
+        <p14:creationId xmlns:p14="http://schemas.microsoft.com/office/powerpoint/2010/main" val="1741150457"/>
+      </p:ext>
+    </p:extLst>
+  </p:cSld>
+  <p:clrMapOvr>
+    <a:masterClrMapping/>
+  </p:clrMapOvr>
+</p:sld>
+</file>
+
+<file path=ppt/slides/slide8.xml><?xml version="1.0" encoding="utf-8"?>
+<p:sld xmlns:a="http://schemas.openxmlformats.org/drawingml/2006/main" xmlns:r="http://schemas.openxmlformats.org/officeDocument/2006/relationships" xmlns:p="http://schemas.openxmlformats.org/presentationml/2006/main">
+  <p:cSld>
+    <p:spTree>
+      <p:nvGrpSpPr>
+        <p:cNvPr id="1" name=""/>
+        <p:cNvGrpSpPr/>
+        <p:nvPr/>
+      </p:nvGrpSpPr>
+      <p:grpSpPr>
+        <a:xfrm>
+          <a:off x="0" y="0"/>
+          <a:ext cx="0" cy="0"/>
+          <a:chOff x="0" y="0"/>
+          <a:chExt cx="0" cy="0"/>
+        </a:xfrm>
+      </p:grpSpPr>
+      <p:sp>
+        <p:nvSpPr>
+          <p:cNvPr id="12" name="ZoneTexte 11"/>
+          <p:cNvSpPr txBox="1"/>
+          <p:nvPr/>
+        </p:nvSpPr>
+        <p:spPr>
+          <a:xfrm>
+            <a:off x="6263680" y="1374270"/>
+            <a:ext cx="2880320" cy="369332"/>
+          </a:xfrm>
+          <a:prstGeom prst="rect">
+            <a:avLst/>
+          </a:prstGeom>
+          <a:noFill/>
+        </p:spPr>
+        <p:txBody>
+          <a:bodyPr wrap="square" rtlCol="0">
+            <a:spAutoFit/>
+          </a:bodyPr>
+          <a:lstStyle/>
+          <a:p>
+            <a:r>
+              <a:rPr lang="fr-FR" dirty="0" smtClean="0"/>
+              <a:t>Projet de spécialité 2015</a:t>
+            </a:r>
+            <a:endParaRPr lang="fr-FR" dirty="0"/>
+          </a:p>
+        </p:txBody>
+      </p:sp>
+      <p:sp>
+        <p:nvSpPr>
+          <p:cNvPr id="13" name="ZoneTexte 12"/>
+          <p:cNvSpPr txBox="1"/>
+          <p:nvPr/>
+        </p:nvSpPr>
+        <p:spPr>
+          <a:xfrm>
+            <a:off x="683568" y="3921353"/>
+            <a:ext cx="7848872" cy="523220"/>
+          </a:xfrm>
+          <a:prstGeom prst="rect">
+            <a:avLst/>
+          </a:prstGeom>
+          <a:noFill/>
+        </p:spPr>
+        <p:txBody>
+          <a:bodyPr wrap="square" rtlCol="0">
+            <a:spAutoFit/>
+          </a:bodyPr>
+          <a:lstStyle/>
+          <a:p>
+            <a:pPr algn="ctr"/>
+            <a:r>
+              <a:rPr lang="fr-FR" sz="2800" dirty="0" smtClean="0"/>
+              <a:t>« Etude </a:t>
+            </a:r>
+            <a:r>
+              <a:rPr lang="fr-FR" sz="2800" dirty="0" smtClean="0"/>
+              <a:t>d’événements en </a:t>
+            </a:r>
+            <a:r>
+              <a:rPr lang="fr-FR" sz="2800" dirty="0" smtClean="0"/>
+              <a:t>finance »</a:t>
+            </a:r>
+            <a:endParaRPr lang="fr-FR" sz="2800" dirty="0"/>
+          </a:p>
+        </p:txBody>
+      </p:sp>
+      <p:sp>
+        <p:nvSpPr>
+          <p:cNvPr id="14" name="ZoneTexte 13"/>
+          <p:cNvSpPr txBox="1"/>
+          <p:nvPr/>
+        </p:nvSpPr>
+        <p:spPr>
+          <a:xfrm>
+            <a:off x="323528" y="672371"/>
+            <a:ext cx="2736304" cy="923330"/>
+          </a:xfrm>
+          <a:prstGeom prst="rect">
+            <a:avLst/>
+          </a:prstGeom>
+          <a:noFill/>
+        </p:spPr>
+        <p:txBody>
+          <a:bodyPr wrap="square" rtlCol="0">
+            <a:spAutoFit/>
+          </a:bodyPr>
+          <a:lstStyle/>
+          <a:p>
+            <a:r>
+              <a:rPr lang="fr-FR" dirty="0" smtClean="0"/>
+              <a:t>Fadoua LACHKAR</a:t>
+            </a:r>
+          </a:p>
+          <a:p>
+            <a:r>
+              <a:rPr lang="fr-FR" dirty="0" smtClean="0"/>
+              <a:t>John-Elie MARGOT</a:t>
+            </a:r>
+          </a:p>
+          <a:p>
+            <a:r>
+              <a:rPr lang="fr-FR" dirty="0" smtClean="0"/>
+              <a:t>Antoine MULET</a:t>
+            </a:r>
+            <a:endParaRPr lang="fr-FR" dirty="0"/>
+          </a:p>
+        </p:txBody>
+      </p:sp>
+      <p:sp>
+        <p:nvSpPr>
+          <p:cNvPr id="15" name="Espace réservé du numéro de diapositive 14"/>
+          <p:cNvSpPr>
+            <a:spLocks noGrp="1"/>
+          </p:cNvSpPr>
+          <p:nvPr>
+            <p:ph type="sldNum" sz="quarter" idx="12"/>
+          </p:nvPr>
+        </p:nvSpPr>
+        <p:spPr/>
+        <p:txBody>
+          <a:bodyPr/>
+          <a:lstStyle/>
+          <a:p>
+            <a:fld id="{454E7F5D-90A1-42E1-88A9-4F679448623C}" type="slidenum">
+              <a:rPr lang="fr-FR" smtClean="0"/>
+              <a:t>8</a:t>
+            </a:fld>
+            <a:endParaRPr lang="fr-FR"/>
+          </a:p>
+        </p:txBody>
+      </p:sp>
+      <p:pic>
+        <p:nvPicPr>
+          <p:cNvPr id="1026" name="Picture 2" descr="http://www.google.fr/url?source=imglanding&amp;ct=img&amp;q=http://ensimag.grenoble-inp.fr/images/ensimag/logo.gif&amp;sa=X&amp;ei=5JhtVY3WF6nmyQODsIDwCA&amp;ved=0CAkQ8wc&amp;usg=AFQjCNEv76CC0zvK5rNYkIgfM1r7N233kw"/>
+          <p:cNvPicPr>
+            <a:picLocks noChangeAspect="1" noChangeArrowheads="1"/>
+          </p:cNvPicPr>
+          <p:nvPr/>
+        </p:nvPicPr>
+        <p:blipFill>
+          <a:blip r:embed="rId2">
+            <a:extLst>
+              <a:ext uri="{28A0092B-C50C-407E-A947-70E740481C1C}">
+                <a14:useLocalDpi xmlns:a14="http://schemas.microsoft.com/office/drawing/2010/main" val="0"/>
+              </a:ext>
+            </a:extLst>
+          </a:blip>
+          <a:srcRect/>
+          <a:stretch>
+            <a:fillRect/>
+          </a:stretch>
+        </p:blipFill>
+        <p:spPr bwMode="auto">
+          <a:xfrm>
+            <a:off x="6444208" y="351103"/>
+            <a:ext cx="1933575" cy="1143001"/>
+          </a:xfrm>
+          <a:prstGeom prst="rect">
+            <a:avLst/>
+          </a:prstGeom>
+          <a:noFill/>
+          <a:extLst>
+            <a:ext uri="{909E8E84-426E-40DD-AFC4-6F175D3DCCD1}">
+              <a14:hiddenFill xmlns:a14="http://schemas.microsoft.com/office/drawing/2010/main">
+                <a:solidFill>
+                  <a:srgbClr val="FFFFFF"/>
+                </a:solidFill>
+              </a14:hiddenFill>
+            </a:ext>
+          </a:extLst>
+        </p:spPr>
+      </p:pic>
+      <p:sp>
+        <p:nvSpPr>
+          <p:cNvPr id="7" name="ZoneTexte 6"/>
+          <p:cNvSpPr txBox="1"/>
+          <p:nvPr/>
+        </p:nvSpPr>
+        <p:spPr>
+          <a:xfrm>
+            <a:off x="683568" y="4581128"/>
+            <a:ext cx="7848872" cy="369332"/>
+          </a:xfrm>
+          <a:prstGeom prst="rect">
+            <a:avLst/>
+          </a:prstGeom>
+          <a:noFill/>
+        </p:spPr>
+        <p:txBody>
+          <a:bodyPr wrap="square" rtlCol="0">
+            <a:spAutoFit/>
+          </a:bodyPr>
+          <a:lstStyle/>
+          <a:p>
+            <a:pPr algn="ctr"/>
+            <a:r>
+              <a:rPr lang="fr-FR" dirty="0" smtClean="0"/>
+              <a:t>3 Juin 2015</a:t>
+            </a:r>
+            <a:endParaRPr lang="fr-FR" dirty="0"/>
+          </a:p>
+        </p:txBody>
+      </p:sp>
+    </p:spTree>
+    <p:extLst>
+      <p:ext uri="{BB962C8B-B14F-4D97-AF65-F5344CB8AC3E}">
+        <p14:creationId xmlns:p14="http://schemas.microsoft.com/office/powerpoint/2010/main" val="2244919645"/>
+      </p:ext>
+    </p:extLst>
+  </p:cSld>
+  <p:clrMapOvr>
+    <a:masterClrMapping/>
+  </p:clrMapOvr>
+  <p:timing>
+    <p:tnLst>
+      <p:par>
+        <p:cTn id="1" dur="indefinite" restart="never" nodeType="tmRoot"/>
+      </p:par>
+    </p:tnLst>
+  </p:timing>
+</p:sld>
+</file>
+
 <file path=ppt/theme/theme1.xml><?xml version="1.0" encoding="utf-8"?>
 <a:theme xmlns:a="http://schemas.openxmlformats.org/drawingml/2006/main" name="Clarté">
   <a:themeElements>

--- a/Sheme.pptx
+++ b/Sheme.pptx
@@ -1022,7 +1022,11 @@
         <a:p>
           <a:r>
             <a:rPr lang="fr-FR" noProof="0" dirty="0" smtClean="0"/>
-            <a:t>Rédaction du manuel utilisateur et de la documentation</a:t>
+            <a:t>Rédaction du manuel utilisateur et de la </a:t>
+          </a:r>
+          <a:r>
+            <a:rPr lang="fr-FR" noProof="0" dirty="0" smtClean="0"/>
+            <a:t>documentation de conception</a:t>
           </a:r>
           <a:endParaRPr lang="fr-FR" noProof="0" dirty="0"/>
         </a:p>
@@ -1531,7 +1535,11 @@
           </a:pPr>
           <a:r>
             <a:rPr lang="fr-FR" sz="1800" kern="1200" noProof="0" dirty="0" smtClean="0"/>
-            <a:t>Rédaction du manuel utilisateur et de la documentation</a:t>
+            <a:t>Rédaction du manuel utilisateur et de la </a:t>
+          </a:r>
+          <a:r>
+            <a:rPr lang="fr-FR" sz="1800" kern="1200" noProof="0" dirty="0" smtClean="0"/>
+            <a:t>documentation de conception</a:t>
           </a:r>
           <a:endParaRPr lang="fr-FR" sz="1800" kern="1200" noProof="0" dirty="0"/>
         </a:p>
@@ -6495,15 +6503,7 @@
             <a:pPr algn="ctr"/>
             <a:r>
               <a:rPr lang="fr-FR" sz="2800" dirty="0" smtClean="0"/>
-              <a:t>« Etude </a:t>
-            </a:r>
-            <a:r>
-              <a:rPr lang="fr-FR" sz="2800" dirty="0" smtClean="0"/>
-              <a:t>d’événements en </a:t>
-            </a:r>
-            <a:r>
-              <a:rPr lang="fr-FR" sz="2800" dirty="0" smtClean="0"/>
-              <a:t>finance »</a:t>
+              <a:t>« Etude d’événements en finance »</a:t>
             </a:r>
             <a:endParaRPr lang="fr-FR" sz="2800" dirty="0"/>
           </a:p>
@@ -9201,7 +9201,7 @@
             <p:ph idx="1"/>
             <p:extLst>
               <p:ext uri="{D42A27DB-BD31-4B8C-83A1-F6EECF244321}">
-                <p14:modId xmlns:p14="http://schemas.microsoft.com/office/powerpoint/2010/main" val="83796198"/>
+                <p14:modId xmlns:p14="http://schemas.microsoft.com/office/powerpoint/2010/main" val="123860370"/>
               </p:ext>
             </p:extLst>
           </p:nvPr>
@@ -9501,14 +9501,6 @@
               </a:rPr>
               <a:t>attention </a:t>
             </a:r>
-            <a:endParaRPr lang="fr-FR" sz="4800" spc="-100" dirty="0">
-              <a:solidFill>
-                <a:schemeClr val="tx2"/>
-              </a:solidFill>
-              <a:latin typeface="+mj-lt"/>
-              <a:ea typeface="+mj-ea"/>
-              <a:cs typeface="+mj-cs"/>
-            </a:endParaRPr>
           </a:p>
         </p:txBody>
       </p:sp>
@@ -9620,15 +9612,7 @@
             <a:pPr algn="ctr"/>
             <a:r>
               <a:rPr lang="fr-FR" sz="2800" dirty="0" smtClean="0"/>
-              <a:t>« Etude </a:t>
-            </a:r>
-            <a:r>
-              <a:rPr lang="fr-FR" sz="2800" dirty="0" smtClean="0"/>
-              <a:t>d’événements en </a:t>
-            </a:r>
-            <a:r>
-              <a:rPr lang="fr-FR" sz="2800" dirty="0" smtClean="0"/>
-              <a:t>finance »</a:t>
+              <a:t>« Etude d’événements en finance »</a:t>
             </a:r>
             <a:endParaRPr lang="fr-FR" sz="2800" dirty="0"/>
           </a:p>

--- a/Sheme.pptx
+++ b/Sheme.pptx
@@ -5,17 +5,19 @@
     <p:sldMasterId id="2147483708" r:id="rId1"/>
   </p:sldMasterIdLst>
   <p:notesMasterIdLst>
-    <p:notesMasterId r:id="rId10"/>
+    <p:notesMasterId r:id="rId12"/>
   </p:notesMasterIdLst>
   <p:sldIdLst>
     <p:sldId id="256" r:id="rId2"/>
     <p:sldId id="257" r:id="rId3"/>
     <p:sldId id="258" r:id="rId4"/>
     <p:sldId id="259" r:id="rId5"/>
-    <p:sldId id="260" r:id="rId6"/>
-    <p:sldId id="261" r:id="rId7"/>
-    <p:sldId id="263" r:id="rId8"/>
-    <p:sldId id="262" r:id="rId9"/>
+    <p:sldId id="265" r:id="rId6"/>
+    <p:sldId id="264" r:id="rId7"/>
+    <p:sldId id="260" r:id="rId8"/>
+    <p:sldId id="261" r:id="rId9"/>
+    <p:sldId id="263" r:id="rId10"/>
+    <p:sldId id="262" r:id="rId11"/>
   </p:sldIdLst>
   <p:sldSz cx="9144000" cy="6858000" type="screen4x3"/>
   <p:notesSz cx="6858000" cy="9144000"/>
@@ -1022,11 +1024,7 @@
         <a:p>
           <a:r>
             <a:rPr lang="fr-FR" noProof="0" dirty="0" smtClean="0"/>
-            <a:t>Rédaction du manuel utilisateur et de la </a:t>
-          </a:r>
-          <a:r>
-            <a:rPr lang="fr-FR" noProof="0" dirty="0" smtClean="0"/>
-            <a:t>documentation de conception</a:t>
+            <a:t>Rédaction du manuel utilisateur et de la documentation de conception</a:t>
           </a:r>
           <a:endParaRPr lang="fr-FR" noProof="0" dirty="0"/>
         </a:p>
@@ -1535,11 +1533,7 @@
           </a:pPr>
           <a:r>
             <a:rPr lang="fr-FR" sz="1800" kern="1200" noProof="0" dirty="0" smtClean="0"/>
-            <a:t>Rédaction du manuel utilisateur et de la </a:t>
-          </a:r>
-          <a:r>
-            <a:rPr lang="fr-FR" sz="1800" kern="1200" noProof="0" dirty="0" smtClean="0"/>
-            <a:t>documentation de conception</a:t>
+            <a:t>Rédaction du manuel utilisateur et de la documentation de conception</a:t>
           </a:r>
           <a:endParaRPr lang="fr-FR" sz="1800" kern="1200" noProof="0" dirty="0"/>
         </a:p>
@@ -3156,7 +3150,7 @@
           <a:p>
             <a:fld id="{6A5C4556-5453-4E19-887E-A97705F9CD8C}" type="slidenum">
               <a:rPr lang="fr-FR" smtClean="0"/>
-              <a:t>5</a:t>
+              <a:t>7</a:t>
             </a:fld>
             <a:endParaRPr lang="fr-FR"/>
           </a:p>
@@ -6486,8 +6480,8 @@
         </p:nvSpPr>
         <p:spPr>
           <a:xfrm>
-            <a:off x="683568" y="3921353"/>
-            <a:ext cx="7848872" cy="523220"/>
+            <a:off x="657701" y="3861048"/>
+            <a:ext cx="7848872" cy="677108"/>
           </a:xfrm>
           <a:prstGeom prst="rect">
             <a:avLst/>
@@ -6502,10 +6496,10 @@
           <a:p>
             <a:pPr algn="ctr"/>
             <a:r>
-              <a:rPr lang="fr-FR" sz="2800" dirty="0" smtClean="0"/>
+              <a:rPr lang="fr-FR" sz="3800" dirty="0" smtClean="0"/>
               <a:t>« Etude d’événements en finance »</a:t>
             </a:r>
-            <a:endParaRPr lang="fr-FR" sz="2800" dirty="0"/>
+            <a:endParaRPr lang="fr-FR" sz="3800" dirty="0"/>
           </a:p>
         </p:txBody>
       </p:sp>
@@ -6623,6 +6617,241 @@
         </p:nvSpPr>
         <p:spPr>
           <a:xfrm>
+            <a:off x="683568" y="4941168"/>
+            <a:ext cx="7848872" cy="369332"/>
+          </a:xfrm>
+          <a:prstGeom prst="rect">
+            <a:avLst/>
+          </a:prstGeom>
+          <a:noFill/>
+        </p:spPr>
+        <p:txBody>
+          <a:bodyPr wrap="square" rtlCol="0">
+            <a:spAutoFit/>
+          </a:bodyPr>
+          <a:lstStyle/>
+          <a:p>
+            <a:pPr algn="ctr"/>
+            <a:r>
+              <a:rPr lang="fr-FR" dirty="0" smtClean="0"/>
+              <a:t>3 Juin 2015</a:t>
+            </a:r>
+            <a:endParaRPr lang="fr-FR" dirty="0"/>
+          </a:p>
+        </p:txBody>
+      </p:sp>
+    </p:spTree>
+    <p:extLst>
+      <p:ext uri="{BB962C8B-B14F-4D97-AF65-F5344CB8AC3E}">
+        <p14:creationId xmlns:p14="http://schemas.microsoft.com/office/powerpoint/2010/main" val="1448724310"/>
+      </p:ext>
+    </p:extLst>
+  </p:cSld>
+  <p:clrMapOvr>
+    <a:masterClrMapping/>
+  </p:clrMapOvr>
+  <p:timing>
+    <p:tnLst>
+      <p:par>
+        <p:cTn id="1" dur="indefinite" restart="never" nodeType="tmRoot"/>
+      </p:par>
+    </p:tnLst>
+  </p:timing>
+</p:sld>
+</file>
+
+<file path=ppt/slides/slide10.xml><?xml version="1.0" encoding="utf-8"?>
+<p:sld xmlns:a="http://schemas.openxmlformats.org/drawingml/2006/main" xmlns:r="http://schemas.openxmlformats.org/officeDocument/2006/relationships" xmlns:p="http://schemas.openxmlformats.org/presentationml/2006/main">
+  <p:cSld>
+    <p:spTree>
+      <p:nvGrpSpPr>
+        <p:cNvPr id="1" name=""/>
+        <p:cNvGrpSpPr/>
+        <p:nvPr/>
+      </p:nvGrpSpPr>
+      <p:grpSpPr>
+        <a:xfrm>
+          <a:off x="0" y="0"/>
+          <a:ext cx="0" cy="0"/>
+          <a:chOff x="0" y="0"/>
+          <a:chExt cx="0" cy="0"/>
+        </a:xfrm>
+      </p:grpSpPr>
+      <p:sp>
+        <p:nvSpPr>
+          <p:cNvPr id="12" name="ZoneTexte 11"/>
+          <p:cNvSpPr txBox="1"/>
+          <p:nvPr/>
+        </p:nvSpPr>
+        <p:spPr>
+          <a:xfrm>
+            <a:off x="6263680" y="1374270"/>
+            <a:ext cx="2880320" cy="369332"/>
+          </a:xfrm>
+          <a:prstGeom prst="rect">
+            <a:avLst/>
+          </a:prstGeom>
+          <a:noFill/>
+        </p:spPr>
+        <p:txBody>
+          <a:bodyPr wrap="square" rtlCol="0">
+            <a:spAutoFit/>
+          </a:bodyPr>
+          <a:lstStyle/>
+          <a:p>
+            <a:r>
+              <a:rPr lang="fr-FR" dirty="0" smtClean="0"/>
+              <a:t>Projet de spécialité 2015</a:t>
+            </a:r>
+            <a:endParaRPr lang="fr-FR" dirty="0"/>
+          </a:p>
+        </p:txBody>
+      </p:sp>
+      <p:sp>
+        <p:nvSpPr>
+          <p:cNvPr id="13" name="ZoneTexte 12"/>
+          <p:cNvSpPr txBox="1"/>
+          <p:nvPr/>
+        </p:nvSpPr>
+        <p:spPr>
+          <a:xfrm>
+            <a:off x="683568" y="3921353"/>
+            <a:ext cx="7848872" cy="523220"/>
+          </a:xfrm>
+          <a:prstGeom prst="rect">
+            <a:avLst/>
+          </a:prstGeom>
+          <a:noFill/>
+        </p:spPr>
+        <p:txBody>
+          <a:bodyPr wrap="square" rtlCol="0">
+            <a:spAutoFit/>
+          </a:bodyPr>
+          <a:lstStyle/>
+          <a:p>
+            <a:pPr algn="ctr"/>
+            <a:r>
+              <a:rPr lang="fr-FR" sz="2800" dirty="0" smtClean="0"/>
+              <a:t>« Etude d’événements en finance »</a:t>
+            </a:r>
+            <a:endParaRPr lang="fr-FR" sz="2800" dirty="0"/>
+          </a:p>
+        </p:txBody>
+      </p:sp>
+      <p:sp>
+        <p:nvSpPr>
+          <p:cNvPr id="14" name="ZoneTexte 13"/>
+          <p:cNvSpPr txBox="1"/>
+          <p:nvPr/>
+        </p:nvSpPr>
+        <p:spPr>
+          <a:xfrm>
+            <a:off x="323528" y="672371"/>
+            <a:ext cx="2736304" cy="923330"/>
+          </a:xfrm>
+          <a:prstGeom prst="rect">
+            <a:avLst/>
+          </a:prstGeom>
+          <a:noFill/>
+        </p:spPr>
+        <p:txBody>
+          <a:bodyPr wrap="square" rtlCol="0">
+            <a:spAutoFit/>
+          </a:bodyPr>
+          <a:lstStyle/>
+          <a:p>
+            <a:r>
+              <a:rPr lang="fr-FR" dirty="0" smtClean="0"/>
+              <a:t>Fadoua LACHKAR</a:t>
+            </a:r>
+          </a:p>
+          <a:p>
+            <a:r>
+              <a:rPr lang="fr-FR" dirty="0" smtClean="0"/>
+              <a:t>John-Elie MARGOT</a:t>
+            </a:r>
+          </a:p>
+          <a:p>
+            <a:r>
+              <a:rPr lang="fr-FR" dirty="0" smtClean="0"/>
+              <a:t>Antoine MULET</a:t>
+            </a:r>
+            <a:endParaRPr lang="fr-FR" dirty="0"/>
+          </a:p>
+        </p:txBody>
+      </p:sp>
+      <p:sp>
+        <p:nvSpPr>
+          <p:cNvPr id="15" name="Espace réservé du numéro de diapositive 14"/>
+          <p:cNvSpPr>
+            <a:spLocks noGrp="1"/>
+          </p:cNvSpPr>
+          <p:nvPr>
+            <p:ph type="sldNum" sz="quarter" idx="12"/>
+          </p:nvPr>
+        </p:nvSpPr>
+        <p:spPr/>
+        <p:txBody>
+          <a:bodyPr/>
+          <a:lstStyle/>
+          <a:p>
+            <a:fld id="{454E7F5D-90A1-42E1-88A9-4F679448623C}" type="slidenum">
+              <a:rPr lang="fr-FR" smtClean="0"/>
+              <a:t>10</a:t>
+            </a:fld>
+            <a:endParaRPr lang="fr-FR"/>
+          </a:p>
+        </p:txBody>
+      </p:sp>
+      <p:pic>
+        <p:nvPicPr>
+          <p:cNvPr id="1026" name="Picture 2" descr="http://www.google.fr/url?source=imglanding&amp;ct=img&amp;q=http://ensimag.grenoble-inp.fr/images/ensimag/logo.gif&amp;sa=X&amp;ei=5JhtVY3WF6nmyQODsIDwCA&amp;ved=0CAkQ8wc&amp;usg=AFQjCNEv76CC0zvK5rNYkIgfM1r7N233kw"/>
+          <p:cNvPicPr>
+            <a:picLocks noChangeAspect="1" noChangeArrowheads="1"/>
+          </p:cNvPicPr>
+          <p:nvPr/>
+        </p:nvPicPr>
+        <p:blipFill>
+          <a:blip r:embed="rId2">
+            <a:extLst>
+              <a:ext uri="{28A0092B-C50C-407E-A947-70E740481C1C}">
+                <a14:useLocalDpi xmlns:a14="http://schemas.microsoft.com/office/drawing/2010/main" val="0"/>
+              </a:ext>
+            </a:extLst>
+          </a:blip>
+          <a:srcRect/>
+          <a:stretch>
+            <a:fillRect/>
+          </a:stretch>
+        </p:blipFill>
+        <p:spPr bwMode="auto">
+          <a:xfrm>
+            <a:off x="6444208" y="351103"/>
+            <a:ext cx="1933575" cy="1143001"/>
+          </a:xfrm>
+          <a:prstGeom prst="rect">
+            <a:avLst/>
+          </a:prstGeom>
+          <a:noFill/>
+          <a:extLst>
+            <a:ext uri="{909E8E84-426E-40DD-AFC4-6F175D3DCCD1}">
+              <a14:hiddenFill xmlns:a14="http://schemas.microsoft.com/office/drawing/2010/main">
+                <a:solidFill>
+                  <a:srgbClr val="FFFFFF"/>
+                </a:solidFill>
+              </a14:hiddenFill>
+            </a:ext>
+          </a:extLst>
+        </p:spPr>
+      </p:pic>
+      <p:sp>
+        <p:nvSpPr>
+          <p:cNvPr id="7" name="ZoneTexte 6"/>
+          <p:cNvSpPr txBox="1"/>
+          <p:nvPr/>
+        </p:nvSpPr>
+        <p:spPr>
+          <a:xfrm>
             <a:off x="683568" y="4581128"/>
             <a:ext cx="7848872" cy="369332"/>
           </a:xfrm>
@@ -6649,7 +6878,7 @@
     </p:spTree>
     <p:extLst>
       <p:ext uri="{BB962C8B-B14F-4D97-AF65-F5344CB8AC3E}">
-        <p14:creationId xmlns:p14="http://schemas.microsoft.com/office/powerpoint/2010/main" val="1448724310"/>
+        <p14:creationId xmlns:p14="http://schemas.microsoft.com/office/powerpoint/2010/main" val="2244919645"/>
       </p:ext>
     </p:extLst>
   </p:cSld>
@@ -6754,7 +6983,11 @@
             <a:pPr lvl="1"/>
             <a:r>
               <a:rPr lang="fr-FR" dirty="0" smtClean="0"/>
-              <a:t>Une macro pour Excel</a:t>
+              <a:t>Un complément </a:t>
+            </a:r>
+            <a:r>
+              <a:rPr lang="fr-FR" dirty="0" smtClean="0"/>
+              <a:t>Excel</a:t>
             </a:r>
           </a:p>
           <a:p>
@@ -9185,40 +9418,15 @@
           <a:p>
             <a:r>
               <a:rPr lang="fr-FR" dirty="0" smtClean="0"/>
-              <a:t>Etapes de travail</a:t>
+              <a:t>Le livrable</a:t>
             </a:r>
             <a:endParaRPr lang="fr-FR" dirty="0"/>
           </a:p>
         </p:txBody>
       </p:sp>
-      <p:graphicFrame>
-        <p:nvGraphicFramePr>
-          <p:cNvPr id="6" name="Espace réservé du contenu 5"/>
-          <p:cNvGraphicFramePr>
-            <a:graphicFrameLocks noGrp="1"/>
-          </p:cNvGraphicFramePr>
-          <p:nvPr>
-            <p:ph idx="1"/>
-            <p:extLst>
-              <p:ext uri="{D42A27DB-BD31-4B8C-83A1-F6EECF244321}">
-                <p14:modId xmlns:p14="http://schemas.microsoft.com/office/powerpoint/2010/main" val="123860370"/>
-              </p:ext>
-            </p:extLst>
-          </p:nvPr>
-        </p:nvGraphicFramePr>
-        <p:xfrm>
-          <a:off x="179512" y="1628800"/>
-          <a:ext cx="8712967" cy="4781525"/>
-        </p:xfrm>
-        <a:graphic>
-          <a:graphicData uri="http://schemas.openxmlformats.org/drawingml/2006/diagram">
-            <dgm:relIds xmlns:dgm="http://schemas.openxmlformats.org/drawingml/2006/diagram" xmlns:r="http://schemas.openxmlformats.org/officeDocument/2006/relationships" r:dm="rId3" r:lo="rId4" r:qs="rId5" r:cs="rId6"/>
-          </a:graphicData>
-        </a:graphic>
-      </p:graphicFrame>
-      <p:sp>
-        <p:nvSpPr>
-          <p:cNvPr id="4" name="Espace réservé du numéro de diapositive 3"/>
+      <p:sp>
+        <p:nvSpPr>
+          <p:cNvPr id="3" name="Espace réservé du numéro de diapositive 2"/>
           <p:cNvSpPr>
             <a:spLocks noGrp="1"/>
           </p:cNvSpPr>
@@ -9239,10 +9447,269 @@
           </a:p>
         </p:txBody>
       </p:sp>
+      <p:sp>
+        <p:nvSpPr>
+          <p:cNvPr id="6" name="Espace réservé du contenu 2"/>
+          <p:cNvSpPr txBox="1">
+            <a:spLocks/>
+          </p:cNvSpPr>
+          <p:nvPr/>
+        </p:nvSpPr>
+        <p:spPr>
+          <a:xfrm>
+            <a:off x="457200" y="2060848"/>
+            <a:ext cx="8229600" cy="3120008"/>
+          </a:xfrm>
+          <a:prstGeom prst="rect">
+            <a:avLst/>
+          </a:prstGeom>
+        </p:spPr>
+        <p:txBody>
+          <a:bodyPr/>
+          <a:lstStyle>
+            <a:lvl1pPr marL="182880" indent="-182880" algn="l" defTabSz="914400" rtl="0" eaLnBrk="1" latinLnBrk="0" hangingPunct="1">
+              <a:spcBef>
+                <a:spcPct val="20000"/>
+              </a:spcBef>
+              <a:buClr>
+                <a:schemeClr val="accent1"/>
+              </a:buClr>
+              <a:buSzPct val="85000"/>
+              <a:buFont typeface="Arial" pitchFamily="34" charset="0"/>
+              <a:buChar char="•"/>
+              <a:defRPr sz="2400" kern="1200">
+                <a:solidFill>
+                  <a:schemeClr val="tx1"/>
+                </a:solidFill>
+                <a:latin typeface="+mn-lt"/>
+                <a:ea typeface="+mn-ea"/>
+                <a:cs typeface="+mn-cs"/>
+              </a:defRPr>
+            </a:lvl1pPr>
+            <a:lvl2pPr marL="457200" indent="-182880" algn="l" defTabSz="914400" rtl="0" eaLnBrk="1" latinLnBrk="0" hangingPunct="1">
+              <a:spcBef>
+                <a:spcPct val="20000"/>
+              </a:spcBef>
+              <a:buClr>
+                <a:schemeClr val="accent1"/>
+              </a:buClr>
+              <a:buSzPct val="85000"/>
+              <a:buFont typeface="Arial" pitchFamily="34" charset="0"/>
+              <a:buChar char="•"/>
+              <a:defRPr sz="2000" kern="1200">
+                <a:solidFill>
+                  <a:schemeClr val="tx1"/>
+                </a:solidFill>
+                <a:latin typeface="+mn-lt"/>
+                <a:ea typeface="+mn-ea"/>
+                <a:cs typeface="+mn-cs"/>
+              </a:defRPr>
+            </a:lvl2pPr>
+            <a:lvl3pPr marL="731520" indent="-182880" algn="l" defTabSz="914400" rtl="0" eaLnBrk="1" latinLnBrk="0" hangingPunct="1">
+              <a:spcBef>
+                <a:spcPct val="20000"/>
+              </a:spcBef>
+              <a:buClr>
+                <a:schemeClr val="accent1"/>
+              </a:buClr>
+              <a:buSzPct val="90000"/>
+              <a:buFont typeface="Arial" pitchFamily="34" charset="0"/>
+              <a:buChar char="•"/>
+              <a:defRPr sz="1800" kern="1200">
+                <a:solidFill>
+                  <a:schemeClr val="tx1"/>
+                </a:solidFill>
+                <a:latin typeface="+mn-lt"/>
+                <a:ea typeface="+mn-ea"/>
+                <a:cs typeface="+mn-cs"/>
+              </a:defRPr>
+            </a:lvl3pPr>
+            <a:lvl4pPr marL="1005840" indent="-182880" algn="l" defTabSz="914400" rtl="0" eaLnBrk="1" latinLnBrk="0" hangingPunct="1">
+              <a:spcBef>
+                <a:spcPct val="20000"/>
+              </a:spcBef>
+              <a:buClr>
+                <a:schemeClr val="accent1"/>
+              </a:buClr>
+              <a:buFont typeface="Arial" pitchFamily="34" charset="0"/>
+              <a:buChar char="•"/>
+              <a:defRPr sz="1600" kern="1200">
+                <a:solidFill>
+                  <a:schemeClr val="tx1"/>
+                </a:solidFill>
+                <a:latin typeface="+mn-lt"/>
+                <a:ea typeface="+mn-ea"/>
+                <a:cs typeface="+mn-cs"/>
+              </a:defRPr>
+            </a:lvl4pPr>
+            <a:lvl5pPr marL="1188720" indent="-137160" algn="l" defTabSz="914400" rtl="0" eaLnBrk="1" latinLnBrk="0" hangingPunct="1">
+              <a:spcBef>
+                <a:spcPct val="20000"/>
+              </a:spcBef>
+              <a:buClr>
+                <a:schemeClr val="accent1"/>
+              </a:buClr>
+              <a:buSzPct val="100000"/>
+              <a:buFont typeface="Arial" pitchFamily="34" charset="0"/>
+              <a:buChar char="•"/>
+              <a:defRPr sz="1400" kern="1200" baseline="0">
+                <a:solidFill>
+                  <a:schemeClr val="tx1"/>
+                </a:solidFill>
+                <a:latin typeface="+mn-lt"/>
+                <a:ea typeface="+mn-ea"/>
+                <a:cs typeface="+mn-cs"/>
+              </a:defRPr>
+            </a:lvl5pPr>
+            <a:lvl6pPr marL="1371600" indent="-182880" algn="l" defTabSz="914400" rtl="0" eaLnBrk="1" latinLnBrk="0" hangingPunct="1">
+              <a:spcBef>
+                <a:spcPct val="20000"/>
+              </a:spcBef>
+              <a:buClr>
+                <a:schemeClr val="accent1"/>
+              </a:buClr>
+              <a:buFont typeface="Arial" pitchFamily="34" charset="0"/>
+              <a:buChar char="•"/>
+              <a:defRPr sz="1300" kern="1200">
+                <a:solidFill>
+                  <a:schemeClr val="tx1"/>
+                </a:solidFill>
+                <a:latin typeface="+mn-lt"/>
+                <a:ea typeface="+mn-ea"/>
+                <a:cs typeface="+mn-cs"/>
+              </a:defRPr>
+            </a:lvl6pPr>
+            <a:lvl7pPr marL="1554480" indent="-182880" algn="l" defTabSz="914400" rtl="0" eaLnBrk="1" latinLnBrk="0" hangingPunct="1">
+              <a:spcBef>
+                <a:spcPct val="20000"/>
+              </a:spcBef>
+              <a:buClr>
+                <a:schemeClr val="accent1"/>
+              </a:buClr>
+              <a:buFont typeface="Arial" pitchFamily="34" charset="0"/>
+              <a:buChar char="•"/>
+              <a:defRPr sz="1300" kern="1200">
+                <a:solidFill>
+                  <a:schemeClr val="tx1"/>
+                </a:solidFill>
+                <a:latin typeface="+mn-lt"/>
+                <a:ea typeface="+mn-ea"/>
+                <a:cs typeface="+mn-cs"/>
+              </a:defRPr>
+            </a:lvl7pPr>
+            <a:lvl8pPr marL="1737360" indent="-182880" algn="l" defTabSz="914400" rtl="0" eaLnBrk="1" latinLnBrk="0" hangingPunct="1">
+              <a:spcBef>
+                <a:spcPct val="20000"/>
+              </a:spcBef>
+              <a:buClr>
+                <a:schemeClr val="accent1"/>
+              </a:buClr>
+              <a:buFont typeface="Arial" pitchFamily="34" charset="0"/>
+              <a:buChar char="•"/>
+              <a:defRPr sz="1300" kern="1200">
+                <a:solidFill>
+                  <a:schemeClr val="tx1"/>
+                </a:solidFill>
+                <a:latin typeface="+mn-lt"/>
+                <a:ea typeface="+mn-ea"/>
+                <a:cs typeface="+mn-cs"/>
+              </a:defRPr>
+            </a:lvl8pPr>
+            <a:lvl9pPr marL="1920240" indent="-182880" algn="l" defTabSz="914400" rtl="0" eaLnBrk="1" latinLnBrk="0" hangingPunct="1">
+              <a:spcBef>
+                <a:spcPct val="20000"/>
+              </a:spcBef>
+              <a:buClr>
+                <a:schemeClr val="accent1"/>
+              </a:buClr>
+              <a:buFont typeface="Arial" pitchFamily="34" charset="0"/>
+              <a:buChar char="•"/>
+              <a:defRPr sz="1300" kern="1200">
+                <a:solidFill>
+                  <a:schemeClr val="tx1"/>
+                </a:solidFill>
+                <a:latin typeface="+mn-lt"/>
+                <a:ea typeface="+mn-ea"/>
+                <a:cs typeface="+mn-cs"/>
+              </a:defRPr>
+            </a:lvl9pPr>
+          </a:lstStyle>
+          <a:p>
+            <a:pPr>
+              <a:spcBef>
+                <a:spcPts val="600"/>
+              </a:spcBef>
+              <a:spcAft>
+                <a:spcPts val="3600"/>
+              </a:spcAft>
+            </a:pPr>
+            <a:r>
+              <a:rPr lang="fr-FR" sz="2800" dirty="0" smtClean="0"/>
+              <a:t>Un complément Excel</a:t>
+            </a:r>
+          </a:p>
+          <a:p>
+            <a:pPr>
+              <a:spcBef>
+                <a:spcPts val="600"/>
+              </a:spcBef>
+              <a:spcAft>
+                <a:spcPts val="1200"/>
+              </a:spcAft>
+            </a:pPr>
+            <a:r>
+              <a:rPr lang="fr-FR" sz="2800" dirty="0" smtClean="0"/>
+              <a:t>Les outils utilisés</a:t>
+            </a:r>
+          </a:p>
+          <a:p>
+            <a:pPr lvl="1">
+              <a:spcBef>
+                <a:spcPts val="600"/>
+              </a:spcBef>
+              <a:spcAft>
+                <a:spcPts val="600"/>
+              </a:spcAft>
+            </a:pPr>
+            <a:r>
+              <a:rPr lang="fr-FR" sz="2200" dirty="0" smtClean="0"/>
+              <a:t>Windows</a:t>
+            </a:r>
+          </a:p>
+          <a:p>
+            <a:pPr lvl="1">
+              <a:spcBef>
+                <a:spcPts val="600"/>
+              </a:spcBef>
+              <a:spcAft>
+                <a:spcPts val="600"/>
+              </a:spcAft>
+            </a:pPr>
+            <a:r>
+              <a:rPr lang="fr-FR" sz="2200" dirty="0" smtClean="0"/>
+              <a:t>Visual Studio</a:t>
+            </a:r>
+          </a:p>
+          <a:p>
+            <a:pPr lvl="1">
+              <a:spcBef>
+                <a:spcPts val="600"/>
+              </a:spcBef>
+              <a:spcAft>
+                <a:spcPts val="600"/>
+              </a:spcAft>
+            </a:pPr>
+            <a:r>
+              <a:rPr lang="fr-FR" sz="2200" dirty="0" smtClean="0"/>
+              <a:t>Visual Basic</a:t>
+            </a:r>
+          </a:p>
+        </p:txBody>
+      </p:sp>
     </p:spTree>
     <p:extLst>
       <p:ext uri="{BB962C8B-B14F-4D97-AF65-F5344CB8AC3E}">
-        <p14:creationId xmlns:p14="http://schemas.microsoft.com/office/powerpoint/2010/main" val="3674707670"/>
+        <p14:creationId xmlns:p14="http://schemas.microsoft.com/office/powerpoint/2010/main" val="2324681322"/>
       </p:ext>
     </p:extLst>
   </p:cSld>
@@ -9293,7 +9760,7 @@
           <a:p>
             <a:r>
               <a:rPr lang="fr-FR" dirty="0" smtClean="0"/>
-              <a:t>Avancement du projet</a:t>
+              <a:t>L’interface graphique</a:t>
             </a:r>
             <a:endParaRPr lang="fr-FR" dirty="0"/>
           </a:p>
@@ -9301,7 +9768,7 @@
       </p:sp>
       <p:sp>
         <p:nvSpPr>
-          <p:cNvPr id="4" name="Espace réservé du numéro de diapositive 3"/>
+          <p:cNvPr id="3" name="Espace réservé du numéro de diapositive 2"/>
           <p:cNvSpPr>
             <a:spLocks noGrp="1"/>
           </p:cNvSpPr>
@@ -9322,99 +9789,40 @@
           </a:p>
         </p:txBody>
       </p:sp>
-      <p:sp>
-        <p:nvSpPr>
-          <p:cNvPr id="3" name="Espace réservé du contenu 2"/>
-          <p:cNvSpPr>
-            <a:spLocks noGrp="1"/>
-          </p:cNvSpPr>
-          <p:nvPr>
-            <p:ph idx="1"/>
-          </p:nvPr>
-        </p:nvSpPr>
-        <p:spPr/>
-        <p:txBody>
-          <a:bodyPr/>
-          <a:lstStyle/>
-          <a:p>
-            <a:pPr marL="0" indent="0">
-              <a:buNone/>
-            </a:pPr>
-            <a:endParaRPr lang="fr-FR" dirty="0"/>
-          </a:p>
-          <a:p>
-            <a:r>
-              <a:rPr lang="fr-FR" dirty="0"/>
-              <a:t>Développement de manière incrémentale </a:t>
-            </a:r>
-            <a:endParaRPr lang="fr-FR" dirty="0" smtClean="0"/>
-          </a:p>
-          <a:p>
-            <a:pPr lvl="1"/>
-            <a:r>
-              <a:rPr lang="fr-FR" dirty="0" smtClean="0"/>
-              <a:t>Les tests statistiques </a:t>
-            </a:r>
-          </a:p>
-          <a:p>
-            <a:pPr lvl="1"/>
-            <a:r>
-              <a:rPr lang="fr-FR" dirty="0" smtClean="0"/>
-              <a:t>Les différents modèles</a:t>
-            </a:r>
-          </a:p>
-          <a:p>
-            <a:pPr lvl="1"/>
-            <a:r>
-              <a:rPr lang="fr-FR" dirty="0" smtClean="0"/>
-              <a:t>L’interface graphique</a:t>
-            </a:r>
-          </a:p>
-          <a:p>
-            <a:pPr lvl="1"/>
-            <a:endParaRPr lang="fr-FR" dirty="0"/>
-          </a:p>
-          <a:p>
-            <a:r>
-              <a:rPr lang="fr-FR" dirty="0" smtClean="0"/>
-              <a:t>Un projet de recherche → Pas de fin déterminée</a:t>
-            </a:r>
-            <a:endParaRPr lang="fr-FR" dirty="0"/>
-          </a:p>
-          <a:p>
-            <a:pPr marL="274320" lvl="1" indent="0">
-              <a:buNone/>
-            </a:pPr>
-            <a:endParaRPr lang="fr-FR" dirty="0"/>
-          </a:p>
-          <a:p>
-            <a:pPr marL="274320" lvl="1" indent="0">
-              <a:buNone/>
-            </a:pPr>
-            <a:endParaRPr lang="fr-FR" dirty="0" smtClean="0"/>
-          </a:p>
-          <a:p>
-            <a:pPr lvl="1"/>
-            <a:endParaRPr lang="fr-FR" dirty="0"/>
-          </a:p>
-          <a:p>
-            <a:endParaRPr lang="fr-FR" dirty="0" smtClean="0"/>
-          </a:p>
-          <a:p>
-            <a:endParaRPr lang="fr-FR" dirty="0" smtClean="0"/>
-          </a:p>
-          <a:p>
-            <a:endParaRPr lang="fr-FR" dirty="0" smtClean="0"/>
-          </a:p>
-          <a:p>
-            <a:endParaRPr lang="fr-FR" dirty="0"/>
-          </a:p>
-        </p:txBody>
-      </p:sp>
+      <p:pic>
+        <p:nvPicPr>
+          <p:cNvPr id="6" name="Image 5"/>
+          <p:cNvPicPr>
+            <a:picLocks noChangeAspect="1"/>
+          </p:cNvPicPr>
+          <p:nvPr/>
+        </p:nvPicPr>
+        <p:blipFill>
+          <a:blip r:embed="rId2">
+            <a:extLst>
+              <a:ext uri="{28A0092B-C50C-407E-A947-70E740481C1C}">
+                <a14:useLocalDpi xmlns:a14="http://schemas.microsoft.com/office/drawing/2010/main" val="0"/>
+              </a:ext>
+            </a:extLst>
+          </a:blip>
+          <a:stretch>
+            <a:fillRect/>
+          </a:stretch>
+        </p:blipFill>
+        <p:spPr>
+          <a:xfrm>
+            <a:off x="125760" y="1716716"/>
+            <a:ext cx="8892480" cy="4726164"/>
+          </a:xfrm>
+          <a:prstGeom prst="rect">
+            <a:avLst/>
+          </a:prstGeom>
+        </p:spPr>
+      </p:pic>
     </p:spTree>
     <p:extLst>
       <p:ext uri="{BB962C8B-B14F-4D97-AF65-F5344CB8AC3E}">
-        <p14:creationId xmlns:p14="http://schemas.microsoft.com/office/powerpoint/2010/main" val="3683865469"/>
+        <p14:creationId xmlns:p14="http://schemas.microsoft.com/office/powerpoint/2010/main" val="1589404664"/>
       </p:ext>
     </p:extLst>
   </p:cSld>
@@ -9450,60 +9858,52 @@
       </p:grpSpPr>
       <p:sp>
         <p:nvSpPr>
-          <p:cNvPr id="3" name="Espace réservé du contenu 2"/>
+          <p:cNvPr id="2" name="Titre 1"/>
           <p:cNvSpPr>
             <a:spLocks noGrp="1"/>
           </p:cNvSpPr>
           <p:nvPr>
+            <p:ph type="title"/>
+          </p:nvPr>
+        </p:nvSpPr>
+        <p:spPr/>
+        <p:txBody>
+          <a:bodyPr/>
+          <a:lstStyle/>
+          <a:p>
+            <a:r>
+              <a:rPr lang="fr-FR" dirty="0" smtClean="0"/>
+              <a:t>Etapes de travail</a:t>
+            </a:r>
+            <a:endParaRPr lang="fr-FR" dirty="0"/>
+          </a:p>
+        </p:txBody>
+      </p:sp>
+      <p:graphicFrame>
+        <p:nvGraphicFramePr>
+          <p:cNvPr id="6" name="Espace réservé du contenu 5"/>
+          <p:cNvGraphicFramePr>
+            <a:graphicFrameLocks noGrp="1"/>
+          </p:cNvGraphicFramePr>
+          <p:nvPr>
             <p:ph idx="1"/>
+            <p:extLst>
+              <p:ext uri="{D42A27DB-BD31-4B8C-83A1-F6EECF244321}">
+                <p14:modId xmlns:p14="http://schemas.microsoft.com/office/powerpoint/2010/main" val="123860370"/>
+              </p:ext>
+            </p:extLst>
           </p:nvPr>
-        </p:nvSpPr>
-        <p:spPr/>
-        <p:txBody>
-          <a:bodyPr>
-            <a:normAutofit/>
-          </a:bodyPr>
-          <a:lstStyle/>
-          <a:p>
-            <a:pPr marL="0" indent="0" algn="ctr">
-              <a:buNone/>
-            </a:pPr>
-            <a:endParaRPr lang="fr-FR" sz="4800" dirty="0" smtClean="0"/>
-          </a:p>
-          <a:p>
-            <a:pPr marL="0" indent="0" algn="ctr">
-              <a:buNone/>
-            </a:pPr>
-            <a:r>
-              <a:rPr lang="fr-FR" sz="4800" spc="-100" dirty="0">
-                <a:solidFill>
-                  <a:schemeClr val="tx2"/>
-                </a:solidFill>
-                <a:latin typeface="+mj-lt"/>
-                <a:ea typeface="+mj-ea"/>
-                <a:cs typeface="+mj-cs"/>
-              </a:rPr>
-              <a:t>Merci pour votre </a:t>
-            </a:r>
-          </a:p>
-          <a:p>
-            <a:pPr marL="0" indent="0" algn="ctr">
-              <a:buNone/>
-            </a:pPr>
-            <a:r>
-              <a:rPr lang="fr-FR" sz="4800" spc="-100" dirty="0">
-                <a:solidFill>
-                  <a:schemeClr val="tx2"/>
-                </a:solidFill>
-                <a:latin typeface="+mj-lt"/>
-                <a:ea typeface="+mj-ea"/>
-                <a:cs typeface="+mj-cs"/>
-              </a:rPr>
-              <a:t>attention </a:t>
-            </a:r>
-          </a:p>
-        </p:txBody>
-      </p:sp>
+        </p:nvGraphicFramePr>
+        <p:xfrm>
+          <a:off x="179512" y="1628800"/>
+          <a:ext cx="8712967" cy="4781525"/>
+        </p:xfrm>
+        <a:graphic>
+          <a:graphicData uri="http://schemas.openxmlformats.org/drawingml/2006/diagram">
+            <dgm:relIds xmlns:dgm="http://schemas.openxmlformats.org/drawingml/2006/diagram" xmlns:r="http://schemas.openxmlformats.org/officeDocument/2006/relationships" r:dm="rId3" r:lo="rId4" r:qs="rId5" r:cs="rId6"/>
+          </a:graphicData>
+        </a:graphic>
+      </p:graphicFrame>
       <p:sp>
         <p:nvSpPr>
           <p:cNvPr id="4" name="Espace réservé du numéro de diapositive 3"/>
@@ -9530,13 +9930,20 @@
     </p:spTree>
     <p:extLst>
       <p:ext uri="{BB962C8B-B14F-4D97-AF65-F5344CB8AC3E}">
-        <p14:creationId xmlns:p14="http://schemas.microsoft.com/office/powerpoint/2010/main" val="1741150457"/>
+        <p14:creationId xmlns:p14="http://schemas.microsoft.com/office/powerpoint/2010/main" val="3674707670"/>
       </p:ext>
     </p:extLst>
   </p:cSld>
   <p:clrMapOvr>
     <a:masterClrMapping/>
   </p:clrMapOvr>
+  <p:timing>
+    <p:tnLst>
+      <p:par>
+        <p:cTn id="1" dur="indefinite" restart="never" nodeType="tmRoot"/>
+      </p:par>
+    </p:tnLst>
+  </p:timing>
 </p:sld>
 </file>
 
@@ -9559,29 +9966,22 @@
       </p:grpSpPr>
       <p:sp>
         <p:nvSpPr>
-          <p:cNvPr id="12" name="ZoneTexte 11"/>
-          <p:cNvSpPr txBox="1"/>
-          <p:nvPr/>
-        </p:nvSpPr>
-        <p:spPr>
-          <a:xfrm>
-            <a:off x="6263680" y="1374270"/>
-            <a:ext cx="2880320" cy="369332"/>
-          </a:xfrm>
-          <a:prstGeom prst="rect">
-            <a:avLst/>
-          </a:prstGeom>
-          <a:noFill/>
-        </p:spPr>
-        <p:txBody>
-          <a:bodyPr wrap="square" rtlCol="0">
-            <a:spAutoFit/>
-          </a:bodyPr>
+          <p:cNvPr id="2" name="Titre 1"/>
+          <p:cNvSpPr>
+            <a:spLocks noGrp="1"/>
+          </p:cNvSpPr>
+          <p:nvPr>
+            <p:ph type="title"/>
+          </p:nvPr>
+        </p:nvSpPr>
+        <p:spPr/>
+        <p:txBody>
+          <a:bodyPr/>
           <a:lstStyle/>
           <a:p>
             <a:r>
               <a:rPr lang="fr-FR" dirty="0" smtClean="0"/>
-              <a:t>Projet de spécialité 2015</a:t>
+              <a:t>Avancement du projet</a:t>
             </a:r>
             <a:endParaRPr lang="fr-FR" dirty="0"/>
           </a:p>
@@ -9589,80 +9989,7 @@
       </p:sp>
       <p:sp>
         <p:nvSpPr>
-          <p:cNvPr id="13" name="ZoneTexte 12"/>
-          <p:cNvSpPr txBox="1"/>
-          <p:nvPr/>
-        </p:nvSpPr>
-        <p:spPr>
-          <a:xfrm>
-            <a:off x="683568" y="3921353"/>
-            <a:ext cx="7848872" cy="523220"/>
-          </a:xfrm>
-          <a:prstGeom prst="rect">
-            <a:avLst/>
-          </a:prstGeom>
-          <a:noFill/>
-        </p:spPr>
-        <p:txBody>
-          <a:bodyPr wrap="square" rtlCol="0">
-            <a:spAutoFit/>
-          </a:bodyPr>
-          <a:lstStyle/>
-          <a:p>
-            <a:pPr algn="ctr"/>
-            <a:r>
-              <a:rPr lang="fr-FR" sz="2800" dirty="0" smtClean="0"/>
-              <a:t>« Etude d’événements en finance »</a:t>
-            </a:r>
-            <a:endParaRPr lang="fr-FR" sz="2800" dirty="0"/>
-          </a:p>
-        </p:txBody>
-      </p:sp>
-      <p:sp>
-        <p:nvSpPr>
-          <p:cNvPr id="14" name="ZoneTexte 13"/>
-          <p:cNvSpPr txBox="1"/>
-          <p:nvPr/>
-        </p:nvSpPr>
-        <p:spPr>
-          <a:xfrm>
-            <a:off x="323528" y="672371"/>
-            <a:ext cx="2736304" cy="923330"/>
-          </a:xfrm>
-          <a:prstGeom prst="rect">
-            <a:avLst/>
-          </a:prstGeom>
-          <a:noFill/>
-        </p:spPr>
-        <p:txBody>
-          <a:bodyPr wrap="square" rtlCol="0">
-            <a:spAutoFit/>
-          </a:bodyPr>
-          <a:lstStyle/>
-          <a:p>
-            <a:r>
-              <a:rPr lang="fr-FR" dirty="0" smtClean="0"/>
-              <a:t>Fadoua LACHKAR</a:t>
-            </a:r>
-          </a:p>
-          <a:p>
-            <a:r>
-              <a:rPr lang="fr-FR" dirty="0" smtClean="0"/>
-              <a:t>John-Elie MARGOT</a:t>
-            </a:r>
-          </a:p>
-          <a:p>
-            <a:r>
-              <a:rPr lang="fr-FR" dirty="0" smtClean="0"/>
-              <a:t>Antoine MULET</a:t>
-            </a:r>
-            <a:endParaRPr lang="fr-FR" dirty="0"/>
-          </a:p>
-        </p:txBody>
-      </p:sp>
-      <p:sp>
-        <p:nvSpPr>
-          <p:cNvPr id="15" name="Espace réservé du numéro de diapositive 14"/>
+          <p:cNvPr id="4" name="Espace réservé du numéro de diapositive 3"/>
           <p:cNvSpPr>
             <a:spLocks noGrp="1"/>
           </p:cNvSpPr>
@@ -9683,74 +10010,91 @@
           </a:p>
         </p:txBody>
       </p:sp>
-      <p:pic>
-        <p:nvPicPr>
-          <p:cNvPr id="1026" name="Picture 2" descr="http://www.google.fr/url?source=imglanding&amp;ct=img&amp;q=http://ensimag.grenoble-inp.fr/images/ensimag/logo.gif&amp;sa=X&amp;ei=5JhtVY3WF6nmyQODsIDwCA&amp;ved=0CAkQ8wc&amp;usg=AFQjCNEv76CC0zvK5rNYkIgfM1r7N233kw"/>
-          <p:cNvPicPr>
-            <a:picLocks noChangeAspect="1" noChangeArrowheads="1"/>
-          </p:cNvPicPr>
-          <p:nvPr/>
-        </p:nvPicPr>
-        <p:blipFill>
-          <a:blip r:embed="rId2">
-            <a:extLst>
-              <a:ext uri="{28A0092B-C50C-407E-A947-70E740481C1C}">
-                <a14:useLocalDpi xmlns:a14="http://schemas.microsoft.com/office/drawing/2010/main" val="0"/>
-              </a:ext>
-            </a:extLst>
-          </a:blip>
-          <a:srcRect/>
-          <a:stretch>
-            <a:fillRect/>
-          </a:stretch>
-        </p:blipFill>
-        <p:spPr bwMode="auto">
-          <a:xfrm>
-            <a:off x="6444208" y="351103"/>
-            <a:ext cx="1933575" cy="1143001"/>
-          </a:xfrm>
-          <a:prstGeom prst="rect">
-            <a:avLst/>
-          </a:prstGeom>
-          <a:noFill/>
-          <a:extLst>
-            <a:ext uri="{909E8E84-426E-40DD-AFC4-6F175D3DCCD1}">
-              <a14:hiddenFill xmlns:a14="http://schemas.microsoft.com/office/drawing/2010/main">
-                <a:solidFill>
-                  <a:srgbClr val="FFFFFF"/>
-                </a:solidFill>
-              </a14:hiddenFill>
-            </a:ext>
-          </a:extLst>
-        </p:spPr>
-      </p:pic>
-      <p:sp>
-        <p:nvSpPr>
-          <p:cNvPr id="7" name="ZoneTexte 6"/>
-          <p:cNvSpPr txBox="1"/>
-          <p:nvPr/>
-        </p:nvSpPr>
-        <p:spPr>
-          <a:xfrm>
-            <a:off x="683568" y="4581128"/>
-            <a:ext cx="7848872" cy="369332"/>
-          </a:xfrm>
-          <a:prstGeom prst="rect">
-            <a:avLst/>
-          </a:prstGeom>
-          <a:noFill/>
-        </p:spPr>
-        <p:txBody>
-          <a:bodyPr wrap="square" rtlCol="0">
-            <a:spAutoFit/>
-          </a:bodyPr>
+      <p:sp>
+        <p:nvSpPr>
+          <p:cNvPr id="3" name="Espace réservé du contenu 2"/>
+          <p:cNvSpPr>
+            <a:spLocks noGrp="1"/>
+          </p:cNvSpPr>
+          <p:nvPr>
+            <p:ph idx="1"/>
+          </p:nvPr>
+        </p:nvSpPr>
+        <p:spPr/>
+        <p:txBody>
+          <a:bodyPr/>
           <a:lstStyle/>
           <a:p>
-            <a:pPr algn="ctr"/>
+            <a:pPr marL="0" indent="0">
+              <a:buNone/>
+            </a:pPr>
+            <a:endParaRPr lang="fr-FR" dirty="0"/>
+          </a:p>
+          <a:p>
+            <a:r>
+              <a:rPr lang="fr-FR" dirty="0"/>
+              <a:t>Développement de manière incrémentale </a:t>
+            </a:r>
+            <a:endParaRPr lang="fr-FR" dirty="0" smtClean="0"/>
+          </a:p>
+          <a:p>
+            <a:pPr lvl="1"/>
             <a:r>
               <a:rPr lang="fr-FR" dirty="0" smtClean="0"/>
-              <a:t>3 Juin 2015</a:t>
-            </a:r>
+              <a:t>Les tests statistiques </a:t>
+            </a:r>
+          </a:p>
+          <a:p>
+            <a:pPr lvl="1"/>
+            <a:r>
+              <a:rPr lang="fr-FR" dirty="0" smtClean="0"/>
+              <a:t>Les différents modèles</a:t>
+            </a:r>
+          </a:p>
+          <a:p>
+            <a:pPr lvl="1"/>
+            <a:r>
+              <a:rPr lang="fr-FR" dirty="0" smtClean="0"/>
+              <a:t>L’interface graphique</a:t>
+            </a:r>
+          </a:p>
+          <a:p>
+            <a:pPr lvl="1"/>
+            <a:endParaRPr lang="fr-FR" dirty="0"/>
+          </a:p>
+          <a:p>
+            <a:r>
+              <a:rPr lang="fr-FR" dirty="0" smtClean="0"/>
+              <a:t>Un projet de recherche → Pas de fin déterminée</a:t>
+            </a:r>
+            <a:endParaRPr lang="fr-FR" dirty="0"/>
+          </a:p>
+          <a:p>
+            <a:pPr marL="274320" lvl="1" indent="0">
+              <a:buNone/>
+            </a:pPr>
+            <a:endParaRPr lang="fr-FR" dirty="0"/>
+          </a:p>
+          <a:p>
+            <a:pPr marL="274320" lvl="1" indent="0">
+              <a:buNone/>
+            </a:pPr>
+            <a:endParaRPr lang="fr-FR" dirty="0" smtClean="0"/>
+          </a:p>
+          <a:p>
+            <a:pPr lvl="1"/>
+            <a:endParaRPr lang="fr-FR" dirty="0"/>
+          </a:p>
+          <a:p>
+            <a:endParaRPr lang="fr-FR" dirty="0" smtClean="0"/>
+          </a:p>
+          <a:p>
+            <a:endParaRPr lang="fr-FR" dirty="0" smtClean="0"/>
+          </a:p>
+          <a:p>
+            <a:endParaRPr lang="fr-FR" dirty="0" smtClean="0"/>
+          </a:p>
+          <a:p>
             <a:endParaRPr lang="fr-FR" dirty="0"/>
           </a:p>
         </p:txBody>
@@ -9758,7 +10102,123 @@
     </p:spTree>
     <p:extLst>
       <p:ext uri="{BB962C8B-B14F-4D97-AF65-F5344CB8AC3E}">
-        <p14:creationId xmlns:p14="http://schemas.microsoft.com/office/powerpoint/2010/main" val="2244919645"/>
+        <p14:creationId xmlns:p14="http://schemas.microsoft.com/office/powerpoint/2010/main" val="3683865469"/>
+      </p:ext>
+    </p:extLst>
+  </p:cSld>
+  <p:clrMapOvr>
+    <a:masterClrMapping/>
+  </p:clrMapOvr>
+  <p:timing>
+    <p:tnLst>
+      <p:par>
+        <p:cTn id="1" dur="indefinite" restart="never" nodeType="tmRoot"/>
+      </p:par>
+    </p:tnLst>
+  </p:timing>
+</p:sld>
+</file>
+
+<file path=ppt/slides/slide9.xml><?xml version="1.0" encoding="utf-8"?>
+<p:sld xmlns:a="http://schemas.openxmlformats.org/drawingml/2006/main" xmlns:r="http://schemas.openxmlformats.org/officeDocument/2006/relationships" xmlns:p="http://schemas.openxmlformats.org/presentationml/2006/main">
+  <p:cSld>
+    <p:spTree>
+      <p:nvGrpSpPr>
+        <p:cNvPr id="1" name=""/>
+        <p:cNvGrpSpPr/>
+        <p:nvPr/>
+      </p:nvGrpSpPr>
+      <p:grpSpPr>
+        <a:xfrm>
+          <a:off x="0" y="0"/>
+          <a:ext cx="0" cy="0"/>
+          <a:chOff x="0" y="0"/>
+          <a:chExt cx="0" cy="0"/>
+        </a:xfrm>
+      </p:grpSpPr>
+      <p:sp>
+        <p:nvSpPr>
+          <p:cNvPr id="3" name="Espace réservé du contenu 2"/>
+          <p:cNvSpPr>
+            <a:spLocks noGrp="1"/>
+          </p:cNvSpPr>
+          <p:nvPr>
+            <p:ph idx="1"/>
+          </p:nvPr>
+        </p:nvSpPr>
+        <p:spPr/>
+        <p:txBody>
+          <a:bodyPr>
+            <a:normAutofit/>
+          </a:bodyPr>
+          <a:lstStyle/>
+          <a:p>
+            <a:pPr marL="0" indent="0" algn="ctr">
+              <a:buNone/>
+            </a:pPr>
+            <a:endParaRPr lang="fr-FR" sz="4800" dirty="0" smtClean="0"/>
+          </a:p>
+          <a:p>
+            <a:pPr marL="0" indent="0" algn="ctr">
+              <a:buNone/>
+            </a:pPr>
+            <a:r>
+              <a:rPr lang="fr-FR" sz="4800" spc="-100" dirty="0">
+                <a:solidFill>
+                  <a:schemeClr val="tx2"/>
+                </a:solidFill>
+                <a:latin typeface="+mj-lt"/>
+                <a:ea typeface="+mj-ea"/>
+                <a:cs typeface="+mj-cs"/>
+              </a:rPr>
+              <a:t>Merci pour votre </a:t>
+            </a:r>
+          </a:p>
+          <a:p>
+            <a:pPr marL="0" indent="0" algn="ctr">
+              <a:buNone/>
+            </a:pPr>
+            <a:r>
+              <a:rPr lang="fr-FR" sz="4800" spc="-100" dirty="0">
+                <a:solidFill>
+                  <a:schemeClr val="tx2"/>
+                </a:solidFill>
+                <a:latin typeface="+mj-lt"/>
+                <a:ea typeface="+mj-ea"/>
+                <a:cs typeface="+mj-cs"/>
+              </a:rPr>
+              <a:t>attention </a:t>
+            </a:r>
+          </a:p>
+        </p:txBody>
+      </p:sp>
+      <p:sp>
+        <p:nvSpPr>
+          <p:cNvPr id="4" name="Espace réservé du numéro de diapositive 3"/>
+          <p:cNvSpPr>
+            <a:spLocks noGrp="1"/>
+          </p:cNvSpPr>
+          <p:nvPr>
+            <p:ph type="sldNum" sz="quarter" idx="12"/>
+          </p:nvPr>
+        </p:nvSpPr>
+        <p:spPr/>
+        <p:txBody>
+          <a:bodyPr/>
+          <a:lstStyle/>
+          <a:p>
+            <a:fld id="{454E7F5D-90A1-42E1-88A9-4F679448623C}" type="slidenum">
+              <a:rPr lang="fr-FR" smtClean="0"/>
+              <a:t>9</a:t>
+            </a:fld>
+            <a:endParaRPr lang="fr-FR"/>
+          </a:p>
+        </p:txBody>
+      </p:sp>
+    </p:spTree>
+    <p:extLst>
+      <p:ext uri="{BB962C8B-B14F-4D97-AF65-F5344CB8AC3E}">
+        <p14:creationId xmlns:p14="http://schemas.microsoft.com/office/powerpoint/2010/main" val="1741150457"/>
       </p:ext>
     </p:extLst>
   </p:cSld>

--- a/Sheme.pptx
+++ b/Sheme.pptx
@@ -2817,7 +2817,7 @@
           <a:p>
             <a:fld id="{9F32D0EC-F552-42BB-8C45-3E88E2C9B878}" type="datetimeFigureOut">
               <a:rPr lang="fr-FR" smtClean="0"/>
-              <a:t>02/06/2015</a:t>
+              <a:t>03/06/2015</a:t>
             </a:fld>
             <a:endParaRPr lang="fr-FR"/>
           </a:p>
@@ -3357,7 +3357,7 @@
           <a:p>
             <a:fld id="{F938B7AF-5372-4ECD-8B90-E0C43F4CE847}" type="datetime1">
               <a:rPr lang="fr-FR" smtClean="0"/>
-              <a:t>02/06/2015</a:t>
+              <a:t>03/06/2015</a:t>
             </a:fld>
             <a:endParaRPr lang="fr-FR"/>
           </a:p>
@@ -3557,7 +3557,7 @@
           <a:p>
             <a:fld id="{03003146-34A0-4CD0-856D-1EA038FA3F11}" type="datetime1">
               <a:rPr lang="fr-FR" smtClean="0"/>
-              <a:t>02/06/2015</a:t>
+              <a:t>03/06/2015</a:t>
             </a:fld>
             <a:endParaRPr lang="fr-FR"/>
           </a:p>
@@ -3732,7 +3732,7 @@
           <a:p>
             <a:fld id="{C57154EB-8B4C-4CF9-8517-CF7EB7211B31}" type="datetime1">
               <a:rPr lang="fr-FR" smtClean="0"/>
-              <a:t>02/06/2015</a:t>
+              <a:t>03/06/2015</a:t>
             </a:fld>
             <a:endParaRPr lang="fr-FR"/>
           </a:p>
@@ -3897,7 +3897,7 @@
           <a:p>
             <a:fld id="{D014C1CD-C08C-4A93-B910-49EAB302BB4C}" type="datetime1">
               <a:rPr lang="fr-FR" smtClean="0"/>
-              <a:t>02/06/2015</a:t>
+              <a:t>03/06/2015</a:t>
             </a:fld>
             <a:endParaRPr lang="fr-FR"/>
           </a:p>
@@ -4145,7 +4145,7 @@
           <a:p>
             <a:fld id="{D2535426-B34B-4FA9-BD27-0F89317A9C1E}" type="datetime1">
               <a:rPr lang="fr-FR" smtClean="0"/>
-              <a:t>02/06/2015</a:t>
+              <a:t>03/06/2015</a:t>
             </a:fld>
             <a:endParaRPr lang="fr-FR"/>
           </a:p>
@@ -4463,7 +4463,7 @@
           <a:p>
             <a:fld id="{E754EF58-073D-402B-BBA6-567F7E59BFCD}" type="datetime1">
               <a:rPr lang="fr-FR" smtClean="0"/>
-              <a:t>02/06/2015</a:t>
+              <a:t>03/06/2015</a:t>
             </a:fld>
             <a:endParaRPr lang="fr-FR"/>
           </a:p>
@@ -4929,7 +4929,7 @@
           <a:p>
             <a:fld id="{1D2D3FB2-1561-4335-A3B0-B2B25376CAB1}" type="datetime1">
               <a:rPr lang="fr-FR" smtClean="0"/>
-              <a:t>02/06/2015</a:t>
+              <a:t>03/06/2015</a:t>
             </a:fld>
             <a:endParaRPr lang="fr-FR"/>
           </a:p>
@@ -5077,7 +5077,7 @@
           <a:p>
             <a:fld id="{A03237DB-9695-476E-9500-567FDF056BCC}" type="datetime1">
               <a:rPr lang="fr-FR" smtClean="0"/>
-              <a:t>02/06/2015</a:t>
+              <a:t>03/06/2015</a:t>
             </a:fld>
             <a:endParaRPr lang="fr-FR"/>
           </a:p>
@@ -5167,7 +5167,7 @@
           <a:p>
             <a:fld id="{A4BA5A8F-B633-4FD7-A0E7-CEA99F83459F}" type="datetime1">
               <a:rPr lang="fr-FR" smtClean="0"/>
-              <a:t>02/06/2015</a:t>
+              <a:t>03/06/2015</a:t>
             </a:fld>
             <a:endParaRPr lang="fr-FR"/>
           </a:p>
@@ -5441,7 +5441,7 @@
           <a:p>
             <a:fld id="{8A47CB36-9DDE-4BCD-B55C-EDAFCEBB8BAA}" type="datetime1">
               <a:rPr lang="fr-FR" smtClean="0"/>
-              <a:t>02/06/2015</a:t>
+              <a:t>03/06/2015</a:t>
             </a:fld>
             <a:endParaRPr lang="fr-FR"/>
           </a:p>
@@ -5746,7 +5746,7 @@
           <a:p>
             <a:fld id="{E024A261-8453-4FC5-8B89-8723FF34D8A9}" type="datetime1">
               <a:rPr lang="fr-FR" smtClean="0"/>
-              <a:t>02/06/2015</a:t>
+              <a:t>03/06/2015</a:t>
             </a:fld>
             <a:endParaRPr lang="fr-FR"/>
           </a:p>
@@ -6044,7 +6044,7 @@
           <a:p>
             <a:fld id="{9B7C77B8-52CB-4832-81F3-20793CABD1B7}" type="datetime1">
               <a:rPr lang="fr-FR" smtClean="0"/>
-              <a:t>02/06/2015</a:t>
+              <a:t>03/06/2015</a:t>
             </a:fld>
             <a:endParaRPr lang="fr-FR"/>
           </a:p>
@@ -6983,11 +6983,7 @@
             <a:pPr lvl="1"/>
             <a:r>
               <a:rPr lang="fr-FR" dirty="0" smtClean="0"/>
-              <a:t>Un complément </a:t>
-            </a:r>
-            <a:r>
-              <a:rPr lang="fr-FR" dirty="0" smtClean="0"/>
-              <a:t>Excel</a:t>
+              <a:t>Un complément Excel</a:t>
             </a:r>
           </a:p>
           <a:p>
@@ -10038,42 +10034,86 @@
             <a:endParaRPr lang="fr-FR" dirty="0" smtClean="0"/>
           </a:p>
           <a:p>
-            <a:pPr lvl="1"/>
+            <a:pPr marL="731520" lvl="1" indent="-457200">
+              <a:buFont typeface="+mj-lt"/>
+              <a:buAutoNum type="arabicPeriod"/>
+            </a:pPr>
             <a:r>
               <a:rPr lang="fr-FR" dirty="0" smtClean="0"/>
-              <a:t>Les tests statistiques </a:t>
-            </a:r>
-          </a:p>
-          <a:p>
-            <a:pPr lvl="1"/>
+              <a:t>Etude </a:t>
+            </a:r>
+            <a:r>
+              <a:rPr lang="fr-FR" dirty="0"/>
+              <a:t>d’événements à partir des rentabilités anormales </a:t>
+            </a:r>
             <a:r>
               <a:rPr lang="fr-FR" dirty="0" smtClean="0"/>
-              <a:t>Les différents modèles</a:t>
-            </a:r>
-          </a:p>
-          <a:p>
-            <a:pPr lvl="1"/>
+              <a:t>fournies</a:t>
+            </a:r>
+          </a:p>
+          <a:p>
+            <a:pPr marL="731520" lvl="1" indent="-457200">
+              <a:buFont typeface="+mj-lt"/>
+              <a:buAutoNum type="arabicPeriod"/>
+            </a:pPr>
+            <a:r>
+              <a:rPr lang="fr-FR" dirty="0"/>
+              <a:t>Calcul des rentabilités anormales selon les différents modèles</a:t>
+            </a:r>
+            <a:endParaRPr lang="en-US" dirty="0"/>
+          </a:p>
+          <a:p>
+            <a:pPr marL="731520" lvl="1" indent="-457200">
+              <a:buFont typeface="+mj-lt"/>
+              <a:buAutoNum type="arabicPeriod"/>
+            </a:pPr>
+            <a:r>
+              <a:rPr lang="fr-FR" dirty="0"/>
+              <a:t>Le problème des données </a:t>
+            </a:r>
             <a:r>
               <a:rPr lang="fr-FR" dirty="0" smtClean="0"/>
-              <a:t>L’interface graphique</a:t>
-            </a:r>
-          </a:p>
-          <a:p>
-            <a:pPr lvl="1"/>
-            <a:endParaRPr lang="fr-FR" dirty="0"/>
-          </a:p>
-          <a:p>
-            <a:r>
-              <a:rPr lang="fr-FR" dirty="0" smtClean="0"/>
-              <a:t>Un projet de recherche → Pas de fin déterminée</a:t>
-            </a:r>
-            <a:endParaRPr lang="fr-FR" dirty="0"/>
+              <a:t>manquantes</a:t>
+            </a:r>
+            <a:endParaRPr lang="en-US" dirty="0"/>
           </a:p>
           <a:p>
             <a:pPr marL="274320" lvl="1" indent="0">
               <a:buNone/>
             </a:pPr>
             <a:endParaRPr lang="fr-FR" dirty="0"/>
+          </a:p>
+          <a:p>
+            <a:r>
+              <a:rPr lang="fr-FR" dirty="0" smtClean="0"/>
+              <a:t>Un projet de recherche → Pas de fin </a:t>
+            </a:r>
+            <a:r>
+              <a:rPr lang="fr-FR" dirty="0" smtClean="0"/>
+              <a:t>déterminée</a:t>
+            </a:r>
+            <a:endParaRPr lang="fr-FR" dirty="0"/>
+          </a:p>
+          <a:p>
+            <a:pPr lvl="1"/>
+            <a:r>
+              <a:rPr lang="fr-FR" dirty="0"/>
+              <a:t>Les tests statistiques </a:t>
+            </a:r>
+          </a:p>
+          <a:p>
+            <a:pPr lvl="1"/>
+            <a:r>
+              <a:rPr lang="fr-FR" dirty="0"/>
+              <a:t>Les différents modèles</a:t>
+            </a:r>
+          </a:p>
+          <a:p>
+            <a:pPr lvl="1"/>
+            <a:r>
+              <a:rPr lang="fr-FR" dirty="0"/>
+              <a:t>L’interface graphique</a:t>
+            </a:r>
           </a:p>
           <a:p>
             <a:pPr marL="274320" lvl="1" indent="0">

--- a/Sheme.pptx
+++ b/Sheme.pptx
@@ -987,7 +987,11 @@
         <a:p>
           <a:r>
             <a:rPr lang="fr-FR" noProof="0" dirty="0" smtClean="0"/>
-            <a:t>Implémentation de la plateforme</a:t>
+            <a:t>Implémentation de </a:t>
+          </a:r>
+          <a:r>
+            <a:rPr lang="fr-FR" noProof="0" dirty="0" smtClean="0"/>
+            <a:t>l’outil</a:t>
           </a:r>
           <a:endParaRPr lang="fr-FR" noProof="0" dirty="0"/>
         </a:p>
@@ -1456,7 +1460,11 @@
           </a:pPr>
           <a:r>
             <a:rPr lang="fr-FR" sz="1800" kern="1200" noProof="0" dirty="0" smtClean="0"/>
-            <a:t>Implémentation de la plateforme</a:t>
+            <a:t>Implémentation de </a:t>
+          </a:r>
+          <a:r>
+            <a:rPr lang="fr-FR" sz="1800" kern="1200" noProof="0" dirty="0" smtClean="0"/>
+            <a:t>l’outil</a:t>
           </a:r>
           <a:endParaRPr lang="fr-FR" sz="1800" kern="1200" noProof="0" dirty="0"/>
         </a:p>
@@ -9885,7 +9893,7 @@
             <p:ph idx="1"/>
             <p:extLst>
               <p:ext uri="{D42A27DB-BD31-4B8C-83A1-F6EECF244321}">
-                <p14:modId xmlns:p14="http://schemas.microsoft.com/office/powerpoint/2010/main" val="123860370"/>
+                <p14:modId xmlns:p14="http://schemas.microsoft.com/office/powerpoint/2010/main" val="197108968"/>
               </p:ext>
             </p:extLst>
           </p:nvPr>
@@ -10081,38 +10089,30 @@
             <a:pPr marL="274320" lvl="1" indent="0">
               <a:buNone/>
             </a:pPr>
+            <a:endParaRPr lang="fr-FR" dirty="0" smtClean="0"/>
+          </a:p>
+          <a:p>
+            <a:pPr marL="274320" lvl="1" indent="0">
+              <a:buNone/>
+            </a:pPr>
             <a:endParaRPr lang="fr-FR" dirty="0"/>
           </a:p>
           <a:p>
+            <a:pPr lvl="1"/>
             <a:r>
               <a:rPr lang="fr-FR" dirty="0" smtClean="0"/>
-              <a:t>Un projet de recherche → Pas de fin </a:t>
-            </a:r>
+              <a:t>Les </a:t>
+            </a:r>
+            <a:r>
+              <a:rPr lang="fr-FR" dirty="0"/>
+              <a:t>tests statistiques </a:t>
+            </a:r>
+          </a:p>
+          <a:p>
+            <a:pPr lvl="1"/>
             <a:r>
               <a:rPr lang="fr-FR" dirty="0" smtClean="0"/>
-              <a:t>déterminée</a:t>
-            </a:r>
-            <a:endParaRPr lang="fr-FR" dirty="0"/>
-          </a:p>
-          <a:p>
-            <a:pPr lvl="1"/>
-            <a:r>
-              <a:rPr lang="fr-FR" dirty="0"/>
-              <a:t>Les tests statistiques </a:t>
-            </a:r>
-          </a:p>
-          <a:p>
-            <a:pPr lvl="1"/>
-            <a:r>
-              <a:rPr lang="fr-FR" dirty="0"/>
-              <a:t>Les différents modèles</a:t>
-            </a:r>
-          </a:p>
-          <a:p>
-            <a:pPr lvl="1"/>
-            <a:r>
-              <a:rPr lang="fr-FR" dirty="0"/>
-              <a:t>L’interface graphique</a:t>
+              <a:t>Les différents modèles          </a:t>
             </a:r>
           </a:p>
           <a:p>
@@ -10136,6 +10136,74 @@
           </a:p>
           <a:p>
             <a:endParaRPr lang="fr-FR" dirty="0"/>
+          </a:p>
+        </p:txBody>
+      </p:sp>
+      <p:cxnSp>
+        <p:nvCxnSpPr>
+          <p:cNvPr id="7" name="Connecteur droit avec flèche 6"/>
+          <p:cNvCxnSpPr/>
+          <p:nvPr/>
+        </p:nvCxnSpPr>
+        <p:spPr>
+          <a:xfrm>
+            <a:off x="3851920" y="4653136"/>
+            <a:ext cx="792088" cy="0"/>
+          </a:xfrm>
+          <a:prstGeom prst="straightConnector1">
+            <a:avLst/>
+          </a:prstGeom>
+          <a:ln>
+            <a:tailEnd type="triangle"/>
+          </a:ln>
+        </p:spPr>
+        <p:style>
+          <a:lnRef idx="2">
+            <a:schemeClr val="dk1"/>
+          </a:lnRef>
+          <a:fillRef idx="0">
+            <a:schemeClr val="dk1"/>
+          </a:fillRef>
+          <a:effectRef idx="1">
+            <a:schemeClr val="dk1"/>
+          </a:effectRef>
+          <a:fontRef idx="minor">
+            <a:schemeClr val="tx1"/>
+          </a:fontRef>
+        </p:style>
+      </p:cxnSp>
+      <p:sp>
+        <p:nvSpPr>
+          <p:cNvPr id="9" name="ZoneTexte 8"/>
+          <p:cNvSpPr txBox="1"/>
+          <p:nvPr/>
+        </p:nvSpPr>
+        <p:spPr>
+          <a:xfrm>
+            <a:off x="4475555" y="4468470"/>
+            <a:ext cx="3103233" cy="400110"/>
+          </a:xfrm>
+          <a:prstGeom prst="rect">
+            <a:avLst/>
+          </a:prstGeom>
+          <a:noFill/>
+        </p:spPr>
+        <p:txBody>
+          <a:bodyPr wrap="square" rtlCol="0">
+            <a:spAutoFit/>
+          </a:bodyPr>
+          <a:lstStyle/>
+          <a:p>
+            <a:pPr lvl="1"/>
+            <a:r>
+              <a:rPr lang="fr-FR" sz="2000" dirty="0" smtClean="0"/>
+              <a:t>L’interface </a:t>
+            </a:r>
+            <a:r>
+              <a:rPr lang="fr-FR" sz="2000" dirty="0"/>
+              <a:t>graphique</a:t>
+            </a:r>
+            <a:endParaRPr lang="fr-FR" sz="2000" dirty="0"/>
           </a:p>
         </p:txBody>
       </p:sp>

--- a/Sheme.pptx
+++ b/Sheme.pptx
@@ -17,7 +17,7 @@
     <p:sldId id="260" r:id="rId8"/>
     <p:sldId id="261" r:id="rId9"/>
     <p:sldId id="263" r:id="rId10"/>
-    <p:sldId id="262" r:id="rId11"/>
+    <p:sldId id="266" r:id="rId11"/>
   </p:sldIdLst>
   <p:sldSz cx="9144000" cy="6858000" type="screen4x3"/>
   <p:notesSz cx="6858000" cy="9144000"/>
@@ -118,7 +118,7 @@
   </p:defaultTextStyle>
   <p:extLst>
     <p:ext uri="{EFAFB233-063F-42B5-8137-9DF3F51BA10A}">
-      <p15:sldGuideLst xmlns:p15="http://schemas.microsoft.com/office/powerpoint/2012/main">
+      <p15:sldGuideLst xmlns:p15="http://schemas.microsoft.com/office/powerpoint/2012/main" xmlns="">
         <p15:guide id="1" orient="horz" pos="2160">
           <p15:clr>
             <a:srgbClr val="A4A3A4"/>
@@ -987,11 +987,7 @@
         <a:p>
           <a:r>
             <a:rPr lang="fr-FR" noProof="0" dirty="0" smtClean="0"/>
-            <a:t>Implémentation de </a:t>
-          </a:r>
-          <a:r>
-            <a:rPr lang="fr-FR" noProof="0" dirty="0" smtClean="0"/>
-            <a:t>l’outil</a:t>
+            <a:t>Implémentation de l’outil</a:t>
           </a:r>
           <a:endParaRPr lang="fr-FR" noProof="0" dirty="0"/>
         </a:p>
@@ -1460,11 +1456,7 @@
           </a:pPr>
           <a:r>
             <a:rPr lang="fr-FR" sz="1800" kern="1200" noProof="0" dirty="0" smtClean="0"/>
-            <a:t>Implémentation de </a:t>
-          </a:r>
-          <a:r>
-            <a:rPr lang="fr-FR" sz="1800" kern="1200" noProof="0" dirty="0" smtClean="0"/>
-            <a:t>l’outil</a:t>
+            <a:t>Implémentation de l’outil</a:t>
           </a:r>
           <a:endParaRPr lang="fr-FR" sz="1800" kern="1200" noProof="0" dirty="0"/>
         </a:p>
@@ -3094,6 +3086,115 @@
 </file>
 
 <file path=ppt/notesSlides/notesSlide1.xml><?xml version="1.0" encoding="utf-8"?>
+<p:notes xmlns:a="http://schemas.openxmlformats.org/drawingml/2006/main" xmlns:r="http://schemas.openxmlformats.org/officeDocument/2006/relationships" xmlns:p="http://schemas.openxmlformats.org/presentationml/2006/main">
+  <p:cSld>
+    <p:spTree>
+      <p:nvGrpSpPr>
+        <p:cNvPr id="1" name=""/>
+        <p:cNvGrpSpPr/>
+        <p:nvPr/>
+      </p:nvGrpSpPr>
+      <p:grpSpPr>
+        <a:xfrm>
+          <a:off x="0" y="0"/>
+          <a:ext cx="0" cy="0"/>
+          <a:chOff x="0" y="0"/>
+          <a:chExt cx="0" cy="0"/>
+        </a:xfrm>
+      </p:grpSpPr>
+      <p:sp>
+        <p:nvSpPr>
+          <p:cNvPr id="2" name="Espace réservé de l'image des diapositives 1"/>
+          <p:cNvSpPr>
+            <a:spLocks noGrp="1" noRot="1" noChangeAspect="1"/>
+          </p:cNvSpPr>
+          <p:nvPr>
+            <p:ph type="sldImg"/>
+          </p:nvPr>
+        </p:nvSpPr>
+        <p:spPr/>
+      </p:sp>
+      <p:sp>
+        <p:nvSpPr>
+          <p:cNvPr id="3" name="Espace réservé des commentaires 2"/>
+          <p:cNvSpPr>
+            <a:spLocks noGrp="1"/>
+          </p:cNvSpPr>
+          <p:nvPr>
+            <p:ph type="body" idx="1"/>
+          </p:nvPr>
+        </p:nvSpPr>
+        <p:spPr/>
+        <p:txBody>
+          <a:bodyPr/>
+          <a:lstStyle/>
+          <a:p>
+            <a:r>
+              <a:rPr lang="fr-FR" dirty="0" smtClean="0"/>
+              <a:t>Précisions : </a:t>
+            </a:r>
+          </a:p>
+          <a:p>
+            <a:pPr lvl="1"/>
+            <a:r>
+              <a:rPr lang="fr-FR" dirty="0" smtClean="0"/>
+              <a:t>Événement = type d’événement</a:t>
+            </a:r>
+          </a:p>
+          <a:p>
+            <a:pPr lvl="1"/>
+            <a:r>
+              <a:rPr lang="fr-FR" dirty="0" smtClean="0"/>
+              <a:t>Une entreprise au sens général</a:t>
+            </a:r>
+          </a:p>
+          <a:p>
+            <a:pPr lvl="1"/>
+            <a:r>
+              <a:rPr lang="fr-FR" dirty="0" smtClean="0"/>
+              <a:t>Valeur d’une entreprise = cotation boursière</a:t>
+            </a:r>
+            <a:endParaRPr lang="fr-FR" dirty="0" smtClean="0"/>
+          </a:p>
+        </p:txBody>
+      </p:sp>
+      <p:sp>
+        <p:nvSpPr>
+          <p:cNvPr id="4" name="Espace réservé du numéro de diapositive 3"/>
+          <p:cNvSpPr>
+            <a:spLocks noGrp="1"/>
+          </p:cNvSpPr>
+          <p:nvPr>
+            <p:ph type="sldNum" sz="quarter" idx="10"/>
+          </p:nvPr>
+        </p:nvSpPr>
+        <p:spPr/>
+        <p:txBody>
+          <a:bodyPr/>
+          <a:lstStyle/>
+          <a:p>
+            <a:fld id="{6A5C4556-5453-4E19-887E-A97705F9CD8C}" type="slidenum">
+              <a:rPr lang="fr-FR" smtClean="0"/>
+              <a:t>3</a:t>
+            </a:fld>
+            <a:endParaRPr lang="fr-FR"/>
+          </a:p>
+        </p:txBody>
+      </p:sp>
+    </p:spTree>
+    <p:extLst>
+      <p:ext uri="{BB962C8B-B14F-4D97-AF65-F5344CB8AC3E}">
+        <p14:creationId xmlns:p14="http://schemas.microsoft.com/office/powerpoint/2010/main" val="3220409379"/>
+      </p:ext>
+    </p:extLst>
+  </p:cSld>
+  <p:clrMapOvr>
+    <a:masterClrMapping/>
+  </p:clrMapOvr>
+</p:notes>
+</file>
+
+<file path=ppt/notesSlides/notesSlide2.xml><?xml version="1.0" encoding="utf-8"?>
 <p:notes xmlns:a="http://schemas.openxmlformats.org/drawingml/2006/main" xmlns:r="http://schemas.openxmlformats.org/officeDocument/2006/relationships" xmlns:p="http://schemas.openxmlformats.org/presentationml/2006/main">
   <p:cSld>
     <p:spTree>
@@ -6489,7 +6590,7 @@
         <p:spPr>
           <a:xfrm>
             <a:off x="657701" y="3861048"/>
-            <a:ext cx="7848872" cy="677108"/>
+            <a:ext cx="7848872" cy="584775"/>
           </a:xfrm>
           <a:prstGeom prst="rect">
             <a:avLst/>
@@ -6504,10 +6605,18 @@
           <a:p>
             <a:pPr algn="ctr"/>
             <a:r>
-              <a:rPr lang="fr-FR" sz="3800" dirty="0" smtClean="0"/>
-              <a:t>« Etude d’événements en finance »</a:t>
-            </a:r>
-            <a:endParaRPr lang="fr-FR" sz="3800" dirty="0"/>
+              <a:rPr lang="fr-FR" sz="3200" dirty="0" smtClean="0"/>
+              <a:t>Etude </a:t>
+            </a:r>
+            <a:r>
+              <a:rPr lang="fr-FR" sz="3200" dirty="0" smtClean="0"/>
+              <a:t>d’événements en </a:t>
+            </a:r>
+            <a:r>
+              <a:rPr lang="fr-FR" sz="3200" dirty="0" smtClean="0"/>
+              <a:t>finance</a:t>
+            </a:r>
+            <a:endParaRPr lang="fr-FR" sz="3200" dirty="0"/>
           </a:p>
         </p:txBody>
       </p:sp>
@@ -6708,10 +6817,18 @@
           <a:lstStyle/>
           <a:p>
             <a:r>
-              <a:rPr lang="fr-FR" dirty="0" smtClean="0"/>
+              <a:rPr lang="fr-FR" dirty="0" smtClean="0">
+                <a:solidFill>
+                  <a:srgbClr val="292934"/>
+                </a:solidFill>
+              </a:rPr>
               <a:t>Projet de spécialité 2015</a:t>
             </a:r>
-            <a:endParaRPr lang="fr-FR" dirty="0"/>
+            <a:endParaRPr lang="fr-FR" dirty="0">
+              <a:solidFill>
+                <a:srgbClr val="292934"/>
+              </a:solidFill>
+            </a:endParaRPr>
           </a:p>
         </p:txBody>
       </p:sp>
@@ -6723,8 +6840,8 @@
         </p:nvSpPr>
         <p:spPr>
           <a:xfrm>
-            <a:off x="683568" y="3921353"/>
-            <a:ext cx="7848872" cy="523220"/>
+            <a:off x="657701" y="3861048"/>
+            <a:ext cx="7848872" cy="584775"/>
           </a:xfrm>
           <a:prstGeom prst="rect">
             <a:avLst/>
@@ -6739,10 +6856,18 @@
           <a:p>
             <a:pPr algn="ctr"/>
             <a:r>
-              <a:rPr lang="fr-FR" sz="2800" dirty="0" smtClean="0"/>
-              <a:t>« Etude d’événements en finance »</a:t>
-            </a:r>
-            <a:endParaRPr lang="fr-FR" sz="2800" dirty="0"/>
+              <a:rPr lang="fr-FR" sz="3200" dirty="0" smtClean="0">
+                <a:solidFill>
+                  <a:srgbClr val="292934"/>
+                </a:solidFill>
+              </a:rPr>
+              <a:t>Etude d’événements en finance</a:t>
+            </a:r>
+            <a:endParaRPr lang="fr-FR" sz="3200" dirty="0">
+              <a:solidFill>
+                <a:srgbClr val="292934"/>
+              </a:solidFill>
+            </a:endParaRPr>
           </a:p>
         </p:txBody>
       </p:sp>
@@ -6769,22 +6894,38 @@
           <a:lstStyle/>
           <a:p>
             <a:r>
-              <a:rPr lang="fr-FR" dirty="0" smtClean="0"/>
+              <a:rPr lang="fr-FR" dirty="0" smtClean="0">
+                <a:solidFill>
+                  <a:srgbClr val="292934"/>
+                </a:solidFill>
+              </a:rPr>
               <a:t>Fadoua LACHKAR</a:t>
             </a:r>
           </a:p>
           <a:p>
             <a:r>
-              <a:rPr lang="fr-FR" dirty="0" smtClean="0"/>
+              <a:rPr lang="fr-FR" dirty="0" smtClean="0">
+                <a:solidFill>
+                  <a:srgbClr val="292934"/>
+                </a:solidFill>
+              </a:rPr>
               <a:t>John-Elie MARGOT</a:t>
             </a:r>
           </a:p>
           <a:p>
             <a:r>
-              <a:rPr lang="fr-FR" dirty="0" smtClean="0"/>
+              <a:rPr lang="fr-FR" dirty="0" smtClean="0">
+                <a:solidFill>
+                  <a:srgbClr val="292934"/>
+                </a:solidFill>
+              </a:rPr>
               <a:t>Antoine MULET</a:t>
             </a:r>
-            <a:endParaRPr lang="fr-FR" dirty="0"/>
+            <a:endParaRPr lang="fr-FR" dirty="0">
+              <a:solidFill>
+                <a:srgbClr val="292934"/>
+              </a:solidFill>
+            </a:endParaRPr>
           </a:p>
         </p:txBody>
       </p:sp>
@@ -6805,6 +6946,7 @@
           <a:p>
             <a:fld id="{454E7F5D-90A1-42E1-88A9-4F679448623C}" type="slidenum">
               <a:rPr lang="fr-FR" smtClean="0"/>
+              <a:pPr/>
               <a:t>10</a:t>
             </a:fld>
             <a:endParaRPr lang="fr-FR"/>
@@ -6860,7 +7002,7 @@
         </p:nvSpPr>
         <p:spPr>
           <a:xfrm>
-            <a:off x="683568" y="4581128"/>
+            <a:off x="683568" y="4941168"/>
             <a:ext cx="7848872" cy="369332"/>
           </a:xfrm>
           <a:prstGeom prst="rect">
@@ -6876,17 +7018,25 @@
           <a:p>
             <a:pPr algn="ctr"/>
             <a:r>
-              <a:rPr lang="fr-FR" dirty="0" smtClean="0"/>
+              <a:rPr lang="fr-FR" dirty="0" smtClean="0">
+                <a:solidFill>
+                  <a:srgbClr val="292934"/>
+                </a:solidFill>
+              </a:rPr>
               <a:t>3 Juin 2015</a:t>
             </a:r>
-            <a:endParaRPr lang="fr-FR" dirty="0"/>
+            <a:endParaRPr lang="fr-FR" dirty="0">
+              <a:solidFill>
+                <a:srgbClr val="292934"/>
+              </a:solidFill>
+            </a:endParaRPr>
           </a:p>
         </p:txBody>
       </p:sp>
     </p:spTree>
     <p:extLst>
       <p:ext uri="{BB962C8B-B14F-4D97-AF65-F5344CB8AC3E}">
-        <p14:creationId xmlns:p14="http://schemas.microsoft.com/office/powerpoint/2010/main" val="2244919645"/>
+        <p14:creationId xmlns:p14="http://schemas.microsoft.com/office/powerpoint/2010/main" val="465345836"/>
       </p:ext>
     </p:extLst>
   </p:cSld>
@@ -6998,8 +7148,13 @@
             <a:pPr lvl="1"/>
             <a:r>
               <a:rPr lang="fr-FR" dirty="0" smtClean="0"/>
-              <a:t>Aperçu du prototype</a:t>
-            </a:r>
+              <a:t>Aperçu </a:t>
+            </a:r>
+            <a:r>
+              <a:rPr lang="fr-FR" dirty="0" smtClean="0"/>
+              <a:t>de l’interface graphique</a:t>
+            </a:r>
+            <a:endParaRPr lang="fr-FR" dirty="0" smtClean="0"/>
           </a:p>
           <a:p>
             <a:pPr lvl="1"/>
@@ -7130,9 +7285,19 @@
           <a:bodyPr/>
           <a:lstStyle/>
           <a:p>
+            <a:endParaRPr lang="fr-FR" dirty="0" smtClean="0"/>
+          </a:p>
+          <a:p>
+            <a:endParaRPr lang="fr-FR" dirty="0"/>
+          </a:p>
+          <a:p>
+            <a:r>
+              <a:rPr lang="fr-FR" dirty="0" smtClean="0"/>
+              <a:t>Une </a:t>
+            </a:r>
             <a:r>
               <a:rPr lang="fr-FR" dirty="0"/>
-              <a:t>Une étude </a:t>
+              <a:t>étude </a:t>
             </a:r>
             <a:r>
               <a:rPr lang="fr-FR" dirty="0" smtClean="0"/>
@@ -7152,7 +7317,7 @@
             </a:r>
             <a:r>
               <a:rPr lang="fr-FR" dirty="0">
-                <a:hlinkClick r:id="rId2" tooltip="Statistique"/>
+                <a:hlinkClick r:id="rId3" tooltip="Statistique"/>
               </a:rPr>
               <a:t>statistique</a:t>
             </a:r>
@@ -7173,38 +7338,15 @@
             </a:r>
           </a:p>
           <a:p>
-            <a:endParaRPr lang="fr-FR" sz="2000" i="1" dirty="0"/>
-          </a:p>
-          <a:p>
-            <a:r>
-              <a:rPr lang="fr-FR" dirty="0" smtClean="0"/>
-              <a:t>Précisions : </a:t>
-            </a:r>
-            <a:endParaRPr lang="fr-FR" dirty="0"/>
-          </a:p>
-          <a:p>
-            <a:pPr lvl="1"/>
-            <a:r>
-              <a:rPr lang="fr-FR" dirty="0" smtClean="0"/>
-              <a:t>Événement = type d’événement</a:t>
-            </a:r>
-          </a:p>
-          <a:p>
-            <a:pPr lvl="1"/>
-            <a:r>
-              <a:rPr lang="fr-FR" dirty="0" smtClean="0"/>
-              <a:t>Une entreprise au sens général</a:t>
-            </a:r>
-          </a:p>
-          <a:p>
-            <a:pPr lvl="1"/>
-            <a:r>
-              <a:rPr lang="fr-FR" dirty="0" smtClean="0"/>
-              <a:t>Valeur d’une entreprise = cotation boursière</a:t>
-            </a:r>
-          </a:p>
-          <a:p>
-            <a:pPr lvl="1"/>
+            <a:pPr marL="274320" lvl="1" indent="0">
+              <a:buNone/>
+            </a:pPr>
+            <a:endParaRPr lang="fr-FR" dirty="0" smtClean="0"/>
+          </a:p>
+          <a:p>
+            <a:pPr marL="274320" lvl="1" indent="0">
+              <a:buNone/>
+            </a:pPr>
             <a:endParaRPr lang="fr-FR" dirty="0"/>
           </a:p>
           <a:p>
@@ -10203,7 +10345,6 @@
               <a:rPr lang="fr-FR" sz="2000" dirty="0"/>
               <a:t>graphique</a:t>
             </a:r>
-            <a:endParaRPr lang="fr-FR" sz="2000" dirty="0"/>
           </a:p>
         </p:txBody>
       </p:sp>

--- a/Sheme.pptx
+++ b/Sheme.pptx
@@ -118,7 +118,7 @@
   </p:defaultTextStyle>
   <p:extLst>
     <p:ext uri="{EFAFB233-063F-42B5-8137-9DF3F51BA10A}">
-      <p15:sldGuideLst xmlns:p15="http://schemas.microsoft.com/office/powerpoint/2012/main" xmlns="">
+      <p15:sldGuideLst xmlns="" xmlns:p15="http://schemas.microsoft.com/office/powerpoint/2012/main">
         <p15:guide id="1" orient="horz" pos="2160">
           <p15:clr>
             <a:srgbClr val="A4A3A4"/>
@@ -3154,7 +3154,6 @@
               <a:rPr lang="fr-FR" dirty="0" smtClean="0"/>
               <a:t>Valeur d’une entreprise = cotation boursière</a:t>
             </a:r>
-            <a:endParaRPr lang="fr-FR" dirty="0" smtClean="0"/>
           </a:p>
         </p:txBody>
       </p:sp>
@@ -6606,15 +6605,7 @@
             <a:pPr algn="ctr"/>
             <a:r>
               <a:rPr lang="fr-FR" sz="3200" dirty="0" smtClean="0"/>
-              <a:t>Etude </a:t>
-            </a:r>
-            <a:r>
-              <a:rPr lang="fr-FR" sz="3200" dirty="0" smtClean="0"/>
-              <a:t>d’événements en </a:t>
-            </a:r>
-            <a:r>
-              <a:rPr lang="fr-FR" sz="3200" dirty="0" smtClean="0"/>
-              <a:t>finance</a:t>
+              <a:t>Etude d’événements en finance</a:t>
             </a:r>
             <a:endParaRPr lang="fr-FR" sz="3200" dirty="0"/>
           </a:p>
@@ -7148,13 +7139,8 @@
             <a:pPr lvl="1"/>
             <a:r>
               <a:rPr lang="fr-FR" dirty="0" smtClean="0"/>
-              <a:t>Aperçu </a:t>
-            </a:r>
-            <a:r>
-              <a:rPr lang="fr-FR" dirty="0" smtClean="0"/>
-              <a:t>de l’interface graphique</a:t>
-            </a:r>
-            <a:endParaRPr lang="fr-FR" dirty="0" smtClean="0"/>
+              <a:t>Aperçu de l’interface graphique</a:t>
+            </a:r>
           </a:p>
           <a:p>
             <a:pPr lvl="1"/>
@@ -9564,7 +9550,7 @@
           <a:p>
             <a:r>
               <a:rPr lang="fr-FR" dirty="0" smtClean="0"/>
-              <a:t>Le livrable</a:t>
+              <a:t>Les livrables</a:t>
             </a:r>
             <a:endParaRPr lang="fr-FR" dirty="0"/>
           </a:p>
@@ -9604,7 +9590,7 @@
         <p:spPr>
           <a:xfrm>
             <a:off x="457200" y="2060848"/>
-            <a:ext cx="8229600" cy="3120008"/>
+            <a:ext cx="8229600" cy="4032448"/>
           </a:xfrm>
           <a:prstGeom prst="rect">
             <a:avLst/>
@@ -9791,8 +9777,27 @@
             </a:pPr>
             <a:r>
               <a:rPr lang="fr-FR" sz="2800" dirty="0" smtClean="0"/>
-              <a:t>Un complément Excel</a:t>
-            </a:r>
+              <a:t>Un complément </a:t>
+            </a:r>
+            <a:r>
+              <a:rPr lang="fr-FR" sz="2800" dirty="0" smtClean="0"/>
+              <a:t>Excel</a:t>
+            </a:r>
+          </a:p>
+          <a:p>
+            <a:pPr>
+              <a:spcBef>
+                <a:spcPts val="600"/>
+              </a:spcBef>
+              <a:spcAft>
+                <a:spcPts val="3600"/>
+              </a:spcAft>
+            </a:pPr>
+            <a:r>
+              <a:rPr lang="fr-FR" sz="2800" dirty="0" smtClean="0"/>
+              <a:t>Documentation</a:t>
+            </a:r>
+            <a:endParaRPr lang="fr-FR" sz="2800" dirty="0" smtClean="0"/>
           </a:p>
           <a:p>
             <a:pPr>
